--- a/powerpoint/Map_Lesson.pptx
+++ b/powerpoint/Map_Lesson.pptx
@@ -69,17 +69,17 @@
           <a:noFill/>
         </a:ln>
         <a:solidFill>
-          <a:schemeClr val="accent1"/>
+          <a:srgbClr val="000034"/>
         </a:solidFill>
         <a:effectLst/>
         <a:uFillTx/>
-        <a:latin typeface="Founders Grotesk Text"/>
-        <a:ea typeface="Founders Grotesk Text"/>
-        <a:cs typeface="Founders Grotesk Text"/>
-        <a:sym typeface="Founders Grotesk Text"/>
+        <a:latin typeface="Founders Grotesk Semibold"/>
+        <a:ea typeface="Founders Grotesk Semibold"/>
+        <a:cs typeface="Founders Grotesk Semibold"/>
+        <a:sym typeface="Founders Grotesk Semibold"/>
       </a:defRPr>
     </a:lvl1pPr>
-    <a:lvl2pPr marL="0" marR="0" indent="457200" algn="ctr" defTabSz="584200" rtl="0" fontAlgn="auto" latinLnBrk="0" hangingPunct="0">
+    <a:lvl2pPr marL="0" marR="0" indent="0" algn="ctr" defTabSz="584200" rtl="0" fontAlgn="auto" latinLnBrk="0" hangingPunct="0">
       <a:lnSpc>
         <a:spcPct val="100000"/>
       </a:lnSpc>
@@ -101,17 +101,17 @@
           <a:noFill/>
         </a:ln>
         <a:solidFill>
-          <a:schemeClr val="accent1"/>
+          <a:srgbClr val="000034"/>
         </a:solidFill>
         <a:effectLst/>
         <a:uFillTx/>
-        <a:latin typeface="Founders Grotesk Text"/>
-        <a:ea typeface="Founders Grotesk Text"/>
-        <a:cs typeface="Founders Grotesk Text"/>
-        <a:sym typeface="Founders Grotesk Text"/>
+        <a:latin typeface="Founders Grotesk Semibold"/>
+        <a:ea typeface="Founders Grotesk Semibold"/>
+        <a:cs typeface="Founders Grotesk Semibold"/>
+        <a:sym typeface="Founders Grotesk Semibold"/>
       </a:defRPr>
     </a:lvl2pPr>
-    <a:lvl3pPr marL="0" marR="0" indent="914400" algn="ctr" defTabSz="584200" rtl="0" fontAlgn="auto" latinLnBrk="0" hangingPunct="0">
+    <a:lvl3pPr marL="0" marR="0" indent="0" algn="ctr" defTabSz="584200" rtl="0" fontAlgn="auto" latinLnBrk="0" hangingPunct="0">
       <a:lnSpc>
         <a:spcPct val="100000"/>
       </a:lnSpc>
@@ -133,17 +133,17 @@
           <a:noFill/>
         </a:ln>
         <a:solidFill>
-          <a:schemeClr val="accent1"/>
+          <a:srgbClr val="000034"/>
         </a:solidFill>
         <a:effectLst/>
         <a:uFillTx/>
-        <a:latin typeface="Founders Grotesk Text"/>
-        <a:ea typeface="Founders Grotesk Text"/>
-        <a:cs typeface="Founders Grotesk Text"/>
-        <a:sym typeface="Founders Grotesk Text"/>
+        <a:latin typeface="Founders Grotesk Semibold"/>
+        <a:ea typeface="Founders Grotesk Semibold"/>
+        <a:cs typeface="Founders Grotesk Semibold"/>
+        <a:sym typeface="Founders Grotesk Semibold"/>
       </a:defRPr>
     </a:lvl3pPr>
-    <a:lvl4pPr marL="0" marR="0" indent="1371600" algn="ctr" defTabSz="584200" rtl="0" fontAlgn="auto" latinLnBrk="0" hangingPunct="0">
+    <a:lvl4pPr marL="0" marR="0" indent="0" algn="ctr" defTabSz="584200" rtl="0" fontAlgn="auto" latinLnBrk="0" hangingPunct="0">
       <a:lnSpc>
         <a:spcPct val="100000"/>
       </a:lnSpc>
@@ -165,17 +165,17 @@
           <a:noFill/>
         </a:ln>
         <a:solidFill>
-          <a:schemeClr val="accent1"/>
+          <a:srgbClr val="000034"/>
         </a:solidFill>
         <a:effectLst/>
         <a:uFillTx/>
-        <a:latin typeface="Founders Grotesk Text"/>
-        <a:ea typeface="Founders Grotesk Text"/>
-        <a:cs typeface="Founders Grotesk Text"/>
-        <a:sym typeface="Founders Grotesk Text"/>
+        <a:latin typeface="Founders Grotesk Semibold"/>
+        <a:ea typeface="Founders Grotesk Semibold"/>
+        <a:cs typeface="Founders Grotesk Semibold"/>
+        <a:sym typeface="Founders Grotesk Semibold"/>
       </a:defRPr>
     </a:lvl4pPr>
-    <a:lvl5pPr marL="0" marR="0" indent="1828800" algn="ctr" defTabSz="584200" rtl="0" fontAlgn="auto" latinLnBrk="0" hangingPunct="0">
+    <a:lvl5pPr marL="0" marR="0" indent="0" algn="ctr" defTabSz="584200" rtl="0" fontAlgn="auto" latinLnBrk="0" hangingPunct="0">
       <a:lnSpc>
         <a:spcPct val="100000"/>
       </a:lnSpc>
@@ -197,17 +197,17 @@
           <a:noFill/>
         </a:ln>
         <a:solidFill>
-          <a:schemeClr val="accent1"/>
+          <a:srgbClr val="000034"/>
         </a:solidFill>
         <a:effectLst/>
         <a:uFillTx/>
-        <a:latin typeface="Founders Grotesk Text"/>
-        <a:ea typeface="Founders Grotesk Text"/>
-        <a:cs typeface="Founders Grotesk Text"/>
-        <a:sym typeface="Founders Grotesk Text"/>
+        <a:latin typeface="Founders Grotesk Semibold"/>
+        <a:ea typeface="Founders Grotesk Semibold"/>
+        <a:cs typeface="Founders Grotesk Semibold"/>
+        <a:sym typeface="Founders Grotesk Semibold"/>
       </a:defRPr>
     </a:lvl5pPr>
-    <a:lvl6pPr marL="0" marR="0" indent="2286000" algn="ctr" defTabSz="584200" rtl="0" fontAlgn="auto" latinLnBrk="0" hangingPunct="0">
+    <a:lvl6pPr marL="0" marR="0" indent="0" algn="ctr" defTabSz="584200" rtl="0" fontAlgn="auto" latinLnBrk="0" hangingPunct="0">
       <a:lnSpc>
         <a:spcPct val="100000"/>
       </a:lnSpc>
@@ -229,17 +229,17 @@
           <a:noFill/>
         </a:ln>
         <a:solidFill>
-          <a:schemeClr val="accent1"/>
+          <a:srgbClr val="000034"/>
         </a:solidFill>
         <a:effectLst/>
         <a:uFillTx/>
-        <a:latin typeface="Founders Grotesk Text"/>
-        <a:ea typeface="Founders Grotesk Text"/>
-        <a:cs typeface="Founders Grotesk Text"/>
-        <a:sym typeface="Founders Grotesk Text"/>
+        <a:latin typeface="Founders Grotesk Semibold"/>
+        <a:ea typeface="Founders Grotesk Semibold"/>
+        <a:cs typeface="Founders Grotesk Semibold"/>
+        <a:sym typeface="Founders Grotesk Semibold"/>
       </a:defRPr>
     </a:lvl6pPr>
-    <a:lvl7pPr marL="0" marR="0" indent="2743200" algn="ctr" defTabSz="584200" rtl="0" fontAlgn="auto" latinLnBrk="0" hangingPunct="0">
+    <a:lvl7pPr marL="0" marR="0" indent="0" algn="ctr" defTabSz="584200" rtl="0" fontAlgn="auto" latinLnBrk="0" hangingPunct="0">
       <a:lnSpc>
         <a:spcPct val="100000"/>
       </a:lnSpc>
@@ -261,17 +261,17 @@
           <a:noFill/>
         </a:ln>
         <a:solidFill>
-          <a:schemeClr val="accent1"/>
+          <a:srgbClr val="000034"/>
         </a:solidFill>
         <a:effectLst/>
         <a:uFillTx/>
-        <a:latin typeface="Founders Grotesk Text"/>
-        <a:ea typeface="Founders Grotesk Text"/>
-        <a:cs typeface="Founders Grotesk Text"/>
-        <a:sym typeface="Founders Grotesk Text"/>
+        <a:latin typeface="Founders Grotesk Semibold"/>
+        <a:ea typeface="Founders Grotesk Semibold"/>
+        <a:cs typeface="Founders Grotesk Semibold"/>
+        <a:sym typeface="Founders Grotesk Semibold"/>
       </a:defRPr>
     </a:lvl7pPr>
-    <a:lvl8pPr marL="0" marR="0" indent="3200400" algn="ctr" defTabSz="584200" rtl="0" fontAlgn="auto" latinLnBrk="0" hangingPunct="0">
+    <a:lvl8pPr marL="0" marR="0" indent="0" algn="ctr" defTabSz="584200" rtl="0" fontAlgn="auto" latinLnBrk="0" hangingPunct="0">
       <a:lnSpc>
         <a:spcPct val="100000"/>
       </a:lnSpc>
@@ -293,17 +293,17 @@
           <a:noFill/>
         </a:ln>
         <a:solidFill>
-          <a:schemeClr val="accent1"/>
+          <a:srgbClr val="000034"/>
         </a:solidFill>
         <a:effectLst/>
         <a:uFillTx/>
-        <a:latin typeface="Founders Grotesk Text"/>
-        <a:ea typeface="Founders Grotesk Text"/>
-        <a:cs typeface="Founders Grotesk Text"/>
-        <a:sym typeface="Founders Grotesk Text"/>
+        <a:latin typeface="Founders Grotesk Semibold"/>
+        <a:ea typeface="Founders Grotesk Semibold"/>
+        <a:cs typeface="Founders Grotesk Semibold"/>
+        <a:sym typeface="Founders Grotesk Semibold"/>
       </a:defRPr>
     </a:lvl8pPr>
-    <a:lvl9pPr marL="0" marR="0" indent="3657600" algn="ctr" defTabSz="584200" rtl="0" fontAlgn="auto" latinLnBrk="0" hangingPunct="0">
+    <a:lvl9pPr marL="0" marR="0" indent="0" algn="ctr" defTabSz="584200" rtl="0" fontAlgn="auto" latinLnBrk="0" hangingPunct="0">
       <a:lnSpc>
         <a:spcPct val="100000"/>
       </a:lnSpc>
@@ -325,14 +325,14 @@
           <a:noFill/>
         </a:ln>
         <a:solidFill>
-          <a:schemeClr val="accent1"/>
+          <a:srgbClr val="000034"/>
         </a:solidFill>
         <a:effectLst/>
         <a:uFillTx/>
-        <a:latin typeface="Founders Grotesk Text"/>
-        <a:ea typeface="Founders Grotesk Text"/>
-        <a:cs typeface="Founders Grotesk Text"/>
-        <a:sym typeface="Founders Grotesk Text"/>
+        <a:latin typeface="Founders Grotesk Semibold"/>
+        <a:ea typeface="Founders Grotesk Semibold"/>
+        <a:cs typeface="Founders Grotesk Semibold"/>
+        <a:sym typeface="Founders Grotesk Semibold"/>
       </a:defRPr>
     </a:lvl9pPr>
   </p:defaultTextStyle>
@@ -419,9 +419,9 @@
         <a:spcPct val="117999"/>
       </a:lnSpc>
       <a:defRPr sz="2200">
-        <a:latin typeface="Helvetica Neue"/>
-        <a:ea typeface="Helvetica Neue"/>
-        <a:cs typeface="Helvetica Neue"/>
+        <a:latin typeface="+mj-lt"/>
+        <a:ea typeface="+mj-ea"/>
+        <a:cs typeface="+mj-cs"/>
         <a:sym typeface="Helvetica Neue"/>
       </a:defRPr>
     </a:lvl1pPr>
@@ -430,9 +430,9 @@
         <a:spcPct val="117999"/>
       </a:lnSpc>
       <a:defRPr sz="2200">
-        <a:latin typeface="Helvetica Neue"/>
-        <a:ea typeface="Helvetica Neue"/>
-        <a:cs typeface="Helvetica Neue"/>
+        <a:latin typeface="+mj-lt"/>
+        <a:ea typeface="+mj-ea"/>
+        <a:cs typeface="+mj-cs"/>
         <a:sym typeface="Helvetica Neue"/>
       </a:defRPr>
     </a:lvl2pPr>
@@ -441,9 +441,9 @@
         <a:spcPct val="117999"/>
       </a:lnSpc>
       <a:defRPr sz="2200">
-        <a:latin typeface="Helvetica Neue"/>
-        <a:ea typeface="Helvetica Neue"/>
-        <a:cs typeface="Helvetica Neue"/>
+        <a:latin typeface="+mj-lt"/>
+        <a:ea typeface="+mj-ea"/>
+        <a:cs typeface="+mj-cs"/>
         <a:sym typeface="Helvetica Neue"/>
       </a:defRPr>
     </a:lvl3pPr>
@@ -452,9 +452,9 @@
         <a:spcPct val="117999"/>
       </a:lnSpc>
       <a:defRPr sz="2200">
-        <a:latin typeface="Helvetica Neue"/>
-        <a:ea typeface="Helvetica Neue"/>
-        <a:cs typeface="Helvetica Neue"/>
+        <a:latin typeface="+mj-lt"/>
+        <a:ea typeface="+mj-ea"/>
+        <a:cs typeface="+mj-cs"/>
         <a:sym typeface="Helvetica Neue"/>
       </a:defRPr>
     </a:lvl4pPr>
@@ -463,9 +463,9 @@
         <a:spcPct val="117999"/>
       </a:lnSpc>
       <a:defRPr sz="2200">
-        <a:latin typeface="Helvetica Neue"/>
-        <a:ea typeface="Helvetica Neue"/>
-        <a:cs typeface="Helvetica Neue"/>
+        <a:latin typeface="+mj-lt"/>
+        <a:ea typeface="+mj-ea"/>
+        <a:cs typeface="+mj-cs"/>
         <a:sym typeface="Helvetica Neue"/>
       </a:defRPr>
     </a:lvl5pPr>
@@ -474,9 +474,9 @@
         <a:spcPct val="117999"/>
       </a:lnSpc>
       <a:defRPr sz="2200">
-        <a:latin typeface="Helvetica Neue"/>
-        <a:ea typeface="Helvetica Neue"/>
-        <a:cs typeface="Helvetica Neue"/>
+        <a:latin typeface="+mj-lt"/>
+        <a:ea typeface="+mj-ea"/>
+        <a:cs typeface="+mj-cs"/>
         <a:sym typeface="Helvetica Neue"/>
       </a:defRPr>
     </a:lvl6pPr>
@@ -485,9 +485,9 @@
         <a:spcPct val="117999"/>
       </a:lnSpc>
       <a:defRPr sz="2200">
-        <a:latin typeface="Helvetica Neue"/>
-        <a:ea typeface="Helvetica Neue"/>
-        <a:cs typeface="Helvetica Neue"/>
+        <a:latin typeface="+mj-lt"/>
+        <a:ea typeface="+mj-ea"/>
+        <a:cs typeface="+mj-cs"/>
         <a:sym typeface="Helvetica Neue"/>
       </a:defRPr>
     </a:lvl7pPr>
@@ -496,9 +496,9 @@
         <a:spcPct val="117999"/>
       </a:lnSpc>
       <a:defRPr sz="2200">
-        <a:latin typeface="Helvetica Neue"/>
-        <a:ea typeface="Helvetica Neue"/>
-        <a:cs typeface="Helvetica Neue"/>
+        <a:latin typeface="+mj-lt"/>
+        <a:ea typeface="+mj-ea"/>
+        <a:cs typeface="+mj-cs"/>
         <a:sym typeface="Helvetica Neue"/>
       </a:defRPr>
     </a:lvl8pPr>
@@ -507,9 +507,9 @@
         <a:spcPct val="117999"/>
       </a:lnSpc>
       <a:defRPr sz="2200">
-        <a:latin typeface="Helvetica Neue"/>
-        <a:ea typeface="Helvetica Neue"/>
-        <a:cs typeface="Helvetica Neue"/>
+        <a:latin typeface="+mj-lt"/>
+        <a:ea typeface="+mj-ea"/>
+        <a:cs typeface="+mj-cs"/>
         <a:sym typeface="Helvetica Neue"/>
       </a:defRPr>
     </a:lvl9pPr>
@@ -520,6 +520,13 @@
 <file path=ppt/slideLayouts/slideLayout1.xml><?xml version="1.0" encoding="utf-8"?>
 <p:sldLayout xmlns:a="http://schemas.openxmlformats.org/drawingml/2006/main" xmlns:r="http://schemas.openxmlformats.org/officeDocument/2006/relationships" xmlns:p="http://schemas.openxmlformats.org/presentationml/2006/main" xmlns:m="http://schemas.openxmlformats.org/officeDocument/2006/math" xmlns:a14="http://schemas.microsoft.com/office/drawing/2010/main" type="title" showMasterSp="0" showMasterPhAnim="1">
   <p:cSld name="Title">
+    <p:bg>
+      <p:bgPr>
+        <a:solidFill>
+          <a:srgbClr val="000034"/>
+        </a:solidFill>
+      </p:bgPr>
+    </p:bg>
     <p:spTree>
       <p:nvGrpSpPr>
         <p:cNvPr id="1" name=""/>
@@ -536,7 +543,7 @@
       </p:grpSpPr>
       <p:sp>
         <p:nvSpPr>
-          <p:cNvPr id="12" name="Line"/>
+          <p:cNvPr id="13" name="Line"/>
           <p:cNvSpPr/>
           <p:nvPr/>
         </p:nvSpPr>
@@ -556,22 +563,14 @@
           </a:ln>
         </p:spPr>
         <p:txBody>
-          <a:bodyPr lIns="0" tIns="0" rIns="0" bIns="0" anchor="ctr"/>
+          <a:bodyPr lIns="45718" tIns="45718" rIns="45718" bIns="45718"/>
           <a:lstStyle/>
           <a:p>
             <a:pPr>
-              <a:spcBef>
-                <a:spcPts val="0"/>
-              </a:spcBef>
-              <a:tabLst/>
-              <a:defRPr b="1" cap="all" spc="156">
+              <a:defRPr>
                 <a:solidFill>
-                  <a:srgbClr val="FFFFFF"/>
+                  <a:schemeClr val="accent1"/>
                 </a:solidFill>
-                <a:latin typeface="Founders Grotesk Condensed"/>
-                <a:ea typeface="Founders Grotesk Condensed"/>
-                <a:cs typeface="Founders Grotesk Condensed"/>
-                <a:sym typeface="Founders Grotesk Condensed"/>
               </a:defRPr>
             </a:pPr>
           </a:p>
@@ -579,29 +578,28 @@
       </p:sp>
       <p:sp>
         <p:nvSpPr>
-          <p:cNvPr id="13" name="Author and Date"/>
+          <p:cNvPr id="14" name="Body Level One…"/>
           <p:cNvSpPr txBox="1"/>
           <p:nvPr>
-            <p:ph type="body" sz="quarter" idx="21" hasCustomPrompt="1"/>
+            <p:ph type="body" sz="quarter" idx="1" hasCustomPrompt="1"/>
           </p:nvPr>
         </p:nvSpPr>
         <p:spPr>
           <a:xfrm>
             <a:off x="571500" y="12269258"/>
-            <a:ext cx="23235147" cy="555245"/>
+            <a:ext cx="23235148" cy="555246"/>
           </a:xfrm>
           <a:prstGeom prst="rect">
             <a:avLst/>
           </a:prstGeom>
         </p:spPr>
         <p:txBody>
-          <a:bodyPr/>
+          <a:bodyPr anchor="t"/>
           <a:lstStyle>
             <a:lvl1pPr defTabSz="825500">
               <a:lnSpc>
                 <a:spcPct val="100000"/>
               </a:lnSpc>
-              <a:tabLst/>
               <a:defRPr b="1" cap="all" spc="168" sz="2800">
                 <a:solidFill>
                   <a:schemeClr val="accent4"/>
@@ -612,6 +610,62 @@
                 <a:sym typeface="Founders Grotesk Condensed"/>
               </a:defRPr>
             </a:lvl1pPr>
+            <a:lvl2pPr defTabSz="825500">
+              <a:lnSpc>
+                <a:spcPct val="100000"/>
+              </a:lnSpc>
+              <a:defRPr b="1" cap="all" spc="168" sz="2800">
+                <a:solidFill>
+                  <a:schemeClr val="accent4"/>
+                </a:solidFill>
+                <a:latin typeface="Founders Grotesk Condensed"/>
+                <a:ea typeface="Founders Grotesk Condensed"/>
+                <a:cs typeface="Founders Grotesk Condensed"/>
+                <a:sym typeface="Founders Grotesk Condensed"/>
+              </a:defRPr>
+            </a:lvl2pPr>
+            <a:lvl3pPr defTabSz="825500">
+              <a:lnSpc>
+                <a:spcPct val="100000"/>
+              </a:lnSpc>
+              <a:defRPr b="1" cap="all" spc="168" sz="2800">
+                <a:solidFill>
+                  <a:schemeClr val="accent4"/>
+                </a:solidFill>
+                <a:latin typeface="Founders Grotesk Condensed"/>
+                <a:ea typeface="Founders Grotesk Condensed"/>
+                <a:cs typeface="Founders Grotesk Condensed"/>
+                <a:sym typeface="Founders Grotesk Condensed"/>
+              </a:defRPr>
+            </a:lvl3pPr>
+            <a:lvl4pPr defTabSz="825500">
+              <a:lnSpc>
+                <a:spcPct val="100000"/>
+              </a:lnSpc>
+              <a:defRPr b="1" cap="all" spc="168" sz="2800">
+                <a:solidFill>
+                  <a:schemeClr val="accent4"/>
+                </a:solidFill>
+                <a:latin typeface="Founders Grotesk Condensed"/>
+                <a:ea typeface="Founders Grotesk Condensed"/>
+                <a:cs typeface="Founders Grotesk Condensed"/>
+                <a:sym typeface="Founders Grotesk Condensed"/>
+              </a:defRPr>
+            </a:lvl4pPr>
+            <a:lvl5pPr defTabSz="825500">
+              <a:lnSpc>
+                <a:spcPct val="100000"/>
+              </a:lnSpc>
+              <a:defRPr b="1" cap="all" spc="168" sz="2800">
+                <a:solidFill>
+                  <a:schemeClr val="accent4"/>
+                </a:solidFill>
+                <a:latin typeface="Founders Grotesk Condensed"/>
+                <a:ea typeface="Founders Grotesk Condensed"/>
+                <a:cs typeface="Founders Grotesk Condensed"/>
+                <a:sym typeface="Founders Grotesk Condensed"/>
+              </a:defRPr>
+            </a:lvl5pPr>
           </a:lstStyle>
           <a:p>
             <a:pPr/>
@@ -619,18 +673,42 @@
               <a:t>Author and Date </a:t>
             </a:r>
           </a:p>
-        </p:txBody>
-      </p:sp>
-      <p:sp>
-        <p:nvSpPr>
-          <p:cNvPr id="14" name="Line"/>
+          <a:p>
+            <a:pPr lvl="1"/>
+            <a:r>
+              <a:t/>
+            </a:r>
+          </a:p>
+          <a:p>
+            <a:pPr lvl="2"/>
+            <a:r>
+              <a:t/>
+            </a:r>
+          </a:p>
+          <a:p>
+            <a:pPr lvl="3"/>
+            <a:r>
+              <a:t/>
+            </a:r>
+          </a:p>
+          <a:p>
+            <a:pPr lvl="4"/>
+            <a:r>
+              <a:t/>
+            </a:r>
+          </a:p>
+        </p:txBody>
+      </p:sp>
+      <p:sp>
+        <p:nvSpPr>
+          <p:cNvPr id="15" name="Line"/>
           <p:cNvSpPr/>
           <p:nvPr/>
         </p:nvSpPr>
         <p:spPr>
           <a:xfrm>
-            <a:off x="634956" y="9475085"/>
-            <a:ext cx="23114088" cy="1"/>
+            <a:off x="634955" y="9475085"/>
+            <a:ext cx="23114090" cy="1"/>
           </a:xfrm>
           <a:prstGeom prst="line">
             <a:avLst/>
@@ -643,22 +721,14 @@
           </a:ln>
         </p:spPr>
         <p:txBody>
-          <a:bodyPr lIns="0" tIns="0" rIns="0" bIns="0" anchor="ctr"/>
+          <a:bodyPr lIns="45718" tIns="45718" rIns="45718" bIns="45718"/>
           <a:lstStyle/>
           <a:p>
             <a:pPr>
-              <a:spcBef>
-                <a:spcPts val="0"/>
-              </a:spcBef>
-              <a:tabLst/>
-              <a:defRPr b="1" cap="all" spc="156">
+              <a:defRPr>
                 <a:solidFill>
-                  <a:srgbClr val="FFFFFF"/>
+                  <a:schemeClr val="accent1"/>
                 </a:solidFill>
-                <a:latin typeface="Founders Grotesk Condensed"/>
-                <a:ea typeface="Founders Grotesk Condensed"/>
-                <a:cs typeface="Founders Grotesk Condensed"/>
-                <a:sym typeface="Founders Grotesk Condensed"/>
               </a:defRPr>
             </a:pPr>
           </a:p>
@@ -666,7 +736,7 @@
       </p:sp>
       <p:sp>
         <p:nvSpPr>
-          <p:cNvPr id="15" name="Presentation Title"/>
+          <p:cNvPr id="16" name="Presentation Title"/>
           <p:cNvSpPr txBox="1"/>
           <p:nvPr>
             <p:ph type="title" hasCustomPrompt="1"/>
@@ -675,7 +745,7 @@
         <p:spPr>
           <a:xfrm>
             <a:off x="571500" y="9525885"/>
-            <a:ext cx="23235147" cy="2647065"/>
+            <a:ext cx="23235148" cy="2647066"/>
           </a:xfrm>
           <a:prstGeom prst="rect">
             <a:avLst/>
@@ -692,9 +762,9 @@
                 <a:solidFill>
                   <a:srgbClr val="FFFFFF"/>
                 </a:solidFill>
-                <a:latin typeface="+mn-lt"/>
-                <a:ea typeface="+mn-ea"/>
-                <a:cs typeface="+mn-cs"/>
+                <a:latin typeface="Founders Grotesk Semibold"/>
+                <a:ea typeface="Founders Grotesk Semibold"/>
+                <a:cs typeface="Founders Grotesk Semibold"/>
                 <a:sym typeface="Founders Grotesk Semibold"/>
               </a:defRPr>
             </a:lvl1pPr>
@@ -709,30 +779,26 @@
       </p:sp>
       <p:sp>
         <p:nvSpPr>
-          <p:cNvPr id="16" name="Body Level One…"/>
+          <p:cNvPr id="17" name="Body Level One…"/>
           <p:cNvSpPr txBox="1"/>
           <p:nvPr>
-            <p:ph type="body" sz="quarter" idx="1" hasCustomPrompt="1"/>
+            <p:ph type="body" sz="quarter" idx="21" hasCustomPrompt="1"/>
           </p:nvPr>
         </p:nvSpPr>
         <p:spPr>
           <a:xfrm>
-            <a:off x="571500" y="847716"/>
-            <a:ext cx="23235147" cy="2324101"/>
+            <a:off x="571500" y="847715"/>
+            <a:ext cx="23235148" cy="2324102"/>
           </a:xfrm>
           <a:prstGeom prst="rect">
             <a:avLst/>
           </a:prstGeom>
         </p:spPr>
         <p:txBody>
-          <a:bodyPr/>
+          <a:bodyPr anchor="t"/>
           <a:lstStyle>
             <a:lvl1pPr defTabSz="825500">
-              <a:lnSpc>
-                <a:spcPct val="80000"/>
-              </a:lnSpc>
-              <a:tabLst/>
-              <a:defRPr spc="-79">
+              <a:defRPr spc="-100" sz="8000">
                 <a:solidFill>
                   <a:schemeClr val="accent4"/>
                 </a:solidFill>
@@ -742,66 +808,6 @@
                 <a:sym typeface="Founders Grotesk"/>
               </a:defRPr>
             </a:lvl1pPr>
-            <a:lvl2pPr defTabSz="825500">
-              <a:lnSpc>
-                <a:spcPct val="80000"/>
-              </a:lnSpc>
-              <a:tabLst/>
-              <a:defRPr spc="-79">
-                <a:solidFill>
-                  <a:schemeClr val="accent4"/>
-                </a:solidFill>
-                <a:latin typeface="Founders Grotesk"/>
-                <a:ea typeface="Founders Grotesk"/>
-                <a:cs typeface="Founders Grotesk"/>
-                <a:sym typeface="Founders Grotesk"/>
-              </a:defRPr>
-            </a:lvl2pPr>
-            <a:lvl3pPr defTabSz="825500">
-              <a:lnSpc>
-                <a:spcPct val="80000"/>
-              </a:lnSpc>
-              <a:tabLst/>
-              <a:defRPr spc="-79">
-                <a:solidFill>
-                  <a:schemeClr val="accent4"/>
-                </a:solidFill>
-                <a:latin typeface="Founders Grotesk"/>
-                <a:ea typeface="Founders Grotesk"/>
-                <a:cs typeface="Founders Grotesk"/>
-                <a:sym typeface="Founders Grotesk"/>
-              </a:defRPr>
-            </a:lvl3pPr>
-            <a:lvl4pPr defTabSz="825500">
-              <a:lnSpc>
-                <a:spcPct val="80000"/>
-              </a:lnSpc>
-              <a:tabLst/>
-              <a:defRPr spc="-79">
-                <a:solidFill>
-                  <a:schemeClr val="accent4"/>
-                </a:solidFill>
-                <a:latin typeface="Founders Grotesk"/>
-                <a:ea typeface="Founders Grotesk"/>
-                <a:cs typeface="Founders Grotesk"/>
-                <a:sym typeface="Founders Grotesk"/>
-              </a:defRPr>
-            </a:lvl4pPr>
-            <a:lvl5pPr defTabSz="825500">
-              <a:lnSpc>
-                <a:spcPct val="80000"/>
-              </a:lnSpc>
-              <a:tabLst/>
-              <a:defRPr spc="-79">
-                <a:solidFill>
-                  <a:schemeClr val="accent4"/>
-                </a:solidFill>
-                <a:latin typeface="Founders Grotesk"/>
-                <a:ea typeface="Founders Grotesk"/>
-                <a:cs typeface="Founders Grotesk"/>
-                <a:sym typeface="Founders Grotesk"/>
-              </a:defRPr>
-            </a:lvl5pPr>
           </a:lstStyle>
           <a:p>
             <a:pPr/>
@@ -809,35 +815,11 @@
               <a:t>Presentation Subtitle</a:t>
             </a:r>
           </a:p>
-          <a:p>
-            <a:pPr lvl="1"/>
-            <a:r>
-              <a:t/>
-            </a:r>
-          </a:p>
-          <a:p>
-            <a:pPr lvl="2"/>
-            <a:r>
-              <a:t/>
-            </a:r>
-          </a:p>
-          <a:p>
-            <a:pPr lvl="3"/>
-            <a:r>
-              <a:t/>
-            </a:r>
-          </a:p>
-          <a:p>
-            <a:pPr lvl="4"/>
-            <a:r>
-              <a:t/>
-            </a:r>
-          </a:p>
-        </p:txBody>
-      </p:sp>
-      <p:sp>
-        <p:nvSpPr>
-          <p:cNvPr id="17" name="Slide Number"/>
+        </p:txBody>
+      </p:sp>
+      <p:sp>
+        <p:nvSpPr>
+          <p:cNvPr id="18" name="Slide Number"/>
           <p:cNvSpPr txBox="1"/>
           <p:nvPr>
             <p:ph type="sldNum" sz="quarter" idx="2"/>
@@ -850,7 +832,15 @@
         </p:spPr>
         <p:txBody>
           <a:bodyPr/>
-          <a:lstStyle/>
+          <a:lstStyle>
+            <a:lvl1pPr>
+              <a:defRPr>
+                <a:solidFill>
+                  <a:srgbClr val="FFFFFF"/>
+                </a:solidFill>
+              </a:defRPr>
+            </a:lvl1pPr>
+          </a:lstStyle>
           <a:p>
             <a:pPr/>
             <a:fld id="{86CB4B4D-7CA3-9044-876B-883B54F8677D}" type="slidenum"/>
@@ -892,7 +882,7 @@
       </p:grpSpPr>
       <p:sp>
         <p:nvSpPr>
-          <p:cNvPr id="113" name="Line"/>
+          <p:cNvPr id="115" name="Line"/>
           <p:cNvSpPr/>
           <p:nvPr/>
         </p:nvSpPr>
@@ -912,22 +902,14 @@
           </a:ln>
         </p:spPr>
         <p:txBody>
-          <a:bodyPr lIns="50800" tIns="50800" rIns="50800" bIns="50800" anchor="ctr"/>
+          <a:bodyPr lIns="45718" tIns="45718" rIns="45718" bIns="45718"/>
           <a:lstStyle/>
           <a:p>
             <a:pPr>
-              <a:spcBef>
-                <a:spcPts val="0"/>
-              </a:spcBef>
-              <a:tabLst/>
-              <a:defRPr b="1" cap="all" spc="156">
+              <a:defRPr>
                 <a:solidFill>
-                  <a:srgbClr val="FFFFFF"/>
+                  <a:schemeClr val="accent1"/>
                 </a:solidFill>
-                <a:latin typeface="Founders Grotesk Condensed"/>
-                <a:ea typeface="Founders Grotesk Condensed"/>
-                <a:cs typeface="Founders Grotesk Condensed"/>
-                <a:sym typeface="Founders Grotesk Condensed"/>
               </a:defRPr>
             </a:pPr>
           </a:p>
@@ -935,14 +917,14 @@
       </p:sp>
       <p:sp>
         <p:nvSpPr>
-          <p:cNvPr id="114" name="Line"/>
+          <p:cNvPr id="116" name="Line"/>
           <p:cNvSpPr/>
           <p:nvPr/>
         </p:nvSpPr>
         <p:spPr>
           <a:xfrm>
-            <a:off x="639142" y="692907"/>
-            <a:ext cx="23114001" cy="1"/>
+            <a:off x="639141" y="692907"/>
+            <a:ext cx="23114004" cy="1"/>
           </a:xfrm>
           <a:prstGeom prst="line">
             <a:avLst/>
@@ -955,22 +937,14 @@
           </a:ln>
         </p:spPr>
         <p:txBody>
-          <a:bodyPr lIns="0" tIns="0" rIns="0" bIns="0" anchor="ctr"/>
+          <a:bodyPr lIns="45718" tIns="45718" rIns="45718" bIns="45718"/>
           <a:lstStyle/>
           <a:p>
             <a:pPr>
-              <a:spcBef>
-                <a:spcPts val="0"/>
-              </a:spcBef>
-              <a:tabLst/>
-              <a:defRPr b="1" cap="all" spc="156">
+              <a:defRPr>
                 <a:solidFill>
-                  <a:srgbClr val="FFFFFF"/>
+                  <a:schemeClr val="accent1"/>
                 </a:solidFill>
-                <a:latin typeface="Founders Grotesk Condensed"/>
-                <a:ea typeface="Founders Grotesk Condensed"/>
-                <a:cs typeface="Founders Grotesk Condensed"/>
-                <a:sym typeface="Founders Grotesk Condensed"/>
               </a:defRPr>
             </a:pPr>
           </a:p>
@@ -978,7 +952,7 @@
       </p:sp>
       <p:sp>
         <p:nvSpPr>
-          <p:cNvPr id="115" name="Body Level One…"/>
+          <p:cNvPr id="117" name="Body Level One…"/>
           <p:cNvSpPr txBox="1"/>
           <p:nvPr>
             <p:ph type="body" sz="half" idx="1" hasCustomPrompt="1"/>
@@ -987,24 +961,20 @@
         <p:spPr>
           <a:xfrm>
             <a:off x="571500" y="3898900"/>
-            <a:ext cx="23236826" cy="5499100"/>
+            <a:ext cx="23236827" cy="5499100"/>
           </a:xfrm>
           <a:prstGeom prst="rect">
             <a:avLst/>
           </a:prstGeom>
         </p:spPr>
         <p:txBody>
-          <a:bodyPr anchor="ctr"/>
+          <a:bodyPr/>
           <a:lstStyle>
             <a:lvl1pPr defTabSz="825500">
               <a:lnSpc>
                 <a:spcPct val="100000"/>
               </a:lnSpc>
-              <a:tabLst/>
               <a:defRPr spc="-239" sz="12000">
-                <a:solidFill>
-                  <a:schemeClr val="accent1"/>
-                </a:solidFill>
                 <a:latin typeface="Founders Grotesk"/>
                 <a:ea typeface="Founders Grotesk"/>
                 <a:cs typeface="Founders Grotesk"/>
@@ -1015,11 +985,7 @@
               <a:lnSpc>
                 <a:spcPct val="100000"/>
               </a:lnSpc>
-              <a:tabLst/>
               <a:defRPr spc="-239" sz="12000">
-                <a:solidFill>
-                  <a:schemeClr val="accent1"/>
-                </a:solidFill>
                 <a:latin typeface="Founders Grotesk"/>
                 <a:ea typeface="Founders Grotesk"/>
                 <a:cs typeface="Founders Grotesk"/>
@@ -1030,11 +996,7 @@
               <a:lnSpc>
                 <a:spcPct val="100000"/>
               </a:lnSpc>
-              <a:tabLst/>
               <a:defRPr spc="-239" sz="12000">
-                <a:solidFill>
-                  <a:schemeClr val="accent1"/>
-                </a:solidFill>
                 <a:latin typeface="Founders Grotesk"/>
                 <a:ea typeface="Founders Grotesk"/>
                 <a:cs typeface="Founders Grotesk"/>
@@ -1045,11 +1007,7 @@
               <a:lnSpc>
                 <a:spcPct val="100000"/>
               </a:lnSpc>
-              <a:tabLst/>
               <a:defRPr spc="-239" sz="12000">
-                <a:solidFill>
-                  <a:schemeClr val="accent1"/>
-                </a:solidFill>
                 <a:latin typeface="Founders Grotesk"/>
                 <a:ea typeface="Founders Grotesk"/>
                 <a:cs typeface="Founders Grotesk"/>
@@ -1060,11 +1018,7 @@
               <a:lnSpc>
                 <a:spcPct val="100000"/>
               </a:lnSpc>
-              <a:tabLst/>
               <a:defRPr spc="-239" sz="12000">
-                <a:solidFill>
-                  <a:schemeClr val="accent1"/>
-                </a:solidFill>
                 <a:latin typeface="Founders Grotesk"/>
                 <a:ea typeface="Founders Grotesk"/>
                 <a:cs typeface="Founders Grotesk"/>
@@ -1106,7 +1060,7 @@
       </p:sp>
       <p:sp>
         <p:nvSpPr>
-          <p:cNvPr id="116" name="Slide Number"/>
+          <p:cNvPr id="118" name="Slide Number"/>
           <p:cNvSpPr txBox="1"/>
           <p:nvPr>
             <p:ph type="sldNum" sz="quarter" idx="2"/>
@@ -1119,15 +1073,7 @@
         </p:spPr>
         <p:txBody>
           <a:bodyPr/>
-          <a:lstStyle>
-            <a:lvl1pPr>
-              <a:defRPr>
-                <a:solidFill>
-                  <a:srgbClr val="000000"/>
-                </a:solidFill>
-              </a:defRPr>
-            </a:lvl1pPr>
-          </a:lstStyle>
+          <a:lstStyle/>
           <a:p>
             <a:pPr/>
             <a:fld id="{86CB4B4D-7CA3-9044-876B-883B54F8677D}" type="slidenum"/>
@@ -1146,13 +1092,6 @@
 <file path=ppt/slideLayouts/slideLayout11.xml><?xml version="1.0" encoding="utf-8"?>
 <p:sldLayout xmlns:a="http://schemas.openxmlformats.org/drawingml/2006/main" xmlns:r="http://schemas.openxmlformats.org/officeDocument/2006/relationships" xmlns:p="http://schemas.openxmlformats.org/presentationml/2006/main" xmlns:m="http://schemas.openxmlformats.org/officeDocument/2006/math" xmlns:a14="http://schemas.microsoft.com/office/drawing/2010/main" type="tx" showMasterSp="0" showMasterPhAnim="1">
   <p:cSld name="Big Fact">
-    <p:bg>
-      <p:bgPr>
-        <a:solidFill>
-          <a:srgbClr val="C3D9E0"/>
-        </a:solidFill>
-      </p:bgPr>
-    </p:bg>
     <p:spTree>
       <p:nvGrpSpPr>
         <p:cNvPr id="1" name=""/>
@@ -1169,7 +1108,7 @@
       </p:grpSpPr>
       <p:sp>
         <p:nvSpPr>
-          <p:cNvPr id="123" name="Body Level One…"/>
+          <p:cNvPr id="125" name="Body Level One…"/>
           <p:cNvSpPr txBox="1"/>
           <p:nvPr>
             <p:ph type="body" idx="1" hasCustomPrompt="1"/>
@@ -1177,8 +1116,8 @@
         </p:nvSpPr>
         <p:spPr>
           <a:xfrm>
-            <a:off x="634999" y="1346200"/>
-            <a:ext cx="23241001" cy="8451368"/>
+            <a:off x="634998" y="1346200"/>
+            <a:ext cx="23241003" cy="8451368"/>
           </a:xfrm>
           <a:prstGeom prst="rect">
             <a:avLst/>
@@ -1188,14 +1127,7 @@
           <a:bodyPr anchor="b"/>
           <a:lstStyle>
             <a:lvl1pPr defTabSz="825500">
-              <a:lnSpc>
-                <a:spcPct val="80000"/>
-              </a:lnSpc>
-              <a:tabLst/>
               <a:defRPr spc="-419" sz="42000">
-                <a:solidFill>
-                  <a:schemeClr val="accent1"/>
-                </a:solidFill>
                 <a:latin typeface="Founders Grotesk Light"/>
                 <a:ea typeface="Founders Grotesk Light"/>
                 <a:cs typeface="Founders Grotesk Light"/>
@@ -1203,14 +1135,7 @@
               </a:defRPr>
             </a:lvl1pPr>
             <a:lvl2pPr defTabSz="825500">
-              <a:lnSpc>
-                <a:spcPct val="80000"/>
-              </a:lnSpc>
-              <a:tabLst/>
               <a:defRPr spc="-419" sz="42000">
-                <a:solidFill>
-                  <a:schemeClr val="accent1"/>
-                </a:solidFill>
                 <a:latin typeface="Founders Grotesk Light"/>
                 <a:ea typeface="Founders Grotesk Light"/>
                 <a:cs typeface="Founders Grotesk Light"/>
@@ -1218,14 +1143,7 @@
               </a:defRPr>
             </a:lvl2pPr>
             <a:lvl3pPr defTabSz="825500">
-              <a:lnSpc>
-                <a:spcPct val="80000"/>
-              </a:lnSpc>
-              <a:tabLst/>
               <a:defRPr spc="-419" sz="42000">
-                <a:solidFill>
-                  <a:schemeClr val="accent1"/>
-                </a:solidFill>
                 <a:latin typeface="Founders Grotesk Light"/>
                 <a:ea typeface="Founders Grotesk Light"/>
                 <a:cs typeface="Founders Grotesk Light"/>
@@ -1233,14 +1151,7 @@
               </a:defRPr>
             </a:lvl3pPr>
             <a:lvl4pPr defTabSz="825500">
-              <a:lnSpc>
-                <a:spcPct val="80000"/>
-              </a:lnSpc>
-              <a:tabLst/>
               <a:defRPr spc="-419" sz="42000">
-                <a:solidFill>
-                  <a:schemeClr val="accent1"/>
-                </a:solidFill>
                 <a:latin typeface="Founders Grotesk Light"/>
                 <a:ea typeface="Founders Grotesk Light"/>
                 <a:cs typeface="Founders Grotesk Light"/>
@@ -1248,14 +1159,7 @@
               </a:defRPr>
             </a:lvl4pPr>
             <a:lvl5pPr defTabSz="825500">
-              <a:lnSpc>
-                <a:spcPct val="80000"/>
-              </a:lnSpc>
-              <a:tabLst/>
               <a:defRPr spc="-419" sz="42000">
-                <a:solidFill>
-                  <a:schemeClr val="accent1"/>
-                </a:solidFill>
                 <a:latin typeface="Founders Grotesk Light"/>
                 <a:ea typeface="Founders Grotesk Light"/>
                 <a:cs typeface="Founders Grotesk Light"/>
@@ -1297,7 +1201,7 @@
       </p:sp>
       <p:sp>
         <p:nvSpPr>
-          <p:cNvPr id="124" name="Fact information"/>
+          <p:cNvPr id="126" name="Fact information"/>
           <p:cNvSpPr txBox="1"/>
           <p:nvPr>
             <p:ph type="body" sz="quarter" idx="21" hasCustomPrompt="1"/>
@@ -1306,77 +1210,92 @@
         <p:spPr>
           <a:xfrm>
             <a:off x="635000" y="9170947"/>
-            <a:ext cx="23241000" cy="932816"/>
+            <a:ext cx="23241000" cy="932817"/>
           </a:xfrm>
           <a:prstGeom prst="rect">
             <a:avLst/>
           </a:prstGeom>
         </p:spPr>
         <p:txBody>
-          <a:bodyPr/>
+          <a:bodyPr anchor="t"/>
           <a:lstStyle>
-            <a:lvl1pPr defTabSz="817244">
-              <a:lnSpc>
-                <a:spcPct val="80000"/>
-              </a:lnSpc>
-              <a:tabLst/>
-              <a:defRPr spc="-54" sz="5445">
+            <a:lvl1pPr>
+              <a:defRPr spc="-100"/>
+            </a:lvl1pPr>
+          </a:lstStyle>
+          <a:p>
+            <a:pPr/>
+            <a:r>
+              <a:t>Fact information</a:t>
+            </a:r>
+          </a:p>
+        </p:txBody>
+      </p:sp>
+      <p:sp>
+        <p:nvSpPr>
+          <p:cNvPr id="127" name="Line"/>
+          <p:cNvSpPr/>
+          <p:nvPr/>
+        </p:nvSpPr>
+        <p:spPr>
+          <a:xfrm>
+            <a:off x="634999" y="12192000"/>
+            <a:ext cx="23118144" cy="0"/>
+          </a:xfrm>
+          <a:prstGeom prst="line">
+            <a:avLst/>
+          </a:prstGeom>
+          <a:ln w="38100">
+            <a:solidFill>
+              <a:srgbClr val="000034"/>
+            </a:solidFill>
+            <a:miter lim="400000"/>
+          </a:ln>
+        </p:spPr>
+        <p:txBody>
+          <a:bodyPr lIns="45718" tIns="45718" rIns="45718" bIns="45718"/>
+          <a:lstStyle/>
+          <a:p>
+            <a:pPr>
+              <a:defRPr>
                 <a:solidFill>
                   <a:schemeClr val="accent1"/>
                 </a:solidFill>
               </a:defRPr>
-            </a:lvl1pPr>
-          </a:lstStyle>
-          <a:p>
-            <a:pPr/>
-            <a:r>
-              <a:t>Fact information</a:t>
-            </a:r>
-          </a:p>
-        </p:txBody>
-      </p:sp>
-      <p:sp>
-        <p:nvSpPr>
-          <p:cNvPr id="125" name="Line"/>
+            </a:pPr>
+          </a:p>
+        </p:txBody>
+      </p:sp>
+      <p:sp>
+        <p:nvSpPr>
+          <p:cNvPr id="128" name="Line"/>
           <p:cNvSpPr/>
           <p:nvPr/>
         </p:nvSpPr>
         <p:spPr>
           <a:xfrm>
-            <a:off x="635000" y="12192000"/>
-            <a:ext cx="23118143" cy="0"/>
+            <a:off x="639141" y="692907"/>
+            <a:ext cx="23114004" cy="1"/>
           </a:xfrm>
           <a:prstGeom prst="line">
             <a:avLst/>
           </a:prstGeom>
-          <a:ln w="38100">
+          <a:ln w="114300">
             <a:solidFill>
-              <a:schemeClr val="accent1">
-                <a:hueOff val="-42304"/>
-                <a:satOff val="23749"/>
-                <a:lumOff val="-45745"/>
-              </a:schemeClr>
+              <a:srgbClr val="000034"/>
             </a:solidFill>
             <a:miter lim="400000"/>
           </a:ln>
         </p:spPr>
         <p:txBody>
-          <a:bodyPr lIns="50800" tIns="50800" rIns="50800" bIns="50800" anchor="ctr"/>
+          <a:bodyPr lIns="45718" tIns="45718" rIns="45718" bIns="45718"/>
           <a:lstStyle/>
           <a:p>
             <a:pPr>
-              <a:spcBef>
-                <a:spcPts val="0"/>
-              </a:spcBef>
-              <a:tabLst/>
-              <a:defRPr b="1" cap="all" spc="156">
+              <a:defRPr>
                 <a:solidFill>
-                  <a:srgbClr val="FFFFFF"/>
+                  <a:schemeClr val="accent1"/>
                 </a:solidFill>
-                <a:latin typeface="Founders Grotesk Condensed"/>
-                <a:ea typeface="Founders Grotesk Condensed"/>
-                <a:cs typeface="Founders Grotesk Condensed"/>
-                <a:sym typeface="Founders Grotesk Condensed"/>
               </a:defRPr>
             </a:pPr>
           </a:p>
@@ -1384,54 +1303,7 @@
       </p:sp>
       <p:sp>
         <p:nvSpPr>
-          <p:cNvPr id="126" name="Line"/>
-          <p:cNvSpPr/>
-          <p:nvPr/>
-        </p:nvSpPr>
-        <p:spPr>
-          <a:xfrm>
-            <a:off x="639142" y="692907"/>
-            <a:ext cx="23114001" cy="1"/>
-          </a:xfrm>
-          <a:prstGeom prst="line">
-            <a:avLst/>
-          </a:prstGeom>
-          <a:ln w="114300">
-            <a:solidFill>
-              <a:schemeClr val="accent1">
-                <a:hueOff val="-42304"/>
-                <a:satOff val="23749"/>
-                <a:lumOff val="-45745"/>
-              </a:schemeClr>
-            </a:solidFill>
-            <a:miter lim="400000"/>
-          </a:ln>
-        </p:spPr>
-        <p:txBody>
-          <a:bodyPr lIns="0" tIns="0" rIns="0" bIns="0" anchor="ctr"/>
-          <a:lstStyle/>
-          <a:p>
-            <a:pPr>
-              <a:spcBef>
-                <a:spcPts val="0"/>
-              </a:spcBef>
-              <a:tabLst/>
-              <a:defRPr b="1" cap="all" spc="156">
-                <a:solidFill>
-                  <a:srgbClr val="FFFFFF"/>
-                </a:solidFill>
-                <a:latin typeface="Founders Grotesk Condensed"/>
-                <a:ea typeface="Founders Grotesk Condensed"/>
-                <a:cs typeface="Founders Grotesk Condensed"/>
-                <a:sym typeface="Founders Grotesk Condensed"/>
-              </a:defRPr>
-            </a:pPr>
-          </a:p>
-        </p:txBody>
-      </p:sp>
-      <p:sp>
-        <p:nvSpPr>
-          <p:cNvPr id="127" name="Slide Number"/>
+          <p:cNvPr id="129" name="Slide Number"/>
           <p:cNvSpPr txBox="1"/>
           <p:nvPr>
             <p:ph type="sldNum" sz="quarter" idx="2"/>
@@ -1444,15 +1316,7 @@
         </p:spPr>
         <p:txBody>
           <a:bodyPr/>
-          <a:lstStyle>
-            <a:lvl1pPr>
-              <a:defRPr>
-                <a:solidFill>
-                  <a:srgbClr val="000000"/>
-                </a:solidFill>
-              </a:defRPr>
-            </a:lvl1pPr>
-          </a:lstStyle>
+          <a:lstStyle/>
           <a:p>
             <a:pPr/>
             <a:fld id="{86CB4B4D-7CA3-9044-876B-883B54F8677D}" type="slidenum"/>
@@ -1469,15 +1333,8 @@
 </file>
 
 <file path=ppt/slideLayouts/slideLayout12.xml><?xml version="1.0" encoding="utf-8"?>
-<p:sldLayout xmlns:a="http://schemas.openxmlformats.org/drawingml/2006/main" xmlns:r="http://schemas.openxmlformats.org/officeDocument/2006/relationships" xmlns:p="http://schemas.openxmlformats.org/presentationml/2006/main" xmlns:m="http://schemas.openxmlformats.org/officeDocument/2006/math" xmlns:a14="http://schemas.microsoft.com/office/drawing/2010/main" type="tx" showMasterSp="0" showMasterPhAnim="1">
+<p:sldLayout xmlns:a="http://schemas.openxmlformats.org/drawingml/2006/main" xmlns:r="http://schemas.openxmlformats.org/officeDocument/2006/relationships" xmlns:p="http://schemas.openxmlformats.org/presentationml/2006/main" xmlns:m="http://schemas.openxmlformats.org/officeDocument/2006/math" xmlns:a14="http://schemas.microsoft.com/office/drawing/2010/main" type="tx" showMasterSp="1" showMasterPhAnim="1">
   <p:cSld name="Quote">
-    <p:bg>
-      <p:bgPr>
-        <a:solidFill>
-          <a:srgbClr val="C3D9E0"/>
-        </a:solidFill>
-      </p:bgPr>
-    </p:bg>
     <p:spTree>
       <p:nvGrpSpPr>
         <p:cNvPr id="1" name=""/>
@@ -1494,134 +1351,48 @@
       </p:grpSpPr>
       <p:sp>
         <p:nvSpPr>
-          <p:cNvPr id="134" name="Line"/>
-          <p:cNvSpPr/>
-          <p:nvPr/>
-        </p:nvSpPr>
-        <p:spPr>
-          <a:xfrm>
-            <a:off x="635000" y="12192000"/>
-            <a:ext cx="23114000" cy="0"/>
-          </a:xfrm>
-          <a:prstGeom prst="line">
-            <a:avLst/>
-          </a:prstGeom>
-          <a:ln w="38100">
-            <a:solidFill>
-              <a:schemeClr val="accent1">
-                <a:hueOff val="-42304"/>
-                <a:satOff val="23749"/>
-                <a:lumOff val="-45745"/>
-              </a:schemeClr>
-            </a:solidFill>
-            <a:miter lim="400000"/>
-          </a:ln>
-        </p:spPr>
-        <p:txBody>
-          <a:bodyPr lIns="50800" tIns="50800" rIns="50800" bIns="50800" anchor="ctr"/>
-          <a:lstStyle/>
-          <a:p>
-            <a:pPr>
-              <a:spcBef>
-                <a:spcPts val="0"/>
-              </a:spcBef>
-              <a:tabLst/>
-              <a:defRPr b="1" cap="all" spc="156">
-                <a:solidFill>
-                  <a:srgbClr val="FFFFFF"/>
-                </a:solidFill>
-                <a:latin typeface="Founders Grotesk Condensed"/>
-                <a:ea typeface="Founders Grotesk Condensed"/>
-                <a:cs typeface="Founders Grotesk Condensed"/>
-                <a:sym typeface="Founders Grotesk Condensed"/>
-              </a:defRPr>
-            </a:pPr>
-          </a:p>
-        </p:txBody>
-      </p:sp>
-      <p:sp>
-        <p:nvSpPr>
-          <p:cNvPr id="135" name="Line"/>
-          <p:cNvSpPr/>
-          <p:nvPr/>
-        </p:nvSpPr>
-        <p:spPr>
-          <a:xfrm>
-            <a:off x="639142" y="692907"/>
-            <a:ext cx="23114001" cy="1"/>
-          </a:xfrm>
-          <a:prstGeom prst="line">
-            <a:avLst/>
-          </a:prstGeom>
-          <a:ln w="114300">
-            <a:solidFill>
-              <a:schemeClr val="accent1">
-                <a:hueOff val="-42304"/>
-                <a:satOff val="23749"/>
-                <a:lumOff val="-45745"/>
-              </a:schemeClr>
-            </a:solidFill>
-            <a:miter lim="400000"/>
-          </a:ln>
-        </p:spPr>
-        <p:txBody>
-          <a:bodyPr lIns="0" tIns="0" rIns="0" bIns="0" anchor="ctr"/>
-          <a:lstStyle/>
-          <a:p>
-            <a:pPr>
-              <a:spcBef>
-                <a:spcPts val="0"/>
-              </a:spcBef>
-              <a:tabLst/>
-              <a:defRPr b="1" cap="all" spc="156">
-                <a:solidFill>
-                  <a:srgbClr val="FFFFFF"/>
-                </a:solidFill>
-                <a:latin typeface="Founders Grotesk Condensed"/>
-                <a:ea typeface="Founders Grotesk Condensed"/>
-                <a:cs typeface="Founders Grotesk Condensed"/>
-                <a:sym typeface="Founders Grotesk Condensed"/>
-              </a:defRPr>
-            </a:pPr>
-          </a:p>
-        </p:txBody>
-      </p:sp>
-      <p:sp>
-        <p:nvSpPr>
-          <p:cNvPr id="136" name="Attribution"/>
+          <p:cNvPr id="136" name="Body Level One…"/>
           <p:cNvSpPr txBox="1"/>
           <p:nvPr>
-            <p:ph type="body" sz="quarter" idx="21" hasCustomPrompt="1"/>
+            <p:ph type="body" sz="quarter" idx="1" hasCustomPrompt="1"/>
           </p:nvPr>
         </p:nvSpPr>
         <p:spPr>
-          <a:xfrm>
-            <a:off x="1148060" y="9247147"/>
-            <a:ext cx="22707182" cy="932816"/>
-          </a:xfrm>
           <a:prstGeom prst="rect">
             <a:avLst/>
           </a:prstGeom>
         </p:spPr>
         <p:txBody>
-          <a:bodyPr anchor="ctr"/>
-          <a:lstStyle>
-            <a:lvl1pPr defTabSz="817244">
-              <a:lnSpc>
-                <a:spcPct val="80000"/>
-              </a:lnSpc>
-              <a:tabLst/>
-              <a:defRPr spc="-54" sz="5445">
-                <a:solidFill>
-                  <a:schemeClr val="accent1"/>
-                </a:solidFill>
-              </a:defRPr>
-            </a:lvl1pPr>
-          </a:lstStyle>
+          <a:bodyPr/>
+          <a:lstStyle/>
           <a:p>
             <a:pPr/>
             <a:r>
               <a:t>Attribution</a:t>
+            </a:r>
+          </a:p>
+          <a:p>
+            <a:pPr lvl="1"/>
+            <a:r>
+              <a:t/>
+            </a:r>
+          </a:p>
+          <a:p>
+            <a:pPr lvl="2"/>
+            <a:r>
+              <a:t/>
+            </a:r>
+          </a:p>
+          <a:p>
+            <a:pPr lvl="3"/>
+            <a:r>
+              <a:t/>
+            </a:r>
+          </a:p>
+          <a:p>
+            <a:pPr lvl="4"/>
+            <a:r>
+              <a:t/>
             </a:r>
           </a:p>
         </p:txBody>
@@ -1631,125 +1402,34 @@
           <p:cNvPr id="137" name="Body Level One…"/>
           <p:cNvSpPr txBox="1"/>
           <p:nvPr>
-            <p:ph type="body" sz="half" idx="1" hasCustomPrompt="1"/>
+            <p:ph type="body" sz="half" idx="21" hasCustomPrompt="1"/>
           </p:nvPr>
         </p:nvSpPr>
         <p:spPr>
           <a:xfrm>
-            <a:off x="515838" y="1325581"/>
-            <a:ext cx="23241001" cy="4970080"/>
+            <a:off x="515837" y="1325581"/>
+            <a:ext cx="23241004" cy="4970080"/>
           </a:xfrm>
           <a:prstGeom prst="rect">
             <a:avLst/>
           </a:prstGeom>
         </p:spPr>
         <p:txBody>
-          <a:bodyPr/>
+          <a:bodyPr anchor="t"/>
           <a:lstStyle>
             <a:lvl1pPr marL="419100" indent="-419100" defTabSz="825500">
-              <a:lnSpc>
-                <a:spcPct val="80000"/>
-              </a:lnSpc>
-              <a:tabLst/>
-              <a:defRPr spc="-119" sz="12000">
-                <a:solidFill>
-                  <a:schemeClr val="accent1"/>
-                </a:solidFill>
+              <a:defRPr spc="-200" sz="12000">
                 <a:latin typeface="Founders Grotesk"/>
                 <a:ea typeface="Founders Grotesk"/>
                 <a:cs typeface="Founders Grotesk"/>
                 <a:sym typeface="Founders Grotesk"/>
               </a:defRPr>
             </a:lvl1pPr>
-            <a:lvl2pPr marL="419100" indent="38100" defTabSz="825500">
-              <a:lnSpc>
-                <a:spcPct val="80000"/>
-              </a:lnSpc>
-              <a:tabLst/>
-              <a:defRPr spc="-119" sz="12000">
-                <a:solidFill>
-                  <a:schemeClr val="accent1"/>
-                </a:solidFill>
-                <a:latin typeface="Founders Grotesk"/>
-                <a:ea typeface="Founders Grotesk"/>
-                <a:cs typeface="Founders Grotesk"/>
-                <a:sym typeface="Founders Grotesk"/>
-              </a:defRPr>
-            </a:lvl2pPr>
-            <a:lvl3pPr marL="419100" indent="495300" defTabSz="825500">
-              <a:lnSpc>
-                <a:spcPct val="80000"/>
-              </a:lnSpc>
-              <a:tabLst/>
-              <a:defRPr spc="-119" sz="12000">
-                <a:solidFill>
-                  <a:schemeClr val="accent1"/>
-                </a:solidFill>
-                <a:latin typeface="Founders Grotesk"/>
-                <a:ea typeface="Founders Grotesk"/>
-                <a:cs typeface="Founders Grotesk"/>
-                <a:sym typeface="Founders Grotesk"/>
-              </a:defRPr>
-            </a:lvl3pPr>
-            <a:lvl4pPr marL="419100" indent="952500" defTabSz="825500">
-              <a:lnSpc>
-                <a:spcPct val="80000"/>
-              </a:lnSpc>
-              <a:tabLst/>
-              <a:defRPr spc="-119" sz="12000">
-                <a:solidFill>
-                  <a:schemeClr val="accent1"/>
-                </a:solidFill>
-                <a:latin typeface="Founders Grotesk"/>
-                <a:ea typeface="Founders Grotesk"/>
-                <a:cs typeface="Founders Grotesk"/>
-                <a:sym typeface="Founders Grotesk"/>
-              </a:defRPr>
-            </a:lvl4pPr>
-            <a:lvl5pPr marL="419100" indent="1409700" defTabSz="825500">
-              <a:lnSpc>
-                <a:spcPct val="80000"/>
-              </a:lnSpc>
-              <a:tabLst/>
-              <a:defRPr spc="-119" sz="12000">
-                <a:solidFill>
-                  <a:schemeClr val="accent1"/>
-                </a:solidFill>
-                <a:latin typeface="Founders Grotesk"/>
-                <a:ea typeface="Founders Grotesk"/>
-                <a:cs typeface="Founders Grotesk"/>
-                <a:sym typeface="Founders Grotesk"/>
-              </a:defRPr>
-            </a:lvl5pPr>
           </a:lstStyle>
           <a:p>
             <a:pPr/>
             <a:r>
               <a:t>“Notable Quote”</a:t>
-            </a:r>
-          </a:p>
-          <a:p>
-            <a:pPr lvl="1"/>
-            <a:r>
-              <a:t/>
-            </a:r>
-          </a:p>
-          <a:p>
-            <a:pPr lvl="2"/>
-            <a:r>
-              <a:t/>
-            </a:r>
-          </a:p>
-          <a:p>
-            <a:pPr lvl="3"/>
-            <a:r>
-              <a:t/>
-            </a:r>
-          </a:p>
-          <a:p>
-            <a:pPr lvl="4"/>
-            <a:r>
-              <a:t/>
             </a:r>
           </a:p>
         </p:txBody>
@@ -1769,15 +1449,7 @@
         </p:spPr>
         <p:txBody>
           <a:bodyPr/>
-          <a:lstStyle>
-            <a:lvl1pPr>
-              <a:defRPr>
-                <a:solidFill>
-                  <a:srgbClr val="000000"/>
-                </a:solidFill>
-              </a:defRPr>
-            </a:lvl1pPr>
-          </a:lstStyle>
+          <a:lstStyle/>
           <a:p>
             <a:pPr/>
             <a:fld id="{86CB4B4D-7CA3-9044-876B-883B54F8677D}" type="slidenum"/>
@@ -1835,7 +1507,7 @@
           </a:prstGeom>
         </p:spPr>
         <p:txBody>
-          <a:bodyPr lIns="91439" tIns="45719" rIns="91439" bIns="45719">
+          <a:bodyPr lIns="91439" tIns="45719" rIns="91439" bIns="45719" anchor="t">
             <a:noAutofit/>
           </a:bodyPr>
           <a:lstStyle/>
@@ -1862,7 +1534,7 @@
           </a:prstGeom>
         </p:spPr>
         <p:txBody>
-          <a:bodyPr lIns="91439" tIns="45719" rIns="91439" bIns="45719">
+          <a:bodyPr lIns="91439" tIns="45719" rIns="91439" bIns="45719" anchor="t">
             <a:noAutofit/>
           </a:bodyPr>
           <a:lstStyle/>
@@ -1882,14 +1554,14 @@
         <p:spPr>
           <a:xfrm>
             <a:off x="571500" y="-698500"/>
-            <a:ext cx="11684000" cy="14426494"/>
+            <a:ext cx="11684000" cy="14426495"/>
           </a:xfrm>
           <a:prstGeom prst="rect">
             <a:avLst/>
           </a:prstGeom>
         </p:spPr>
         <p:txBody>
-          <a:bodyPr lIns="91439" tIns="45719" rIns="91439" bIns="45719">
+          <a:bodyPr lIns="91439" tIns="45719" rIns="91439" bIns="45719" anchor="t">
             <a:noAutofit/>
           </a:bodyPr>
           <a:lstStyle/>
@@ -1913,15 +1585,7 @@
         </p:spPr>
         <p:txBody>
           <a:bodyPr/>
-          <a:lstStyle>
-            <a:lvl1pPr>
-              <a:defRPr>
-                <a:solidFill>
-                  <a:srgbClr val="000000"/>
-                </a:solidFill>
-              </a:defRPr>
-            </a:lvl1pPr>
-          </a:lstStyle>
+          <a:lstStyle/>
           <a:p>
             <a:pPr/>
             <a:fld id="{86CB4B4D-7CA3-9044-876B-883B54F8677D}" type="slidenum"/>
@@ -1972,14 +1636,14 @@
         <p:spPr>
           <a:xfrm>
             <a:off x="0" y="-2984500"/>
-            <a:ext cx="28333700" cy="17479999"/>
+            <a:ext cx="28333700" cy="17480000"/>
           </a:xfrm>
           <a:prstGeom prst="rect">
             <a:avLst/>
           </a:prstGeom>
         </p:spPr>
         <p:txBody>
-          <a:bodyPr lIns="91439" tIns="45719" rIns="91439" bIns="45719">
+          <a:bodyPr lIns="91439" tIns="45719" rIns="91439" bIns="45719" anchor="t">
             <a:noAutofit/>
           </a:bodyPr>
           <a:lstStyle/>
@@ -2003,7 +1667,15 @@
         </p:spPr>
         <p:txBody>
           <a:bodyPr/>
-          <a:lstStyle/>
+          <a:lstStyle>
+            <a:lvl1pPr>
+              <a:defRPr>
+                <a:solidFill>
+                  <a:srgbClr val="FFFFFF"/>
+                </a:solidFill>
+              </a:defRPr>
+            </a:lvl1pPr>
+          </a:lstStyle>
           <a:p>
             <a:pPr/>
             <a:fld id="{86CB4B4D-7CA3-9044-876B-883B54F8677D}" type="slidenum"/>
@@ -2058,15 +1730,7 @@
         </p:spPr>
         <p:txBody>
           <a:bodyPr/>
-          <a:lstStyle>
-            <a:lvl1pPr>
-              <a:defRPr>
-                <a:solidFill>
-                  <a:srgbClr val="000000"/>
-                </a:solidFill>
-              </a:defRPr>
-            </a:lvl1pPr>
-          </a:lstStyle>
+          <a:lstStyle/>
           <a:p>
             <a:pPr/>
             <a:fld id="{86CB4B4D-7CA3-9044-876B-883B54F8677D}" type="slidenum"/>
@@ -2085,6 +1749,13 @@
 <file path=ppt/slideLayouts/slideLayout2.xml><?xml version="1.0" encoding="utf-8"?>
 <p:sldLayout xmlns:a="http://schemas.openxmlformats.org/drawingml/2006/main" xmlns:r="http://schemas.openxmlformats.org/officeDocument/2006/relationships" xmlns:p="http://schemas.openxmlformats.org/presentationml/2006/main" xmlns:m="http://schemas.openxmlformats.org/officeDocument/2006/math" xmlns:a14="http://schemas.microsoft.com/office/drawing/2010/main" type="tx" showMasterSp="0" showMasterPhAnim="1">
   <p:cSld name="Title &amp; Photo">
+    <p:bg>
+      <p:bgPr>
+        <a:solidFill>
+          <a:srgbClr val="000034"/>
+        </a:solidFill>
+      </p:bgPr>
+    </p:bg>
     <p:spTree>
       <p:nvGrpSpPr>
         <p:cNvPr id="1" name=""/>
@@ -2101,7 +1772,7 @@
       </p:grpSpPr>
       <p:sp>
         <p:nvSpPr>
-          <p:cNvPr id="24" name="1054398042_3378x2084.jpg"/>
+          <p:cNvPr id="25" name="1054398042_3378x2084.jpg"/>
           <p:cNvSpPr/>
           <p:nvPr>
             <p:ph type="pic" idx="21"/>
@@ -2117,7 +1788,7 @@
           </a:prstGeom>
         </p:spPr>
         <p:txBody>
-          <a:bodyPr lIns="91439" tIns="45719" rIns="91439" bIns="45719">
+          <a:bodyPr lIns="91439" tIns="45719" rIns="91439" bIns="45719" anchor="t">
             <a:noAutofit/>
           </a:bodyPr>
           <a:lstStyle/>
@@ -2128,29 +1799,28 @@
       </p:sp>
       <p:sp>
         <p:nvSpPr>
-          <p:cNvPr id="25" name="Author and Date"/>
+          <p:cNvPr id="26" name="Body Level One…"/>
           <p:cNvSpPr txBox="1"/>
           <p:nvPr>
-            <p:ph type="body" sz="quarter" idx="22" hasCustomPrompt="1"/>
+            <p:ph type="body" sz="quarter" idx="1" hasCustomPrompt="1"/>
           </p:nvPr>
         </p:nvSpPr>
         <p:spPr>
           <a:xfrm>
             <a:off x="571500" y="12269258"/>
-            <a:ext cx="23241000" cy="555245"/>
+            <a:ext cx="23241000" cy="555246"/>
           </a:xfrm>
           <a:prstGeom prst="rect">
             <a:avLst/>
           </a:prstGeom>
         </p:spPr>
         <p:txBody>
-          <a:bodyPr/>
+          <a:bodyPr anchor="t"/>
           <a:lstStyle>
             <a:lvl1pPr defTabSz="825500">
               <a:lnSpc>
                 <a:spcPct val="100000"/>
               </a:lnSpc>
-              <a:tabLst/>
               <a:defRPr b="1" cap="all" spc="168" sz="2800">
                 <a:solidFill>
                   <a:srgbClr val="FFFFFF"/>
@@ -2161,6 +1831,62 @@
                 <a:sym typeface="Founders Grotesk Condensed"/>
               </a:defRPr>
             </a:lvl1pPr>
+            <a:lvl2pPr defTabSz="825500">
+              <a:lnSpc>
+                <a:spcPct val="100000"/>
+              </a:lnSpc>
+              <a:defRPr b="1" cap="all" spc="168" sz="2800">
+                <a:solidFill>
+                  <a:srgbClr val="FFFFFF"/>
+                </a:solidFill>
+                <a:latin typeface="Founders Grotesk Condensed"/>
+                <a:ea typeface="Founders Grotesk Condensed"/>
+                <a:cs typeface="Founders Grotesk Condensed"/>
+                <a:sym typeface="Founders Grotesk Condensed"/>
+              </a:defRPr>
+            </a:lvl2pPr>
+            <a:lvl3pPr defTabSz="825500">
+              <a:lnSpc>
+                <a:spcPct val="100000"/>
+              </a:lnSpc>
+              <a:defRPr b="1" cap="all" spc="168" sz="2800">
+                <a:solidFill>
+                  <a:srgbClr val="FFFFFF"/>
+                </a:solidFill>
+                <a:latin typeface="Founders Grotesk Condensed"/>
+                <a:ea typeface="Founders Grotesk Condensed"/>
+                <a:cs typeface="Founders Grotesk Condensed"/>
+                <a:sym typeface="Founders Grotesk Condensed"/>
+              </a:defRPr>
+            </a:lvl3pPr>
+            <a:lvl4pPr defTabSz="825500">
+              <a:lnSpc>
+                <a:spcPct val="100000"/>
+              </a:lnSpc>
+              <a:defRPr b="1" cap="all" spc="168" sz="2800">
+                <a:solidFill>
+                  <a:srgbClr val="FFFFFF"/>
+                </a:solidFill>
+                <a:latin typeface="Founders Grotesk Condensed"/>
+                <a:ea typeface="Founders Grotesk Condensed"/>
+                <a:cs typeface="Founders Grotesk Condensed"/>
+                <a:sym typeface="Founders Grotesk Condensed"/>
+              </a:defRPr>
+            </a:lvl4pPr>
+            <a:lvl5pPr defTabSz="825500">
+              <a:lnSpc>
+                <a:spcPct val="100000"/>
+              </a:lnSpc>
+              <a:defRPr b="1" cap="all" spc="168" sz="2800">
+                <a:solidFill>
+                  <a:srgbClr val="FFFFFF"/>
+                </a:solidFill>
+                <a:latin typeface="Founders Grotesk Condensed"/>
+                <a:ea typeface="Founders Grotesk Condensed"/>
+                <a:cs typeface="Founders Grotesk Condensed"/>
+                <a:sym typeface="Founders Grotesk Condensed"/>
+              </a:defRPr>
+            </a:lvl5pPr>
           </a:lstStyle>
           <a:p>
             <a:pPr/>
@@ -2168,34 +1894,54 @@
               <a:t>Author and Date</a:t>
             </a:r>
           </a:p>
-        </p:txBody>
-      </p:sp>
-      <p:sp>
-        <p:nvSpPr>
-          <p:cNvPr id="26" name="Body Level One…"/>
+          <a:p>
+            <a:pPr lvl="1"/>
+            <a:r>
+              <a:t/>
+            </a:r>
+          </a:p>
+          <a:p>
+            <a:pPr lvl="2"/>
+            <a:r>
+              <a:t/>
+            </a:r>
+          </a:p>
+          <a:p>
+            <a:pPr lvl="3"/>
+            <a:r>
+              <a:t/>
+            </a:r>
+          </a:p>
+          <a:p>
+            <a:pPr lvl="4"/>
+            <a:r>
+              <a:t/>
+            </a:r>
+          </a:p>
+        </p:txBody>
+      </p:sp>
+      <p:sp>
+        <p:nvSpPr>
+          <p:cNvPr id="27" name="Body Level One…"/>
           <p:cNvSpPr txBox="1"/>
           <p:nvPr>
-            <p:ph type="body" sz="quarter" idx="1" hasCustomPrompt="1"/>
+            <p:ph type="body" sz="quarter" idx="22" hasCustomPrompt="1"/>
           </p:nvPr>
         </p:nvSpPr>
         <p:spPr>
           <a:xfrm>
             <a:off x="571500" y="853952"/>
-            <a:ext cx="23241000" cy="2321049"/>
+            <a:ext cx="23241000" cy="2321050"/>
           </a:xfrm>
           <a:prstGeom prst="rect">
             <a:avLst/>
           </a:prstGeom>
         </p:spPr>
         <p:txBody>
-          <a:bodyPr/>
+          <a:bodyPr anchor="t"/>
           <a:lstStyle>
             <a:lvl1pPr defTabSz="825500">
-              <a:lnSpc>
-                <a:spcPct val="80000"/>
-              </a:lnSpc>
-              <a:tabLst/>
-              <a:defRPr spc="-79">
+              <a:defRPr spc="-100" sz="8000">
                 <a:solidFill>
                   <a:srgbClr val="FFFFFF"/>
                 </a:solidFill>
@@ -2205,66 +1951,6 @@
                 <a:sym typeface="Founders Grotesk"/>
               </a:defRPr>
             </a:lvl1pPr>
-            <a:lvl2pPr defTabSz="825500">
-              <a:lnSpc>
-                <a:spcPct val="80000"/>
-              </a:lnSpc>
-              <a:tabLst/>
-              <a:defRPr spc="-79">
-                <a:solidFill>
-                  <a:srgbClr val="FFFFFF"/>
-                </a:solidFill>
-                <a:latin typeface="Founders Grotesk"/>
-                <a:ea typeface="Founders Grotesk"/>
-                <a:cs typeface="Founders Grotesk"/>
-                <a:sym typeface="Founders Grotesk"/>
-              </a:defRPr>
-            </a:lvl2pPr>
-            <a:lvl3pPr defTabSz="825500">
-              <a:lnSpc>
-                <a:spcPct val="80000"/>
-              </a:lnSpc>
-              <a:tabLst/>
-              <a:defRPr spc="-79">
-                <a:solidFill>
-                  <a:srgbClr val="FFFFFF"/>
-                </a:solidFill>
-                <a:latin typeface="Founders Grotesk"/>
-                <a:ea typeface="Founders Grotesk"/>
-                <a:cs typeface="Founders Grotesk"/>
-                <a:sym typeface="Founders Grotesk"/>
-              </a:defRPr>
-            </a:lvl3pPr>
-            <a:lvl4pPr defTabSz="825500">
-              <a:lnSpc>
-                <a:spcPct val="80000"/>
-              </a:lnSpc>
-              <a:tabLst/>
-              <a:defRPr spc="-79">
-                <a:solidFill>
-                  <a:srgbClr val="FFFFFF"/>
-                </a:solidFill>
-                <a:latin typeface="Founders Grotesk"/>
-                <a:ea typeface="Founders Grotesk"/>
-                <a:cs typeface="Founders Grotesk"/>
-                <a:sym typeface="Founders Grotesk"/>
-              </a:defRPr>
-            </a:lvl4pPr>
-            <a:lvl5pPr defTabSz="825500">
-              <a:lnSpc>
-                <a:spcPct val="80000"/>
-              </a:lnSpc>
-              <a:tabLst/>
-              <a:defRPr spc="-79">
-                <a:solidFill>
-                  <a:srgbClr val="FFFFFF"/>
-                </a:solidFill>
-                <a:latin typeface="Founders Grotesk"/>
-                <a:ea typeface="Founders Grotesk"/>
-                <a:cs typeface="Founders Grotesk"/>
-                <a:sym typeface="Founders Grotesk"/>
-              </a:defRPr>
-            </a:lvl5pPr>
           </a:lstStyle>
           <a:p>
             <a:pPr/>
@@ -2272,35 +1958,11 @@
               <a:t>Presentation Subtitle</a:t>
             </a:r>
           </a:p>
-          <a:p>
-            <a:pPr lvl="1"/>
-            <a:r>
-              <a:t/>
-            </a:r>
-          </a:p>
-          <a:p>
-            <a:pPr lvl="2"/>
-            <a:r>
-              <a:t/>
-            </a:r>
-          </a:p>
-          <a:p>
-            <a:pPr lvl="3"/>
-            <a:r>
-              <a:t/>
-            </a:r>
-          </a:p>
-          <a:p>
-            <a:pPr lvl="4"/>
-            <a:r>
-              <a:t/>
-            </a:r>
-          </a:p>
-        </p:txBody>
-      </p:sp>
-      <p:sp>
-        <p:nvSpPr>
-          <p:cNvPr id="27" name="Line"/>
+        </p:txBody>
+      </p:sp>
+      <p:sp>
+        <p:nvSpPr>
+          <p:cNvPr id="28" name="Line"/>
           <p:cNvSpPr/>
           <p:nvPr/>
         </p:nvSpPr>
@@ -2320,22 +1982,14 @@
           </a:ln>
         </p:spPr>
         <p:txBody>
-          <a:bodyPr lIns="0" tIns="0" rIns="0" bIns="0" anchor="ctr"/>
+          <a:bodyPr lIns="45718" tIns="45718" rIns="45718" bIns="45718"/>
           <a:lstStyle/>
           <a:p>
             <a:pPr>
-              <a:spcBef>
-                <a:spcPts val="0"/>
-              </a:spcBef>
-              <a:tabLst/>
-              <a:defRPr b="1" cap="all" spc="156">
+              <a:defRPr>
                 <a:solidFill>
-                  <a:srgbClr val="FFFFFF"/>
+                  <a:schemeClr val="accent1"/>
                 </a:solidFill>
-                <a:latin typeface="Founders Grotesk Condensed"/>
-                <a:ea typeface="Founders Grotesk Condensed"/>
-                <a:cs typeface="Founders Grotesk Condensed"/>
-                <a:sym typeface="Founders Grotesk Condensed"/>
               </a:defRPr>
             </a:pPr>
           </a:p>
@@ -2343,14 +1997,14 @@
       </p:sp>
       <p:sp>
         <p:nvSpPr>
-          <p:cNvPr id="28" name="Line"/>
+          <p:cNvPr id="29" name="Line"/>
           <p:cNvSpPr/>
           <p:nvPr/>
         </p:nvSpPr>
         <p:spPr>
           <a:xfrm>
-            <a:off x="634956" y="9475085"/>
-            <a:ext cx="23114088" cy="1"/>
+            <a:off x="634955" y="9475085"/>
+            <a:ext cx="23114090" cy="1"/>
           </a:xfrm>
           <a:prstGeom prst="line">
             <a:avLst/>
@@ -2363,22 +2017,14 @@
           </a:ln>
         </p:spPr>
         <p:txBody>
-          <a:bodyPr lIns="0" tIns="0" rIns="0" bIns="0" anchor="ctr"/>
+          <a:bodyPr lIns="45718" tIns="45718" rIns="45718" bIns="45718"/>
           <a:lstStyle/>
           <a:p>
             <a:pPr>
-              <a:spcBef>
-                <a:spcPts val="0"/>
-              </a:spcBef>
-              <a:tabLst/>
-              <a:defRPr b="1" cap="all" spc="156">
+              <a:defRPr>
                 <a:solidFill>
-                  <a:srgbClr val="FFFFFF"/>
+                  <a:schemeClr val="accent1"/>
                 </a:solidFill>
-                <a:latin typeface="Founders Grotesk Condensed"/>
-                <a:ea typeface="Founders Grotesk Condensed"/>
-                <a:cs typeface="Founders Grotesk Condensed"/>
-                <a:sym typeface="Founders Grotesk Condensed"/>
               </a:defRPr>
             </a:pPr>
           </a:p>
@@ -2386,7 +2032,7 @@
       </p:sp>
       <p:sp>
         <p:nvSpPr>
-          <p:cNvPr id="29" name="Presentation Title"/>
+          <p:cNvPr id="30" name="Presentation Title"/>
           <p:cNvSpPr txBox="1"/>
           <p:nvPr>
             <p:ph type="title" hasCustomPrompt="1"/>
@@ -2412,9 +2058,9 @@
                 <a:solidFill>
                   <a:srgbClr val="FFFFFF"/>
                 </a:solidFill>
-                <a:latin typeface="+mn-lt"/>
-                <a:ea typeface="+mn-ea"/>
-                <a:cs typeface="+mn-cs"/>
+                <a:latin typeface="Founders Grotesk Semibold"/>
+                <a:ea typeface="Founders Grotesk Semibold"/>
+                <a:cs typeface="Founders Grotesk Semibold"/>
                 <a:sym typeface="Founders Grotesk Semibold"/>
               </a:defRPr>
             </a:lvl1pPr>
@@ -2429,7 +2075,7 @@
       </p:sp>
       <p:sp>
         <p:nvSpPr>
-          <p:cNvPr id="30" name="Slide Number"/>
+          <p:cNvPr id="31" name="Slide Number"/>
           <p:cNvSpPr txBox="1"/>
           <p:nvPr>
             <p:ph type="sldNum" sz="quarter" idx="2"/>
@@ -2442,7 +2088,15 @@
         </p:spPr>
         <p:txBody>
           <a:bodyPr/>
-          <a:lstStyle/>
+          <a:lstStyle>
+            <a:lvl1pPr>
+              <a:defRPr>
+                <a:solidFill>
+                  <a:srgbClr val="FFFFFF"/>
+                </a:solidFill>
+              </a:defRPr>
+            </a:lvl1pPr>
+          </a:lstStyle>
           <a:p>
             <a:pPr/>
             <a:fld id="{86CB4B4D-7CA3-9044-876B-883B54F8677D}" type="slidenum"/>
@@ -2484,7 +2138,7 @@
       </p:grpSpPr>
       <p:sp>
         <p:nvSpPr>
-          <p:cNvPr id="37" name="520524404_2582x1617.jpg"/>
+          <p:cNvPr id="38" name="520524404_2582x1617.jpg"/>
           <p:cNvSpPr/>
           <p:nvPr>
             <p:ph type="pic" idx="21"/>
@@ -2492,15 +2146,15 @@
         </p:nvSpPr>
         <p:spPr>
           <a:xfrm>
-            <a:off x="9626600" y="-1"/>
-            <a:ext cx="21901492" cy="13716001"/>
+            <a:off x="9626600" y="-2"/>
+            <a:ext cx="21901493" cy="13716003"/>
           </a:xfrm>
           <a:prstGeom prst="rect">
             <a:avLst/>
           </a:prstGeom>
         </p:spPr>
         <p:txBody>
-          <a:bodyPr lIns="91439" tIns="45719" rIns="91439" bIns="45719">
+          <a:bodyPr lIns="91439" tIns="45719" rIns="91439" bIns="45719" anchor="t">
             <a:noAutofit/>
           </a:bodyPr>
           <a:lstStyle/>
@@ -2511,7 +2165,7 @@
       </p:sp>
       <p:sp>
         <p:nvSpPr>
-          <p:cNvPr id="38" name="Line"/>
+          <p:cNvPr id="39" name="Line"/>
           <p:cNvSpPr/>
           <p:nvPr/>
         </p:nvSpPr>
@@ -2531,22 +2185,14 @@
           </a:ln>
         </p:spPr>
         <p:txBody>
-          <a:bodyPr lIns="50800" tIns="50800" rIns="50800" bIns="50800" anchor="ctr"/>
+          <a:bodyPr lIns="45718" tIns="45718" rIns="45718" bIns="45718"/>
           <a:lstStyle/>
           <a:p>
             <a:pPr>
-              <a:spcBef>
-                <a:spcPts val="0"/>
-              </a:spcBef>
-              <a:tabLst/>
-              <a:defRPr b="1" cap="all" spc="156">
+              <a:defRPr>
                 <a:solidFill>
-                  <a:srgbClr val="FFFFFF"/>
+                  <a:schemeClr val="accent1"/>
                 </a:solidFill>
-                <a:latin typeface="Founders Grotesk Condensed"/>
-                <a:ea typeface="Founders Grotesk Condensed"/>
-                <a:cs typeface="Founders Grotesk Condensed"/>
-                <a:sym typeface="Founders Grotesk Condensed"/>
               </a:defRPr>
             </a:pPr>
           </a:p>
@@ -2554,14 +2200,14 @@
       </p:sp>
       <p:sp>
         <p:nvSpPr>
-          <p:cNvPr id="39" name="Line"/>
+          <p:cNvPr id="40" name="Line"/>
           <p:cNvSpPr/>
           <p:nvPr/>
         </p:nvSpPr>
         <p:spPr>
           <a:xfrm>
-            <a:off x="639142" y="692907"/>
-            <a:ext cx="23114001" cy="1"/>
+            <a:off x="639141" y="692907"/>
+            <a:ext cx="23114004" cy="1"/>
           </a:xfrm>
           <a:prstGeom prst="line">
             <a:avLst/>
@@ -2574,22 +2220,14 @@
           </a:ln>
         </p:spPr>
         <p:txBody>
-          <a:bodyPr lIns="0" tIns="0" rIns="0" bIns="0" anchor="ctr"/>
+          <a:bodyPr lIns="45718" tIns="45718" rIns="45718" bIns="45718"/>
           <a:lstStyle/>
           <a:p>
             <a:pPr>
-              <a:spcBef>
-                <a:spcPts val="0"/>
-              </a:spcBef>
-              <a:tabLst/>
-              <a:defRPr b="1" cap="all" spc="156">
+              <a:defRPr>
                 <a:solidFill>
-                  <a:srgbClr val="FFFFFF"/>
+                  <a:schemeClr val="accent1"/>
                 </a:solidFill>
-                <a:latin typeface="Founders Grotesk Condensed"/>
-                <a:ea typeface="Founders Grotesk Condensed"/>
-                <a:cs typeface="Founders Grotesk Condensed"/>
-                <a:sym typeface="Founders Grotesk Condensed"/>
               </a:defRPr>
             </a:pPr>
           </a:p>
@@ -2597,39 +2235,79 @@
       </p:sp>
       <p:sp>
         <p:nvSpPr>
-          <p:cNvPr id="40" name="Author and Date"/>
+          <p:cNvPr id="41" name="Body Level One…"/>
           <p:cNvSpPr txBox="1"/>
           <p:nvPr>
-            <p:ph type="body" sz="quarter" idx="22" hasCustomPrompt="1"/>
+            <p:ph type="body" sz="quarter" idx="1" hasCustomPrompt="1"/>
           </p:nvPr>
         </p:nvSpPr>
         <p:spPr>
           <a:xfrm>
             <a:off x="571500" y="12269258"/>
-            <a:ext cx="11049000" cy="555245"/>
+            <a:ext cx="11049000" cy="555246"/>
           </a:xfrm>
           <a:prstGeom prst="rect">
             <a:avLst/>
           </a:prstGeom>
         </p:spPr>
         <p:txBody>
-          <a:bodyPr/>
+          <a:bodyPr anchor="t"/>
           <a:lstStyle>
             <a:lvl1pPr defTabSz="825500">
               <a:lnSpc>
                 <a:spcPct val="100000"/>
               </a:lnSpc>
-              <a:tabLst/>
               <a:defRPr b="1" cap="all" spc="168" sz="2800">
-                <a:solidFill>
-                  <a:schemeClr val="accent1"/>
-                </a:solidFill>
                 <a:latin typeface="Founders Grotesk Condensed"/>
                 <a:ea typeface="Founders Grotesk Condensed"/>
                 <a:cs typeface="Founders Grotesk Condensed"/>
                 <a:sym typeface="Founders Grotesk Condensed"/>
               </a:defRPr>
             </a:lvl1pPr>
+            <a:lvl2pPr defTabSz="825500">
+              <a:lnSpc>
+                <a:spcPct val="100000"/>
+              </a:lnSpc>
+              <a:defRPr b="1" cap="all" spc="168" sz="2800">
+                <a:latin typeface="Founders Grotesk Condensed"/>
+                <a:ea typeface="Founders Grotesk Condensed"/>
+                <a:cs typeface="Founders Grotesk Condensed"/>
+                <a:sym typeface="Founders Grotesk Condensed"/>
+              </a:defRPr>
+            </a:lvl2pPr>
+            <a:lvl3pPr defTabSz="825500">
+              <a:lnSpc>
+                <a:spcPct val="100000"/>
+              </a:lnSpc>
+              <a:defRPr b="1" cap="all" spc="168" sz="2800">
+                <a:latin typeface="Founders Grotesk Condensed"/>
+                <a:ea typeface="Founders Grotesk Condensed"/>
+                <a:cs typeface="Founders Grotesk Condensed"/>
+                <a:sym typeface="Founders Grotesk Condensed"/>
+              </a:defRPr>
+            </a:lvl3pPr>
+            <a:lvl4pPr defTabSz="825500">
+              <a:lnSpc>
+                <a:spcPct val="100000"/>
+              </a:lnSpc>
+              <a:defRPr b="1" cap="all" spc="168" sz="2800">
+                <a:latin typeface="Founders Grotesk Condensed"/>
+                <a:ea typeface="Founders Grotesk Condensed"/>
+                <a:cs typeface="Founders Grotesk Condensed"/>
+                <a:sym typeface="Founders Grotesk Condensed"/>
+              </a:defRPr>
+            </a:lvl4pPr>
+            <a:lvl5pPr defTabSz="825500">
+              <a:lnSpc>
+                <a:spcPct val="100000"/>
+              </a:lnSpc>
+              <a:defRPr b="1" cap="all" spc="168" sz="2800">
+                <a:latin typeface="Founders Grotesk Condensed"/>
+                <a:ea typeface="Founders Grotesk Condensed"/>
+                <a:cs typeface="Founders Grotesk Condensed"/>
+                <a:sym typeface="Founders Grotesk Condensed"/>
+              </a:defRPr>
+            </a:lvl5pPr>
           </a:lstStyle>
           <a:p>
             <a:pPr/>
@@ -2637,11 +2315,35 @@
               <a:t>Author and Date</a:t>
             </a:r>
           </a:p>
-        </p:txBody>
-      </p:sp>
-      <p:sp>
-        <p:nvSpPr>
-          <p:cNvPr id="41" name="Slide Title"/>
+          <a:p>
+            <a:pPr lvl="1"/>
+            <a:r>
+              <a:t/>
+            </a:r>
+          </a:p>
+          <a:p>
+            <a:pPr lvl="2"/>
+            <a:r>
+              <a:t/>
+            </a:r>
+          </a:p>
+          <a:p>
+            <a:pPr lvl="3"/>
+            <a:r>
+              <a:t/>
+            </a:r>
+          </a:p>
+          <a:p>
+            <a:pPr lvl="4"/>
+            <a:r>
+              <a:t/>
+            </a:r>
+          </a:p>
+        </p:txBody>
+      </p:sp>
+      <p:sp>
+        <p:nvSpPr>
+          <p:cNvPr id="42" name="Slide Title"/>
           <p:cNvSpPr txBox="1"/>
           <p:nvPr>
             <p:ph type="title" hasCustomPrompt="1"/>
@@ -2650,7 +2352,7 @@
         <p:spPr>
           <a:xfrm>
             <a:off x="571500" y="4770137"/>
-            <a:ext cx="11049000" cy="7036978"/>
+            <a:ext cx="11049000" cy="7036979"/>
           </a:xfrm>
           <a:prstGeom prst="rect">
             <a:avLst/>
@@ -2664,9 +2366,9 @@
                 <a:solidFill>
                   <a:schemeClr val="accent1"/>
                 </a:solidFill>
-                <a:latin typeface="+mn-lt"/>
-                <a:ea typeface="+mn-ea"/>
-                <a:cs typeface="+mn-cs"/>
+                <a:latin typeface="Founders Grotesk Semibold"/>
+                <a:ea typeface="Founders Grotesk Semibold"/>
+                <a:cs typeface="Founders Grotesk Semibold"/>
                 <a:sym typeface="Founders Grotesk Semibold"/>
               </a:defRPr>
             </a:lvl1pPr>
@@ -2681,7 +2383,7 @@
       </p:sp>
       <p:sp>
         <p:nvSpPr>
-          <p:cNvPr id="42" name="Slide Number"/>
+          <p:cNvPr id="43" name="Slide Number"/>
           <p:cNvSpPr txBox="1"/>
           <p:nvPr>
             <p:ph type="sldNum" sz="quarter" idx="2"/>
@@ -2694,7 +2396,15 @@
         </p:spPr>
         <p:txBody>
           <a:bodyPr/>
-          <a:lstStyle/>
+          <a:lstStyle>
+            <a:lvl1pPr>
+              <a:defRPr>
+                <a:solidFill>
+                  <a:srgbClr val="FFFFFF"/>
+                </a:solidFill>
+              </a:defRPr>
+            </a:lvl1pPr>
+          </a:lstStyle>
           <a:p>
             <a:pPr/>
             <a:fld id="{86CB4B4D-7CA3-9044-876B-883B54F8677D}" type="slidenum"/>
@@ -2736,7 +2446,7 @@
       </p:grpSpPr>
       <p:sp>
         <p:nvSpPr>
-          <p:cNvPr id="49" name="Line"/>
+          <p:cNvPr id="50" name="Line"/>
           <p:cNvSpPr/>
           <p:nvPr/>
         </p:nvSpPr>
@@ -2756,22 +2466,14 @@
           </a:ln>
         </p:spPr>
         <p:txBody>
-          <a:bodyPr lIns="50800" tIns="50800" rIns="50800" bIns="50800" anchor="ctr"/>
+          <a:bodyPr lIns="45718" tIns="45718" rIns="45718" bIns="45718"/>
           <a:lstStyle/>
           <a:p>
             <a:pPr>
-              <a:spcBef>
-                <a:spcPts val="0"/>
-              </a:spcBef>
-              <a:tabLst/>
-              <a:defRPr b="1" cap="all" spc="156">
+              <a:defRPr>
                 <a:solidFill>
-                  <a:srgbClr val="FFFFFF"/>
+                  <a:schemeClr val="accent1"/>
                 </a:solidFill>
-                <a:latin typeface="Founders Grotesk Condensed"/>
-                <a:ea typeface="Founders Grotesk Condensed"/>
-                <a:cs typeface="Founders Grotesk Condensed"/>
-                <a:sym typeface="Founders Grotesk Condensed"/>
               </a:defRPr>
             </a:pPr>
           </a:p>
@@ -2779,14 +2481,14 @@
       </p:sp>
       <p:sp>
         <p:nvSpPr>
-          <p:cNvPr id="50" name="Line"/>
+          <p:cNvPr id="51" name="Line"/>
           <p:cNvSpPr/>
           <p:nvPr/>
         </p:nvSpPr>
         <p:spPr>
           <a:xfrm>
-            <a:off x="639142" y="692907"/>
-            <a:ext cx="23114001" cy="1"/>
+            <a:off x="639141" y="692907"/>
+            <a:ext cx="23114004" cy="1"/>
           </a:xfrm>
           <a:prstGeom prst="line">
             <a:avLst/>
@@ -2799,22 +2501,14 @@
           </a:ln>
         </p:spPr>
         <p:txBody>
-          <a:bodyPr lIns="0" tIns="0" rIns="0" bIns="0" anchor="ctr"/>
+          <a:bodyPr lIns="45718" tIns="45718" rIns="45718" bIns="45718"/>
           <a:lstStyle/>
           <a:p>
             <a:pPr>
-              <a:spcBef>
-                <a:spcPts val="0"/>
-              </a:spcBef>
-              <a:tabLst/>
-              <a:defRPr b="1" cap="all" spc="156">
+              <a:defRPr>
                 <a:solidFill>
-                  <a:srgbClr val="FFFFFF"/>
+                  <a:schemeClr val="accent1"/>
                 </a:solidFill>
-                <a:latin typeface="Founders Grotesk Condensed"/>
-                <a:ea typeface="Founders Grotesk Condensed"/>
-                <a:cs typeface="Founders Grotesk Condensed"/>
-                <a:sym typeface="Founders Grotesk Condensed"/>
               </a:defRPr>
             </a:pPr>
           </a:p>
@@ -2822,39 +2516,79 @@
       </p:sp>
       <p:sp>
         <p:nvSpPr>
-          <p:cNvPr id="51" name="Author and Date"/>
+          <p:cNvPr id="52" name="Body Level One…"/>
           <p:cNvSpPr txBox="1"/>
           <p:nvPr>
-            <p:ph type="body" sz="quarter" idx="21" hasCustomPrompt="1"/>
+            <p:ph type="body" sz="quarter" idx="1" hasCustomPrompt="1"/>
           </p:nvPr>
         </p:nvSpPr>
         <p:spPr>
           <a:xfrm>
             <a:off x="571500" y="12269258"/>
-            <a:ext cx="23241000" cy="555245"/>
+            <a:ext cx="23241000" cy="555246"/>
           </a:xfrm>
           <a:prstGeom prst="rect">
             <a:avLst/>
           </a:prstGeom>
         </p:spPr>
         <p:txBody>
-          <a:bodyPr/>
+          <a:bodyPr anchor="t"/>
           <a:lstStyle>
             <a:lvl1pPr defTabSz="825500">
               <a:lnSpc>
                 <a:spcPct val="100000"/>
               </a:lnSpc>
-              <a:tabLst/>
               <a:defRPr b="1" cap="all" spc="168" sz="2800">
-                <a:solidFill>
-                  <a:schemeClr val="accent1"/>
-                </a:solidFill>
                 <a:latin typeface="Founders Grotesk Condensed"/>
                 <a:ea typeface="Founders Grotesk Condensed"/>
                 <a:cs typeface="Founders Grotesk Condensed"/>
                 <a:sym typeface="Founders Grotesk Condensed"/>
               </a:defRPr>
             </a:lvl1pPr>
+            <a:lvl2pPr defTabSz="825500">
+              <a:lnSpc>
+                <a:spcPct val="100000"/>
+              </a:lnSpc>
+              <a:defRPr b="1" cap="all" spc="168" sz="2800">
+                <a:latin typeface="Founders Grotesk Condensed"/>
+                <a:ea typeface="Founders Grotesk Condensed"/>
+                <a:cs typeface="Founders Grotesk Condensed"/>
+                <a:sym typeface="Founders Grotesk Condensed"/>
+              </a:defRPr>
+            </a:lvl2pPr>
+            <a:lvl3pPr defTabSz="825500">
+              <a:lnSpc>
+                <a:spcPct val="100000"/>
+              </a:lnSpc>
+              <a:defRPr b="1" cap="all" spc="168" sz="2800">
+                <a:latin typeface="Founders Grotesk Condensed"/>
+                <a:ea typeface="Founders Grotesk Condensed"/>
+                <a:cs typeface="Founders Grotesk Condensed"/>
+                <a:sym typeface="Founders Grotesk Condensed"/>
+              </a:defRPr>
+            </a:lvl3pPr>
+            <a:lvl4pPr defTabSz="825500">
+              <a:lnSpc>
+                <a:spcPct val="100000"/>
+              </a:lnSpc>
+              <a:defRPr b="1" cap="all" spc="168" sz="2800">
+                <a:latin typeface="Founders Grotesk Condensed"/>
+                <a:ea typeface="Founders Grotesk Condensed"/>
+                <a:cs typeface="Founders Grotesk Condensed"/>
+                <a:sym typeface="Founders Grotesk Condensed"/>
+              </a:defRPr>
+            </a:lvl4pPr>
+            <a:lvl5pPr defTabSz="825500">
+              <a:lnSpc>
+                <a:spcPct val="100000"/>
+              </a:lnSpc>
+              <a:defRPr b="1" cap="all" spc="168" sz="2800">
+                <a:latin typeface="Founders Grotesk Condensed"/>
+                <a:ea typeface="Founders Grotesk Condensed"/>
+                <a:cs typeface="Founders Grotesk Condensed"/>
+                <a:sym typeface="Founders Grotesk Condensed"/>
+              </a:defRPr>
+            </a:lvl5pPr>
           </a:lstStyle>
           <a:p>
             <a:pPr/>
@@ -2862,14 +2596,38 @@
               <a:t>Author and Date</a:t>
             </a:r>
           </a:p>
-        </p:txBody>
-      </p:sp>
-      <p:sp>
-        <p:nvSpPr>
-          <p:cNvPr id="52" name="Body Level One…"/>
+          <a:p>
+            <a:pPr lvl="1"/>
+            <a:r>
+              <a:t/>
+            </a:r>
+          </a:p>
+          <a:p>
+            <a:pPr lvl="2"/>
+            <a:r>
+              <a:t/>
+            </a:r>
+          </a:p>
+          <a:p>
+            <a:pPr lvl="3"/>
+            <a:r>
+              <a:t/>
+            </a:r>
+          </a:p>
+          <a:p>
+            <a:pPr lvl="4"/>
+            <a:r>
+              <a:t/>
+            </a:r>
+          </a:p>
+        </p:txBody>
+      </p:sp>
+      <p:sp>
+        <p:nvSpPr>
+          <p:cNvPr id="53" name="Body Level One…"/>
           <p:cNvSpPr txBox="1"/>
           <p:nvPr>
-            <p:ph type="body" idx="1" hasCustomPrompt="1"/>
+            <p:ph type="body" idx="21" hasCustomPrompt="1"/>
           </p:nvPr>
         </p:nvSpPr>
         <p:spPr>
@@ -2882,12 +2640,9 @@
           </a:prstGeom>
         </p:spPr>
         <p:txBody>
-          <a:bodyPr/>
+          <a:bodyPr anchor="t"/>
           <a:lstStyle>
             <a:lvl1pPr marL="457200" indent="-457200" defTabSz="825500">
-              <a:lnSpc>
-                <a:spcPct val="80000"/>
-              </a:lnSpc>
               <a:spcBef>
                 <a:spcPts val="3600"/>
               </a:spcBef>
@@ -2896,8 +2651,7 @@
               </a:buClr>
               <a:buSzPct val="100000"/>
               <a:buChar char="•"/>
-              <a:tabLst/>
-              <a:defRPr spc="-42" sz="4200">
+              <a:defRPr spc="-100" sz="4200">
                 <a:solidFill>
                   <a:srgbClr val="000000"/>
                 </a:solidFill>
@@ -2907,98 +2661,6 @@
                 <a:sym typeface="Founders Grotesk Text"/>
               </a:defRPr>
             </a:lvl1pPr>
-            <a:lvl2pPr marL="914400" indent="-457200" defTabSz="825500">
-              <a:lnSpc>
-                <a:spcPct val="80000"/>
-              </a:lnSpc>
-              <a:spcBef>
-                <a:spcPts val="3600"/>
-              </a:spcBef>
-              <a:buClr>
-                <a:schemeClr val="accent1"/>
-              </a:buClr>
-              <a:buSzPct val="100000"/>
-              <a:buChar char="•"/>
-              <a:tabLst/>
-              <a:defRPr spc="-42" sz="4200">
-                <a:solidFill>
-                  <a:srgbClr val="000000"/>
-                </a:solidFill>
-                <a:latin typeface="Founders Grotesk Text"/>
-                <a:ea typeface="Founders Grotesk Text"/>
-                <a:cs typeface="Founders Grotesk Text"/>
-                <a:sym typeface="Founders Grotesk Text"/>
-              </a:defRPr>
-            </a:lvl2pPr>
-            <a:lvl3pPr marL="1371600" indent="-457200" defTabSz="825500">
-              <a:lnSpc>
-                <a:spcPct val="80000"/>
-              </a:lnSpc>
-              <a:spcBef>
-                <a:spcPts val="3600"/>
-              </a:spcBef>
-              <a:buClr>
-                <a:schemeClr val="accent1"/>
-              </a:buClr>
-              <a:buSzPct val="100000"/>
-              <a:buChar char="•"/>
-              <a:tabLst/>
-              <a:defRPr spc="-42" sz="4200">
-                <a:solidFill>
-                  <a:srgbClr val="000000"/>
-                </a:solidFill>
-                <a:latin typeface="Founders Grotesk Text"/>
-                <a:ea typeface="Founders Grotesk Text"/>
-                <a:cs typeface="Founders Grotesk Text"/>
-                <a:sym typeface="Founders Grotesk Text"/>
-              </a:defRPr>
-            </a:lvl3pPr>
-            <a:lvl4pPr marL="1828800" indent="-457200" defTabSz="825500">
-              <a:lnSpc>
-                <a:spcPct val="80000"/>
-              </a:lnSpc>
-              <a:spcBef>
-                <a:spcPts val="3600"/>
-              </a:spcBef>
-              <a:buClr>
-                <a:schemeClr val="accent1"/>
-              </a:buClr>
-              <a:buSzPct val="100000"/>
-              <a:buChar char="•"/>
-              <a:tabLst/>
-              <a:defRPr spc="-42" sz="4200">
-                <a:solidFill>
-                  <a:srgbClr val="000000"/>
-                </a:solidFill>
-                <a:latin typeface="Founders Grotesk Text"/>
-                <a:ea typeface="Founders Grotesk Text"/>
-                <a:cs typeface="Founders Grotesk Text"/>
-                <a:sym typeface="Founders Grotesk Text"/>
-              </a:defRPr>
-            </a:lvl4pPr>
-            <a:lvl5pPr marL="2286000" indent="-457200" defTabSz="825500">
-              <a:lnSpc>
-                <a:spcPct val="80000"/>
-              </a:lnSpc>
-              <a:spcBef>
-                <a:spcPts val="3600"/>
-              </a:spcBef>
-              <a:buClr>
-                <a:schemeClr val="accent1"/>
-              </a:buClr>
-              <a:buSzPct val="100000"/>
-              <a:buChar char="•"/>
-              <a:tabLst/>
-              <a:defRPr spc="-42" sz="4200">
-                <a:solidFill>
-                  <a:srgbClr val="000000"/>
-                </a:solidFill>
-                <a:latin typeface="Founders Grotesk Text"/>
-                <a:ea typeface="Founders Grotesk Text"/>
-                <a:cs typeface="Founders Grotesk Text"/>
-                <a:sym typeface="Founders Grotesk Text"/>
-              </a:defRPr>
-            </a:lvl5pPr>
           </a:lstStyle>
           <a:p>
             <a:pPr/>
@@ -3006,35 +2668,11 @@
               <a:t>Slide bullet text</a:t>
             </a:r>
           </a:p>
-          <a:p>
-            <a:pPr lvl="1"/>
-            <a:r>
-              <a:t/>
-            </a:r>
-          </a:p>
-          <a:p>
-            <a:pPr lvl="2"/>
-            <a:r>
-              <a:t/>
-            </a:r>
-          </a:p>
-          <a:p>
-            <a:pPr lvl="3"/>
-            <a:r>
-              <a:t/>
-            </a:r>
-          </a:p>
-          <a:p>
-            <a:pPr lvl="4"/>
-            <a:r>
-              <a:t/>
-            </a:r>
-          </a:p>
-        </p:txBody>
-      </p:sp>
-      <p:sp>
-        <p:nvSpPr>
-          <p:cNvPr id="53" name="Slide Title"/>
+        </p:txBody>
+      </p:sp>
+      <p:sp>
+        <p:nvSpPr>
+          <p:cNvPr id="54" name="Slide Title"/>
           <p:cNvSpPr txBox="1"/>
           <p:nvPr>
             <p:ph type="title" hasCustomPrompt="1"/>
@@ -3060,9 +2698,9 @@
                 <a:solidFill>
                   <a:schemeClr val="accent1"/>
                 </a:solidFill>
-                <a:latin typeface="+mn-lt"/>
-                <a:ea typeface="+mn-ea"/>
-                <a:cs typeface="+mn-cs"/>
+                <a:latin typeface="Founders Grotesk Semibold"/>
+                <a:ea typeface="Founders Grotesk Semibold"/>
+                <a:cs typeface="Founders Grotesk Semibold"/>
                 <a:sym typeface="Founders Grotesk Semibold"/>
               </a:defRPr>
             </a:lvl1pPr>
@@ -3077,7 +2715,7 @@
       </p:sp>
       <p:sp>
         <p:nvSpPr>
-          <p:cNvPr id="54" name="Slide Number"/>
+          <p:cNvPr id="55" name="Slide Number"/>
           <p:cNvSpPr txBox="1"/>
           <p:nvPr>
             <p:ph type="sldNum" sz="quarter" idx="2"/>
@@ -3085,7 +2723,7 @@
         </p:nvSpPr>
         <p:spPr>
           <a:xfrm>
-            <a:off x="23436122" y="12268199"/>
+            <a:off x="23436122" y="12268200"/>
             <a:ext cx="371756" cy="555245"/>
           </a:xfrm>
           <a:prstGeom prst="rect">
@@ -3094,15 +2732,7 @@
         </p:spPr>
         <p:txBody>
           <a:bodyPr/>
-          <a:lstStyle>
-            <a:lvl1pPr>
-              <a:defRPr>
-                <a:solidFill>
-                  <a:srgbClr val="000000"/>
-                </a:solidFill>
-              </a:defRPr>
-            </a:lvl1pPr>
-          </a:lstStyle>
+          <a:lstStyle/>
           <a:p>
             <a:pPr/>
             <a:fld id="{86CB4B4D-7CA3-9044-876B-883B54F8677D}" type="slidenum"/>
@@ -3144,14 +2774,14 @@
       </p:grpSpPr>
       <p:sp>
         <p:nvSpPr>
-          <p:cNvPr id="61" name="Line"/>
+          <p:cNvPr id="62" name="Line"/>
           <p:cNvSpPr/>
           <p:nvPr/>
         </p:nvSpPr>
         <p:spPr>
           <a:xfrm>
-            <a:off x="635000" y="12192000"/>
-            <a:ext cx="23118143" cy="0"/>
+            <a:off x="634999" y="12192000"/>
+            <a:ext cx="23118144" cy="0"/>
           </a:xfrm>
           <a:prstGeom prst="line">
             <a:avLst/>
@@ -3164,22 +2794,14 @@
           </a:ln>
         </p:spPr>
         <p:txBody>
-          <a:bodyPr lIns="50800" tIns="50800" rIns="50800" bIns="50800" anchor="ctr"/>
+          <a:bodyPr lIns="45718" tIns="45718" rIns="45718" bIns="45718"/>
           <a:lstStyle/>
           <a:p>
             <a:pPr>
-              <a:spcBef>
-                <a:spcPts val="0"/>
-              </a:spcBef>
-              <a:tabLst/>
-              <a:defRPr b="1" cap="all" spc="156">
+              <a:defRPr>
                 <a:solidFill>
-                  <a:srgbClr val="FFFFFF"/>
+                  <a:schemeClr val="accent1"/>
                 </a:solidFill>
-                <a:latin typeface="Founders Grotesk Condensed"/>
-                <a:ea typeface="Founders Grotesk Condensed"/>
-                <a:cs typeface="Founders Grotesk Condensed"/>
-                <a:sym typeface="Founders Grotesk Condensed"/>
               </a:defRPr>
             </a:pPr>
           </a:p>
@@ -3187,14 +2809,14 @@
       </p:sp>
       <p:sp>
         <p:nvSpPr>
-          <p:cNvPr id="62" name="Line"/>
+          <p:cNvPr id="63" name="Line"/>
           <p:cNvSpPr/>
           <p:nvPr/>
         </p:nvSpPr>
         <p:spPr>
           <a:xfrm>
-            <a:off x="639142" y="692907"/>
-            <a:ext cx="23114001" cy="1"/>
+            <a:off x="639141" y="692907"/>
+            <a:ext cx="23114004" cy="1"/>
           </a:xfrm>
           <a:prstGeom prst="line">
             <a:avLst/>
@@ -3207,22 +2829,14 @@
           </a:ln>
         </p:spPr>
         <p:txBody>
-          <a:bodyPr lIns="0" tIns="0" rIns="0" bIns="0" anchor="ctr"/>
+          <a:bodyPr lIns="45718" tIns="45718" rIns="45718" bIns="45718"/>
           <a:lstStyle/>
           <a:p>
             <a:pPr>
-              <a:spcBef>
-                <a:spcPts val="0"/>
-              </a:spcBef>
-              <a:tabLst/>
-              <a:defRPr b="1" cap="all" spc="156">
+              <a:defRPr>
                 <a:solidFill>
-                  <a:srgbClr val="FFFFFF"/>
+                  <a:schemeClr val="accent1"/>
                 </a:solidFill>
-                <a:latin typeface="Founders Grotesk Condensed"/>
-                <a:ea typeface="Founders Grotesk Condensed"/>
-                <a:cs typeface="Founders Grotesk Condensed"/>
-                <a:sym typeface="Founders Grotesk Condensed"/>
               </a:defRPr>
             </a:pPr>
           </a:p>
@@ -3230,7 +2844,7 @@
       </p:sp>
       <p:sp>
         <p:nvSpPr>
-          <p:cNvPr id="63" name="Body Level One…"/>
+          <p:cNvPr id="64" name="Body Level One…"/>
           <p:cNvSpPr txBox="1"/>
           <p:nvPr>
             <p:ph type="body" idx="1" hasCustomPrompt="1"/>
@@ -3246,12 +2860,9 @@
           </a:prstGeom>
         </p:spPr>
         <p:txBody>
-          <a:bodyPr numCol="2" spcCol="1162050"/>
+          <a:bodyPr numCol="2" spcCol="1162050" anchor="t"/>
           <a:lstStyle>
             <a:lvl1pPr marL="457200" indent="-457200" defTabSz="825500">
-              <a:lnSpc>
-                <a:spcPct val="80000"/>
-              </a:lnSpc>
               <a:spcBef>
                 <a:spcPts val="3600"/>
               </a:spcBef>
@@ -3260,7 +2871,6 @@
               </a:buClr>
               <a:buSzPct val="100000"/>
               <a:buChar char="•"/>
-              <a:tabLst/>
               <a:defRPr spc="-42" sz="4200">
                 <a:solidFill>
                   <a:srgbClr val="000000"/>
@@ -3272,9 +2882,6 @@
               </a:defRPr>
             </a:lvl1pPr>
             <a:lvl2pPr marL="914400" indent="-457200" defTabSz="825500">
-              <a:lnSpc>
-                <a:spcPct val="80000"/>
-              </a:lnSpc>
               <a:spcBef>
                 <a:spcPts val="3600"/>
               </a:spcBef>
@@ -3283,7 +2890,6 @@
               </a:buClr>
               <a:buSzPct val="100000"/>
               <a:buChar char="•"/>
-              <a:tabLst/>
               <a:defRPr spc="-42" sz="4200">
                 <a:solidFill>
                   <a:srgbClr val="000000"/>
@@ -3295,9 +2901,6 @@
               </a:defRPr>
             </a:lvl2pPr>
             <a:lvl3pPr marL="1371600" indent="-457200" defTabSz="825500">
-              <a:lnSpc>
-                <a:spcPct val="80000"/>
-              </a:lnSpc>
               <a:spcBef>
                 <a:spcPts val="3600"/>
               </a:spcBef>
@@ -3306,7 +2909,6 @@
               </a:buClr>
               <a:buSzPct val="100000"/>
               <a:buChar char="•"/>
-              <a:tabLst/>
               <a:defRPr spc="-42" sz="4200">
                 <a:solidFill>
                   <a:srgbClr val="000000"/>
@@ -3318,9 +2920,6 @@
               </a:defRPr>
             </a:lvl3pPr>
             <a:lvl4pPr marL="1828800" indent="-457200" defTabSz="825500">
-              <a:lnSpc>
-                <a:spcPct val="80000"/>
-              </a:lnSpc>
               <a:spcBef>
                 <a:spcPts val="3600"/>
               </a:spcBef>
@@ -3329,7 +2928,6 @@
               </a:buClr>
               <a:buSzPct val="100000"/>
               <a:buChar char="•"/>
-              <a:tabLst/>
               <a:defRPr spc="-42" sz="4200">
                 <a:solidFill>
                   <a:srgbClr val="000000"/>
@@ -3341,9 +2939,6 @@
               </a:defRPr>
             </a:lvl4pPr>
             <a:lvl5pPr marL="2286000" indent="-457200" defTabSz="825500">
-              <a:lnSpc>
-                <a:spcPct val="80000"/>
-              </a:lnSpc>
               <a:spcBef>
                 <a:spcPts val="3600"/>
               </a:spcBef>
@@ -3352,7 +2947,6 @@
               </a:buClr>
               <a:buSzPct val="100000"/>
               <a:buChar char="•"/>
-              <a:tabLst/>
               <a:defRPr spc="-42" sz="4200">
                 <a:solidFill>
                   <a:srgbClr val="000000"/>
@@ -3398,7 +2992,7 @@
       </p:sp>
       <p:sp>
         <p:nvSpPr>
-          <p:cNvPr id="64" name="Slide Number"/>
+          <p:cNvPr id="65" name="Slide Number"/>
           <p:cNvSpPr txBox="1"/>
           <p:nvPr>
             <p:ph type="sldNum" sz="quarter" idx="2"/>
@@ -3411,15 +3005,7 @@
         </p:spPr>
         <p:txBody>
           <a:bodyPr/>
-          <a:lstStyle>
-            <a:lvl1pPr>
-              <a:defRPr>
-                <a:solidFill>
-                  <a:srgbClr val="000000"/>
-                </a:solidFill>
-              </a:defRPr>
-            </a:lvl1pPr>
-          </a:lstStyle>
+          <a:lstStyle/>
           <a:p>
             <a:pPr/>
             <a:fld id="{86CB4B4D-7CA3-9044-876B-883B54F8677D}" type="slidenum"/>
@@ -3461,39 +3047,64 @@
       </p:grpSpPr>
       <p:sp>
         <p:nvSpPr>
-          <p:cNvPr id="71" name="Slide Subtitle"/>
+          <p:cNvPr id="72" name="Body Level One…"/>
           <p:cNvSpPr txBox="1"/>
           <p:nvPr>
-            <p:ph type="body" sz="quarter" idx="21" hasCustomPrompt="1"/>
+            <p:ph type="body" sz="quarter" idx="1" hasCustomPrompt="1"/>
           </p:nvPr>
         </p:nvSpPr>
         <p:spPr>
           <a:xfrm>
-            <a:off x="13157200" y="1852248"/>
-            <a:ext cx="10256838" cy="1310641"/>
+            <a:off x="13157200" y="1852247"/>
+            <a:ext cx="10256839" cy="1310643"/>
           </a:xfrm>
           <a:prstGeom prst="rect">
             <a:avLst/>
           </a:prstGeom>
         </p:spPr>
         <p:txBody>
-          <a:bodyPr anchor="ctr"/>
+          <a:bodyPr/>
           <a:lstStyle>
-            <a:lvl1pPr defTabSz="817244">
-              <a:lnSpc>
-                <a:spcPct val="80000"/>
-              </a:lnSpc>
-              <a:tabLst/>
-              <a:defRPr spc="-79" sz="7919">
-                <a:solidFill>
-                  <a:schemeClr val="accent1"/>
-                </a:solidFill>
+            <a:lvl1pPr>
+              <a:defRPr spc="-79" sz="7900">
                 <a:latin typeface="Founders Grotesk"/>
                 <a:ea typeface="Founders Grotesk"/>
                 <a:cs typeface="Founders Grotesk"/>
                 <a:sym typeface="Founders Grotesk"/>
               </a:defRPr>
             </a:lvl1pPr>
+            <a:lvl2pPr>
+              <a:defRPr spc="-79" sz="7900">
+                <a:latin typeface="Founders Grotesk"/>
+                <a:ea typeface="Founders Grotesk"/>
+                <a:cs typeface="Founders Grotesk"/>
+                <a:sym typeface="Founders Grotesk"/>
+              </a:defRPr>
+            </a:lvl2pPr>
+            <a:lvl3pPr>
+              <a:defRPr spc="-79" sz="7900">
+                <a:latin typeface="Founders Grotesk"/>
+                <a:ea typeface="Founders Grotesk"/>
+                <a:cs typeface="Founders Grotesk"/>
+                <a:sym typeface="Founders Grotesk"/>
+              </a:defRPr>
+            </a:lvl3pPr>
+            <a:lvl4pPr>
+              <a:defRPr spc="-79" sz="7900">
+                <a:latin typeface="Founders Grotesk"/>
+                <a:ea typeface="Founders Grotesk"/>
+                <a:cs typeface="Founders Grotesk"/>
+                <a:sym typeface="Founders Grotesk"/>
+              </a:defRPr>
+            </a:lvl4pPr>
+            <a:lvl5pPr>
+              <a:defRPr spc="-79" sz="7900">
+                <a:latin typeface="Founders Grotesk"/>
+                <a:ea typeface="Founders Grotesk"/>
+                <a:cs typeface="Founders Grotesk"/>
+                <a:sym typeface="Founders Grotesk"/>
+              </a:defRPr>
+            </a:lvl5pPr>
           </a:lstStyle>
           <a:p>
             <a:pPr/>
@@ -3501,27 +3112,51 @@
               <a:t>Slide Subtitle</a:t>
             </a:r>
           </a:p>
-        </p:txBody>
-      </p:sp>
-      <p:sp>
-        <p:nvSpPr>
-          <p:cNvPr id="72" name="683033896_1440x1778.jpg"/>
+          <a:p>
+            <a:pPr lvl="1"/>
+            <a:r>
+              <a:t/>
+            </a:r>
+          </a:p>
+          <a:p>
+            <a:pPr lvl="2"/>
+            <a:r>
+              <a:t/>
+            </a:r>
+          </a:p>
+          <a:p>
+            <a:pPr lvl="3"/>
+            <a:r>
+              <a:t/>
+            </a:r>
+          </a:p>
+          <a:p>
+            <a:pPr lvl="4"/>
+            <a:r>
+              <a:t/>
+            </a:r>
+          </a:p>
+        </p:txBody>
+      </p:sp>
+      <p:sp>
+        <p:nvSpPr>
+          <p:cNvPr id="73" name="683033896_1440x1778.jpg"/>
           <p:cNvSpPr/>
           <p:nvPr>
-            <p:ph type="pic" idx="22"/>
+            <p:ph type="pic" idx="21"/>
           </p:nvPr>
         </p:nvSpPr>
         <p:spPr>
           <a:xfrm>
             <a:off x="0" y="-671784"/>
-            <a:ext cx="12196747" cy="15059595"/>
+            <a:ext cx="12196747" cy="15059596"/>
           </a:xfrm>
           <a:prstGeom prst="rect">
             <a:avLst/>
           </a:prstGeom>
         </p:spPr>
         <p:txBody>
-          <a:bodyPr lIns="91439" tIns="45719" rIns="91439" bIns="45719">
+          <a:bodyPr lIns="91439" tIns="45719" rIns="91439" bIns="45719" anchor="t">
             <a:noAutofit/>
           </a:bodyPr>
           <a:lstStyle/>
@@ -3532,7 +3167,7 @@
       </p:sp>
       <p:sp>
         <p:nvSpPr>
-          <p:cNvPr id="73" name="Line"/>
+          <p:cNvPr id="74" name="Line"/>
           <p:cNvSpPr/>
           <p:nvPr/>
         </p:nvSpPr>
@@ -3552,22 +3187,14 @@
           </a:ln>
         </p:spPr>
         <p:txBody>
-          <a:bodyPr lIns="50800" tIns="50800" rIns="50800" bIns="50800" anchor="ctr"/>
+          <a:bodyPr lIns="45718" tIns="45718" rIns="45718" bIns="45718"/>
           <a:lstStyle/>
           <a:p>
             <a:pPr>
-              <a:spcBef>
-                <a:spcPts val="0"/>
-              </a:spcBef>
-              <a:tabLst/>
-              <a:defRPr b="1" cap="all" spc="156">
+              <a:defRPr>
                 <a:solidFill>
-                  <a:srgbClr val="FFFFFF"/>
+                  <a:schemeClr val="accent1"/>
                 </a:solidFill>
-                <a:latin typeface="Founders Grotesk Condensed"/>
-                <a:ea typeface="Founders Grotesk Condensed"/>
-                <a:cs typeface="Founders Grotesk Condensed"/>
-                <a:sym typeface="Founders Grotesk Condensed"/>
               </a:defRPr>
             </a:pPr>
           </a:p>
@@ -3575,14 +3202,14 @@
       </p:sp>
       <p:sp>
         <p:nvSpPr>
-          <p:cNvPr id="74" name="Line"/>
+          <p:cNvPr id="75" name="Line"/>
           <p:cNvSpPr/>
           <p:nvPr/>
         </p:nvSpPr>
         <p:spPr>
           <a:xfrm>
-            <a:off x="639142" y="692907"/>
-            <a:ext cx="23114001" cy="1"/>
+            <a:off x="639141" y="692907"/>
+            <a:ext cx="23114004" cy="1"/>
           </a:xfrm>
           <a:prstGeom prst="line">
             <a:avLst/>
@@ -3595,22 +3222,14 @@
           </a:ln>
         </p:spPr>
         <p:txBody>
-          <a:bodyPr lIns="0" tIns="0" rIns="0" bIns="0" anchor="ctr"/>
+          <a:bodyPr lIns="45718" tIns="45718" rIns="45718" bIns="45718"/>
           <a:lstStyle/>
           <a:p>
             <a:pPr>
-              <a:spcBef>
-                <a:spcPts val="0"/>
-              </a:spcBef>
-              <a:tabLst/>
-              <a:defRPr b="1" cap="all" spc="156">
+              <a:defRPr>
                 <a:solidFill>
-                  <a:srgbClr val="FFFFFF"/>
+                  <a:schemeClr val="accent1"/>
                 </a:solidFill>
-                <a:latin typeface="Founders Grotesk Condensed"/>
-                <a:ea typeface="Founders Grotesk Condensed"/>
-                <a:cs typeface="Founders Grotesk Condensed"/>
-                <a:sym typeface="Founders Grotesk Condensed"/>
               </a:defRPr>
             </a:pPr>
           </a:p>
@@ -3618,7 +3237,7 @@
       </p:sp>
       <p:sp>
         <p:nvSpPr>
-          <p:cNvPr id="75" name="Slide Title"/>
+          <p:cNvPr id="76" name="Slide Title"/>
           <p:cNvSpPr txBox="1"/>
           <p:nvPr>
             <p:ph type="title" hasCustomPrompt="1"/>
@@ -3627,7 +3246,7 @@
         <p:spPr>
           <a:xfrm>
             <a:off x="13157200" y="864810"/>
-            <a:ext cx="10256838" cy="1308101"/>
+            <a:ext cx="10256839" cy="1308101"/>
           </a:xfrm>
           <a:prstGeom prst="rect">
             <a:avLst/>
@@ -3641,9 +3260,9 @@
                 <a:solidFill>
                   <a:schemeClr val="accent1"/>
                 </a:solidFill>
-                <a:latin typeface="+mn-lt"/>
-                <a:ea typeface="+mn-ea"/>
-                <a:cs typeface="+mn-cs"/>
+                <a:latin typeface="Founders Grotesk Semibold"/>
+                <a:ea typeface="Founders Grotesk Semibold"/>
+                <a:cs typeface="Founders Grotesk Semibold"/>
                 <a:sym typeface="Founders Grotesk Semibold"/>
               </a:defRPr>
             </a:lvl1pPr>
@@ -3658,28 +3277,25 @@
       </p:sp>
       <p:sp>
         <p:nvSpPr>
-          <p:cNvPr id="76" name="Body Level One…"/>
+          <p:cNvPr id="77" name="Body Level One…"/>
           <p:cNvSpPr txBox="1"/>
           <p:nvPr>
-            <p:ph type="body" sz="half" idx="1" hasCustomPrompt="1"/>
+            <p:ph type="body" sz="half" idx="22" hasCustomPrompt="1"/>
           </p:nvPr>
         </p:nvSpPr>
         <p:spPr>
           <a:xfrm>
             <a:off x="13157200" y="3904441"/>
-            <a:ext cx="10256838" cy="7303309"/>
+            <a:ext cx="10256839" cy="7303309"/>
           </a:xfrm>
           <a:prstGeom prst="rect">
             <a:avLst/>
           </a:prstGeom>
         </p:spPr>
         <p:txBody>
-          <a:bodyPr/>
+          <a:bodyPr anchor="t"/>
           <a:lstStyle>
             <a:lvl1pPr marL="457200" indent="-457200" defTabSz="825500">
-              <a:lnSpc>
-                <a:spcPct val="80000"/>
-              </a:lnSpc>
               <a:spcBef>
                 <a:spcPts val="3600"/>
               </a:spcBef>
@@ -3688,8 +3304,7 @@
               </a:buClr>
               <a:buSzPct val="100000"/>
               <a:buChar char="•"/>
-              <a:tabLst/>
-              <a:defRPr spc="-42" sz="4200">
+              <a:defRPr spc="-100" sz="4200">
                 <a:solidFill>
                   <a:srgbClr val="000000"/>
                 </a:solidFill>
@@ -3699,98 +3314,6 @@
                 <a:sym typeface="Founders Grotesk Text"/>
               </a:defRPr>
             </a:lvl1pPr>
-            <a:lvl2pPr marL="914400" indent="-457200" defTabSz="825500">
-              <a:lnSpc>
-                <a:spcPct val="80000"/>
-              </a:lnSpc>
-              <a:spcBef>
-                <a:spcPts val="3600"/>
-              </a:spcBef>
-              <a:buClr>
-                <a:schemeClr val="accent1"/>
-              </a:buClr>
-              <a:buSzPct val="100000"/>
-              <a:buChar char="•"/>
-              <a:tabLst/>
-              <a:defRPr spc="-42" sz="4200">
-                <a:solidFill>
-                  <a:srgbClr val="000000"/>
-                </a:solidFill>
-                <a:latin typeface="Founders Grotesk Text"/>
-                <a:ea typeface="Founders Grotesk Text"/>
-                <a:cs typeface="Founders Grotesk Text"/>
-                <a:sym typeface="Founders Grotesk Text"/>
-              </a:defRPr>
-            </a:lvl2pPr>
-            <a:lvl3pPr marL="1371600" indent="-457200" defTabSz="825500">
-              <a:lnSpc>
-                <a:spcPct val="80000"/>
-              </a:lnSpc>
-              <a:spcBef>
-                <a:spcPts val="3600"/>
-              </a:spcBef>
-              <a:buClr>
-                <a:schemeClr val="accent1"/>
-              </a:buClr>
-              <a:buSzPct val="100000"/>
-              <a:buChar char="•"/>
-              <a:tabLst/>
-              <a:defRPr spc="-42" sz="4200">
-                <a:solidFill>
-                  <a:srgbClr val="000000"/>
-                </a:solidFill>
-                <a:latin typeface="Founders Grotesk Text"/>
-                <a:ea typeface="Founders Grotesk Text"/>
-                <a:cs typeface="Founders Grotesk Text"/>
-                <a:sym typeface="Founders Grotesk Text"/>
-              </a:defRPr>
-            </a:lvl3pPr>
-            <a:lvl4pPr marL="1828800" indent="-457200" defTabSz="825500">
-              <a:lnSpc>
-                <a:spcPct val="80000"/>
-              </a:lnSpc>
-              <a:spcBef>
-                <a:spcPts val="3600"/>
-              </a:spcBef>
-              <a:buClr>
-                <a:schemeClr val="accent1"/>
-              </a:buClr>
-              <a:buSzPct val="100000"/>
-              <a:buChar char="•"/>
-              <a:tabLst/>
-              <a:defRPr spc="-42" sz="4200">
-                <a:solidFill>
-                  <a:srgbClr val="000000"/>
-                </a:solidFill>
-                <a:latin typeface="Founders Grotesk Text"/>
-                <a:ea typeface="Founders Grotesk Text"/>
-                <a:cs typeface="Founders Grotesk Text"/>
-                <a:sym typeface="Founders Grotesk Text"/>
-              </a:defRPr>
-            </a:lvl4pPr>
-            <a:lvl5pPr marL="2286000" indent="-457200" defTabSz="825500">
-              <a:lnSpc>
-                <a:spcPct val="80000"/>
-              </a:lnSpc>
-              <a:spcBef>
-                <a:spcPts val="3600"/>
-              </a:spcBef>
-              <a:buClr>
-                <a:schemeClr val="accent1"/>
-              </a:buClr>
-              <a:buSzPct val="100000"/>
-              <a:buChar char="•"/>
-              <a:tabLst/>
-              <a:defRPr spc="-42" sz="4200">
-                <a:solidFill>
-                  <a:srgbClr val="000000"/>
-                </a:solidFill>
-                <a:latin typeface="Founders Grotesk Text"/>
-                <a:ea typeface="Founders Grotesk Text"/>
-                <a:cs typeface="Founders Grotesk Text"/>
-                <a:sym typeface="Founders Grotesk Text"/>
-              </a:defRPr>
-            </a:lvl5pPr>
           </a:lstStyle>
           <a:p>
             <a:pPr/>
@@ -3798,35 +3321,11 @@
               <a:t>Slide bullet text</a:t>
             </a:r>
           </a:p>
-          <a:p>
-            <a:pPr lvl="1"/>
-            <a:r>
-              <a:t/>
-            </a:r>
-          </a:p>
-          <a:p>
-            <a:pPr lvl="2"/>
-            <a:r>
-              <a:t/>
-            </a:r>
-          </a:p>
-          <a:p>
-            <a:pPr lvl="3"/>
-            <a:r>
-              <a:t/>
-            </a:r>
-          </a:p>
-          <a:p>
-            <a:pPr lvl="4"/>
-            <a:r>
-              <a:t/>
-            </a:r>
-          </a:p>
-        </p:txBody>
-      </p:sp>
-      <p:sp>
-        <p:nvSpPr>
-          <p:cNvPr id="77" name="Slide Number"/>
+        </p:txBody>
+      </p:sp>
+      <p:sp>
+        <p:nvSpPr>
+          <p:cNvPr id="78" name="Slide Number"/>
           <p:cNvSpPr txBox="1"/>
           <p:nvPr>
             <p:ph type="sldNum" sz="quarter" idx="2"/>
@@ -3839,15 +3338,7 @@
         </p:spPr>
         <p:txBody>
           <a:bodyPr/>
-          <a:lstStyle>
-            <a:lvl1pPr>
-              <a:defRPr>
-                <a:solidFill>
-                  <a:srgbClr val="000000"/>
-                </a:solidFill>
-              </a:defRPr>
-            </a:lvl1pPr>
-          </a:lstStyle>
+          <a:lstStyle/>
           <a:p>
             <a:pPr/>
             <a:fld id="{86CB4B4D-7CA3-9044-876B-883B54F8677D}" type="slidenum"/>
@@ -3869,11 +3360,7 @@
     <p:bg>
       <p:bgPr>
         <a:solidFill>
-          <a:schemeClr val="accent3">
-            <a:hueOff val="513816"/>
-            <a:satOff val="9467"/>
-            <a:lumOff val="17481"/>
-          </a:schemeClr>
+          <a:srgbClr val="AFFFF7"/>
         </a:solidFill>
       </p:bgPr>
     </p:bg>
@@ -3893,7 +3380,7 @@
       </p:grpSpPr>
       <p:sp>
         <p:nvSpPr>
-          <p:cNvPr id="84" name="Line"/>
+          <p:cNvPr id="85" name="Line"/>
           <p:cNvSpPr/>
           <p:nvPr/>
         </p:nvSpPr>
@@ -3913,22 +3400,14 @@
           </a:ln>
         </p:spPr>
         <p:txBody>
-          <a:bodyPr lIns="0" tIns="0" rIns="0" bIns="0" anchor="ctr"/>
+          <a:bodyPr lIns="45718" tIns="45718" rIns="45718" bIns="45718"/>
           <a:lstStyle/>
           <a:p>
             <a:pPr>
-              <a:spcBef>
-                <a:spcPts val="0"/>
-              </a:spcBef>
-              <a:tabLst/>
-              <a:defRPr b="1" cap="all" spc="156">
+              <a:defRPr>
                 <a:solidFill>
-                  <a:srgbClr val="FFFFFF"/>
+                  <a:schemeClr val="accent1"/>
                 </a:solidFill>
-                <a:latin typeface="Founders Grotesk Condensed"/>
-                <a:ea typeface="Founders Grotesk Condensed"/>
-                <a:cs typeface="Founders Grotesk Condensed"/>
-                <a:sym typeface="Founders Grotesk Condensed"/>
               </a:defRPr>
             </a:pPr>
           </a:p>
@@ -3936,7 +3415,7 @@
       </p:sp>
       <p:sp>
         <p:nvSpPr>
-          <p:cNvPr id="85" name="Line"/>
+          <p:cNvPr id="86" name="Line"/>
           <p:cNvSpPr/>
           <p:nvPr/>
         </p:nvSpPr>
@@ -3956,22 +3435,14 @@
           </a:ln>
         </p:spPr>
         <p:txBody>
-          <a:bodyPr lIns="0" tIns="0" rIns="0" bIns="0" anchor="ctr"/>
+          <a:bodyPr lIns="45718" tIns="45718" rIns="45718" bIns="45718"/>
           <a:lstStyle/>
           <a:p>
             <a:pPr>
-              <a:spcBef>
-                <a:spcPts val="0"/>
-              </a:spcBef>
-              <a:tabLst/>
-              <a:defRPr b="1" cap="all" spc="156">
+              <a:defRPr>
                 <a:solidFill>
-                  <a:srgbClr val="FFFFFF"/>
+                  <a:schemeClr val="accent1"/>
                 </a:solidFill>
-                <a:latin typeface="Founders Grotesk Condensed"/>
-                <a:ea typeface="Founders Grotesk Condensed"/>
-                <a:cs typeface="Founders Grotesk Condensed"/>
-                <a:sym typeface="Founders Grotesk Condensed"/>
               </a:defRPr>
             </a:pPr>
           </a:p>
@@ -3979,7 +3450,7 @@
       </p:sp>
       <p:sp>
         <p:nvSpPr>
-          <p:cNvPr id="86" name="Section Title"/>
+          <p:cNvPr id="87" name="Section Title"/>
           <p:cNvSpPr txBox="1"/>
           <p:nvPr>
             <p:ph type="title" hasCustomPrompt="1"/>
@@ -3987,8 +3458,8 @@
         </p:nvSpPr>
         <p:spPr>
           <a:xfrm>
-            <a:off x="571500" y="9530979"/>
-            <a:ext cx="23241000" cy="2019301"/>
+            <a:off x="571500" y="9530978"/>
+            <a:ext cx="23241000" cy="2019302"/>
           </a:xfrm>
           <a:prstGeom prst="rect">
             <a:avLst/>
@@ -4005,9 +3476,9 @@
                 <a:solidFill>
                   <a:schemeClr val="accent1"/>
                 </a:solidFill>
-                <a:latin typeface="+mn-lt"/>
-                <a:ea typeface="+mn-ea"/>
-                <a:cs typeface="+mn-cs"/>
+                <a:latin typeface="Founders Grotesk Semibold"/>
+                <a:ea typeface="Founders Grotesk Semibold"/>
+                <a:cs typeface="Founders Grotesk Semibold"/>
                 <a:sym typeface="Founders Grotesk Semibold"/>
               </a:defRPr>
             </a:lvl1pPr>
@@ -4022,7 +3493,7 @@
       </p:sp>
       <p:sp>
         <p:nvSpPr>
-          <p:cNvPr id="87" name="Slide Number"/>
+          <p:cNvPr id="88" name="Slide Number"/>
           <p:cNvSpPr txBox="1"/>
           <p:nvPr>
             <p:ph type="sldNum" sz="quarter" idx="2"/>
@@ -4035,15 +3506,7 @@
         </p:spPr>
         <p:txBody>
           <a:bodyPr/>
-          <a:lstStyle>
-            <a:lvl1pPr>
-              <a:defRPr>
-                <a:solidFill>
-                  <a:srgbClr val="000000"/>
-                </a:solidFill>
-              </a:defRPr>
-            </a:lvl1pPr>
-          </a:lstStyle>
+          <a:lstStyle/>
           <a:p>
             <a:pPr/>
             <a:fld id="{86CB4B4D-7CA3-9044-876B-883B54F8677D}" type="slidenum"/>
@@ -4085,7 +3548,7 @@
       </p:grpSpPr>
       <p:sp>
         <p:nvSpPr>
-          <p:cNvPr id="94" name="Line"/>
+          <p:cNvPr id="95" name="Line"/>
           <p:cNvSpPr/>
           <p:nvPr/>
         </p:nvSpPr>
@@ -4105,22 +3568,14 @@
           </a:ln>
         </p:spPr>
         <p:txBody>
-          <a:bodyPr lIns="50800" tIns="50800" rIns="50800" bIns="50800" anchor="ctr"/>
+          <a:bodyPr lIns="45718" tIns="45718" rIns="45718" bIns="45718"/>
           <a:lstStyle/>
           <a:p>
             <a:pPr>
-              <a:spcBef>
-                <a:spcPts val="0"/>
-              </a:spcBef>
-              <a:tabLst/>
-              <a:defRPr b="1" cap="all" spc="156">
+              <a:defRPr>
                 <a:solidFill>
-                  <a:srgbClr val="FFFFFF"/>
+                  <a:schemeClr val="accent1"/>
                 </a:solidFill>
-                <a:latin typeface="Founders Grotesk Condensed"/>
-                <a:ea typeface="Founders Grotesk Condensed"/>
-                <a:cs typeface="Founders Grotesk Condensed"/>
-                <a:sym typeface="Founders Grotesk Condensed"/>
               </a:defRPr>
             </a:pPr>
           </a:p>
@@ -4128,14 +3583,14 @@
       </p:sp>
       <p:sp>
         <p:nvSpPr>
-          <p:cNvPr id="95" name="Line"/>
+          <p:cNvPr id="96" name="Line"/>
           <p:cNvSpPr/>
           <p:nvPr/>
         </p:nvSpPr>
         <p:spPr>
           <a:xfrm>
-            <a:off x="639142" y="692907"/>
-            <a:ext cx="23114001" cy="1"/>
+            <a:off x="639141" y="692907"/>
+            <a:ext cx="23114004" cy="1"/>
           </a:xfrm>
           <a:prstGeom prst="line">
             <a:avLst/>
@@ -4148,22 +3603,14 @@
           </a:ln>
         </p:spPr>
         <p:txBody>
-          <a:bodyPr lIns="0" tIns="0" rIns="0" bIns="0" anchor="ctr"/>
+          <a:bodyPr lIns="45718" tIns="45718" rIns="45718" bIns="45718"/>
           <a:lstStyle/>
           <a:p>
             <a:pPr>
-              <a:spcBef>
-                <a:spcPts val="0"/>
-              </a:spcBef>
-              <a:tabLst/>
-              <a:defRPr b="1" cap="all" spc="156">
+              <a:defRPr>
                 <a:solidFill>
-                  <a:srgbClr val="FFFFFF"/>
+                  <a:schemeClr val="accent1"/>
                 </a:solidFill>
-                <a:latin typeface="Founders Grotesk Condensed"/>
-                <a:ea typeface="Founders Grotesk Condensed"/>
-                <a:cs typeface="Founders Grotesk Condensed"/>
-                <a:sym typeface="Founders Grotesk Condensed"/>
               </a:defRPr>
             </a:pPr>
           </a:p>
@@ -4171,7 +3618,7 @@
       </p:sp>
       <p:sp>
         <p:nvSpPr>
-          <p:cNvPr id="96" name="Slide Title"/>
+          <p:cNvPr id="97" name="Slide Title"/>
           <p:cNvSpPr txBox="1"/>
           <p:nvPr>
             <p:ph type="title" hasCustomPrompt="1"/>
@@ -4197,9 +3644,9 @@
                 <a:solidFill>
                   <a:schemeClr val="accent1"/>
                 </a:solidFill>
-                <a:latin typeface="+mn-lt"/>
-                <a:ea typeface="+mn-ea"/>
-                <a:cs typeface="+mn-cs"/>
+                <a:latin typeface="Founders Grotesk Semibold"/>
+                <a:ea typeface="Founders Grotesk Semibold"/>
+                <a:cs typeface="Founders Grotesk Semibold"/>
                 <a:sym typeface="Founders Grotesk Semibold"/>
               </a:defRPr>
             </a:lvl1pPr>
@@ -4214,7 +3661,7 @@
       </p:sp>
       <p:sp>
         <p:nvSpPr>
-          <p:cNvPr id="97" name="Slide Number"/>
+          <p:cNvPr id="98" name="Slide Number"/>
           <p:cNvSpPr txBox="1"/>
           <p:nvPr>
             <p:ph type="sldNum" sz="quarter" idx="2"/>
@@ -4227,15 +3674,7 @@
         </p:spPr>
         <p:txBody>
           <a:bodyPr/>
-          <a:lstStyle>
-            <a:lvl1pPr>
-              <a:defRPr>
-                <a:solidFill>
-                  <a:srgbClr val="000000"/>
-                </a:solidFill>
-              </a:defRPr>
-            </a:lvl1pPr>
-          </a:lstStyle>
+          <a:lstStyle/>
           <a:p>
             <a:pPr/>
             <a:fld id="{86CB4B4D-7CA3-9044-876B-883B54F8677D}" type="slidenum"/>
@@ -4252,136 +3691,12 @@
 </file>
 
 <file path=ppt/slideLayouts/slideLayout9.xml><?xml version="1.0" encoding="utf-8"?>
-<p:sldLayout xmlns:a="http://schemas.openxmlformats.org/drawingml/2006/main" xmlns:r="http://schemas.openxmlformats.org/officeDocument/2006/relationships" xmlns:p="http://schemas.openxmlformats.org/presentationml/2006/main" xmlns:m="http://schemas.openxmlformats.org/officeDocument/2006/math" xmlns:a14="http://schemas.microsoft.com/office/drawing/2010/main" type="tx" showMasterSp="1" showMasterPhAnim="1">
+<p:sldLayout xmlns:a="http://schemas.openxmlformats.org/drawingml/2006/main" xmlns:r="http://schemas.openxmlformats.org/officeDocument/2006/relationships" xmlns:p="http://schemas.openxmlformats.org/presentationml/2006/main" xmlns:m="http://schemas.openxmlformats.org/officeDocument/2006/math" xmlns:a14="http://schemas.microsoft.com/office/drawing/2010/main" type="tx" showMasterSp="0" showMasterPhAnim="1">
   <p:cSld name="Agenda">
-    <p:spTree>
-      <p:nvGrpSpPr>
-        <p:cNvPr id="1" name=""/>
-        <p:cNvGrpSpPr/>
-        <p:nvPr/>
-      </p:nvGrpSpPr>
-      <p:grpSpPr>
-        <a:xfrm>
-          <a:off x="0" y="0"/>
-          <a:ext cx="0" cy="0"/>
-          <a:chOff x="0" y="0"/>
-          <a:chExt cx="0" cy="0"/>
-        </a:xfrm>
-      </p:grpSpPr>
-      <p:sp>
-        <p:nvSpPr>
-          <p:cNvPr id="104" name="Agenda Title"/>
-          <p:cNvSpPr txBox="1"/>
-          <p:nvPr>
-            <p:ph type="title" hasCustomPrompt="1"/>
-          </p:nvPr>
-        </p:nvSpPr>
-        <p:spPr>
-          <a:prstGeom prst="rect">
-            <a:avLst/>
-          </a:prstGeom>
-        </p:spPr>
-        <p:txBody>
-          <a:bodyPr/>
-          <a:lstStyle/>
-          <a:p>
-            <a:pPr/>
-            <a:r>
-              <a:t>Agenda Title</a:t>
-            </a:r>
-          </a:p>
-        </p:txBody>
-      </p:sp>
-      <p:sp>
-        <p:nvSpPr>
-          <p:cNvPr id="105" name="Body Level One…"/>
-          <p:cNvSpPr txBox="1"/>
-          <p:nvPr>
-            <p:ph type="body" idx="1" hasCustomPrompt="1"/>
-          </p:nvPr>
-        </p:nvSpPr>
-        <p:spPr>
-          <a:prstGeom prst="rect">
-            <a:avLst/>
-          </a:prstGeom>
-        </p:spPr>
-        <p:txBody>
-          <a:bodyPr/>
-          <a:lstStyle/>
-          <a:p>
-            <a:pPr/>
-            <a:r>
-              <a:t>Agenda Topics</a:t>
-            </a:r>
-          </a:p>
-          <a:p>
-            <a:pPr lvl="1"/>
-            <a:r>
-              <a:t/>
-            </a:r>
-          </a:p>
-          <a:p>
-            <a:pPr lvl="2"/>
-            <a:r>
-              <a:t/>
-            </a:r>
-          </a:p>
-          <a:p>
-            <a:pPr lvl="3"/>
-            <a:r>
-              <a:t/>
-            </a:r>
-          </a:p>
-          <a:p>
-            <a:pPr lvl="4"/>
-            <a:r>
-              <a:t/>
-            </a:r>
-          </a:p>
-        </p:txBody>
-      </p:sp>
-      <p:sp>
-        <p:nvSpPr>
-          <p:cNvPr id="106" name="Slide Number"/>
-          <p:cNvSpPr txBox="1"/>
-          <p:nvPr>
-            <p:ph type="sldNum" sz="quarter" idx="2"/>
-          </p:nvPr>
-        </p:nvSpPr>
-        <p:spPr>
-          <a:prstGeom prst="rect">
-            <a:avLst/>
-          </a:prstGeom>
-        </p:spPr>
-        <p:txBody>
-          <a:bodyPr/>
-          <a:lstStyle/>
-          <a:p>
-            <a:pPr/>
-            <a:fld id="{86CB4B4D-7CA3-9044-876B-883B54F8677D}" type="slidenum"/>
-          </a:p>
-        </p:txBody>
-      </p:sp>
-    </p:spTree>
-  </p:cSld>
-  <p:clrMapOvr>
-    <a:masterClrMapping/>
-  </p:clrMapOvr>
-  <p:transition xmlns:p14="http://schemas.microsoft.com/office/powerpoint/2010/main" spd="med" advClick="1"/>
-</p:sldLayout>
-</file>
-
-<file path=ppt/slideMasters/slideMaster1.xml><?xml version="1.0" encoding="utf-8"?>
-<p:sldMaster xmlns:a="http://schemas.openxmlformats.org/drawingml/2006/main" xmlns:r="http://schemas.openxmlformats.org/officeDocument/2006/relationships" xmlns:p="http://schemas.openxmlformats.org/presentationml/2006/main" xmlns:m="http://schemas.openxmlformats.org/officeDocument/2006/math" xmlns:a14="http://schemas.microsoft.com/office/drawing/2010/main">
-  <p:cSld>
     <p:bg>
       <p:bgPr>
         <a:solidFill>
-          <a:schemeClr val="accent1">
-            <a:hueOff val="-42304"/>
-            <a:satOff val="23749"/>
-            <a:lumOff val="-45745"/>
-          </a:schemeClr>
+          <a:srgbClr val="000034"/>
         </a:solidFill>
       </p:bgPr>
     </p:bg>
@@ -4401,7 +3716,42 @@
       </p:grpSpPr>
       <p:sp>
         <p:nvSpPr>
-          <p:cNvPr id="2" name="Agenda Title"/>
+          <p:cNvPr id="105" name="Line"/>
+          <p:cNvSpPr/>
+          <p:nvPr/>
+        </p:nvSpPr>
+        <p:spPr>
+          <a:xfrm>
+            <a:off x="639141" y="692907"/>
+            <a:ext cx="23114004" cy="1"/>
+          </a:xfrm>
+          <a:prstGeom prst="line">
+            <a:avLst/>
+          </a:prstGeom>
+          <a:ln w="114300">
+            <a:solidFill>
+              <a:schemeClr val="accent4"/>
+            </a:solidFill>
+            <a:miter lim="400000"/>
+          </a:ln>
+        </p:spPr>
+        <p:txBody>
+          <a:bodyPr lIns="45718" tIns="45718" rIns="45718" bIns="45718"/>
+          <a:lstStyle/>
+          <a:p>
+            <a:pPr>
+              <a:defRPr>
+                <a:solidFill>
+                  <a:schemeClr val="accent1"/>
+                </a:solidFill>
+              </a:defRPr>
+            </a:pPr>
+          </a:p>
+        </p:txBody>
+      </p:sp>
+      <p:sp>
+        <p:nvSpPr>
+          <p:cNvPr id="106" name="Agenda Title"/>
           <p:cNvSpPr txBox="1"/>
           <p:nvPr>
             <p:ph type="title" hasCustomPrompt="1"/>
@@ -4409,8 +3759,287 @@
         </p:nvSpPr>
         <p:spPr>
           <a:xfrm>
-            <a:off x="575641" y="881082"/>
-            <a:ext cx="23241001" cy="1951018"/>
+            <a:off x="575640" y="881081"/>
+            <a:ext cx="23241003" cy="1951019"/>
+          </a:xfrm>
+          <a:prstGeom prst="rect">
+            <a:avLst/>
+          </a:prstGeom>
+        </p:spPr>
+        <p:txBody>
+          <a:bodyPr/>
+          <a:lstStyle/>
+          <a:p>
+            <a:pPr/>
+            <a:r>
+              <a:t>Agenda Title</a:t>
+            </a:r>
+          </a:p>
+        </p:txBody>
+      </p:sp>
+      <p:sp>
+        <p:nvSpPr>
+          <p:cNvPr id="107" name="Body Level One…"/>
+          <p:cNvSpPr txBox="1"/>
+          <p:nvPr>
+            <p:ph type="body" idx="1" hasCustomPrompt="1"/>
+          </p:nvPr>
+        </p:nvSpPr>
+        <p:spPr>
+          <a:xfrm>
+            <a:off x="575640" y="3276600"/>
+            <a:ext cx="23241003" cy="9870679"/>
+          </a:xfrm>
+          <a:prstGeom prst="rect">
+            <a:avLst/>
+          </a:prstGeom>
+        </p:spPr>
+        <p:txBody>
+          <a:bodyPr anchor="t"/>
+          <a:lstStyle>
+            <a:lvl1pPr defTabSz="469900">
+              <a:lnSpc>
+                <a:spcPct val="120000"/>
+              </a:lnSpc>
+              <a:tabLst>
+                <a:tab pos="469900" algn="l"/>
+              </a:tabLst>
+              <a:defRPr spc="0" sz="8000">
+                <a:solidFill>
+                  <a:srgbClr val="C3CCB0"/>
+                </a:solidFill>
+              </a:defRPr>
+            </a:lvl1pPr>
+            <a:lvl2pPr defTabSz="469900">
+              <a:lnSpc>
+                <a:spcPct val="120000"/>
+              </a:lnSpc>
+              <a:tabLst>
+                <a:tab pos="469900" algn="l"/>
+              </a:tabLst>
+              <a:defRPr spc="0" sz="8000">
+                <a:solidFill>
+                  <a:srgbClr val="C3CCB0"/>
+                </a:solidFill>
+              </a:defRPr>
+            </a:lvl2pPr>
+            <a:lvl3pPr defTabSz="469900">
+              <a:lnSpc>
+                <a:spcPct val="120000"/>
+              </a:lnSpc>
+              <a:tabLst>
+                <a:tab pos="469900" algn="l"/>
+              </a:tabLst>
+              <a:defRPr spc="0" sz="8000">
+                <a:solidFill>
+                  <a:srgbClr val="C3CCB0"/>
+                </a:solidFill>
+              </a:defRPr>
+            </a:lvl3pPr>
+            <a:lvl4pPr defTabSz="469900">
+              <a:lnSpc>
+                <a:spcPct val="120000"/>
+              </a:lnSpc>
+              <a:tabLst>
+                <a:tab pos="469900" algn="l"/>
+              </a:tabLst>
+              <a:defRPr spc="0" sz="8000">
+                <a:solidFill>
+                  <a:srgbClr val="C3CCB0"/>
+                </a:solidFill>
+              </a:defRPr>
+            </a:lvl4pPr>
+            <a:lvl5pPr defTabSz="469900">
+              <a:lnSpc>
+                <a:spcPct val="120000"/>
+              </a:lnSpc>
+              <a:tabLst>
+                <a:tab pos="469900" algn="l"/>
+              </a:tabLst>
+              <a:defRPr spc="0" sz="8000">
+                <a:solidFill>
+                  <a:srgbClr val="C3CCB0"/>
+                </a:solidFill>
+              </a:defRPr>
+            </a:lvl5pPr>
+          </a:lstStyle>
+          <a:p>
+            <a:pPr/>
+            <a:r>
+              <a:t>Agenda Topics</a:t>
+            </a:r>
+          </a:p>
+          <a:p>
+            <a:pPr lvl="1"/>
+            <a:r>
+              <a:t/>
+            </a:r>
+          </a:p>
+          <a:p>
+            <a:pPr lvl="2"/>
+            <a:r>
+              <a:t/>
+            </a:r>
+          </a:p>
+          <a:p>
+            <a:pPr lvl="3"/>
+            <a:r>
+              <a:t/>
+            </a:r>
+          </a:p>
+          <a:p>
+            <a:pPr lvl="4"/>
+            <a:r>
+              <a:t/>
+            </a:r>
+          </a:p>
+        </p:txBody>
+      </p:sp>
+      <p:sp>
+        <p:nvSpPr>
+          <p:cNvPr id="108" name="Slide Number"/>
+          <p:cNvSpPr txBox="1"/>
+          <p:nvPr>
+            <p:ph type="sldNum" sz="quarter" idx="2"/>
+          </p:nvPr>
+        </p:nvSpPr>
+        <p:spPr>
+          <a:prstGeom prst="rect">
+            <a:avLst/>
+          </a:prstGeom>
+        </p:spPr>
+        <p:txBody>
+          <a:bodyPr/>
+          <a:lstStyle>
+            <a:lvl1pPr>
+              <a:defRPr>
+                <a:solidFill>
+                  <a:srgbClr val="FFFFFF"/>
+                </a:solidFill>
+              </a:defRPr>
+            </a:lvl1pPr>
+          </a:lstStyle>
+          <a:p>
+            <a:pPr/>
+            <a:fld id="{86CB4B4D-7CA3-9044-876B-883B54F8677D}" type="slidenum"/>
+          </a:p>
+        </p:txBody>
+      </p:sp>
+    </p:spTree>
+  </p:cSld>
+  <p:clrMapOvr>
+    <a:masterClrMapping/>
+  </p:clrMapOvr>
+  <p:transition xmlns:p14="http://schemas.microsoft.com/office/powerpoint/2010/main" spd="med" advClick="1"/>
+</p:sldLayout>
+</file>
+
+<file path=ppt/slideMasters/slideMaster1.xml><?xml version="1.0" encoding="utf-8"?>
+<p:sldMaster xmlns:a="http://schemas.openxmlformats.org/drawingml/2006/main" xmlns:r="http://schemas.openxmlformats.org/officeDocument/2006/relationships" xmlns:p="http://schemas.openxmlformats.org/presentationml/2006/main" xmlns:m="http://schemas.openxmlformats.org/officeDocument/2006/math" xmlns:a14="http://schemas.microsoft.com/office/drawing/2010/main">
+  <p:cSld>
+    <p:bg>
+      <p:bgPr>
+        <a:solidFill>
+          <a:srgbClr val="C3D9E0"/>
+        </a:solidFill>
+      </p:bgPr>
+    </p:bg>
+    <p:spTree>
+      <p:nvGrpSpPr>
+        <p:cNvPr id="1" name=""/>
+        <p:cNvGrpSpPr/>
+        <p:nvPr/>
+      </p:nvGrpSpPr>
+      <p:grpSpPr>
+        <a:xfrm>
+          <a:off x="0" y="0"/>
+          <a:ext cx="0" cy="0"/>
+          <a:chOff x="0" y="0"/>
+          <a:chExt cx="0" cy="0"/>
+        </a:xfrm>
+      </p:grpSpPr>
+      <p:sp>
+        <p:nvSpPr>
+          <p:cNvPr id="2" name="Line"/>
+          <p:cNvSpPr/>
+          <p:nvPr/>
+        </p:nvSpPr>
+        <p:spPr>
+          <a:xfrm>
+            <a:off x="635000" y="12192000"/>
+            <a:ext cx="23114000" cy="0"/>
+          </a:xfrm>
+          <a:prstGeom prst="line">
+            <a:avLst/>
+          </a:prstGeom>
+          <a:ln w="38100">
+            <a:solidFill>
+              <a:srgbClr val="000034"/>
+            </a:solidFill>
+            <a:miter lim="400000"/>
+          </a:ln>
+        </p:spPr>
+        <p:txBody>
+          <a:bodyPr lIns="45718" tIns="45718" rIns="45718" bIns="45718"/>
+          <a:lstStyle/>
+          <a:p>
+            <a:pPr>
+              <a:defRPr>
+                <a:solidFill>
+                  <a:schemeClr val="accent1"/>
+                </a:solidFill>
+              </a:defRPr>
+            </a:pPr>
+          </a:p>
+        </p:txBody>
+      </p:sp>
+      <p:sp>
+        <p:nvSpPr>
+          <p:cNvPr id="3" name="Line"/>
+          <p:cNvSpPr/>
+          <p:nvPr/>
+        </p:nvSpPr>
+        <p:spPr>
+          <a:xfrm>
+            <a:off x="639141" y="692907"/>
+            <a:ext cx="23114004" cy="1"/>
+          </a:xfrm>
+          <a:prstGeom prst="line">
+            <a:avLst/>
+          </a:prstGeom>
+          <a:ln w="114300">
+            <a:solidFill>
+              <a:srgbClr val="000034"/>
+            </a:solidFill>
+            <a:miter lim="400000"/>
+          </a:ln>
+        </p:spPr>
+        <p:txBody>
+          <a:bodyPr lIns="45718" tIns="45718" rIns="45718" bIns="45718"/>
+          <a:lstStyle/>
+          <a:p>
+            <a:pPr>
+              <a:defRPr>
+                <a:solidFill>
+                  <a:schemeClr val="accent1"/>
+                </a:solidFill>
+              </a:defRPr>
+            </a:pPr>
+          </a:p>
+        </p:txBody>
+      </p:sp>
+      <p:sp>
+        <p:nvSpPr>
+          <p:cNvPr id="4" name="Body Level One…"/>
+          <p:cNvSpPr txBox="1"/>
+          <p:nvPr>
+            <p:ph type="body" idx="1" hasCustomPrompt="1"/>
+          </p:nvPr>
+        </p:nvSpPr>
+        <p:spPr>
+          <a:xfrm>
+            <a:off x="1148059" y="9247147"/>
+            <a:ext cx="22707183" cy="932817"/>
           </a:xfrm>
           <a:prstGeom prst="rect">
             <a:avLst/>
@@ -4425,73 +4054,54 @@
           </a:extLst>
         </p:spPr>
         <p:txBody>
-          <a:bodyPr lIns="50800" tIns="50800" rIns="50800" bIns="50800">
+          <a:bodyPr lIns="50800" tIns="50800" rIns="50800" bIns="50800" anchor="ctr">
             <a:normAutofit fontScale="100000" lnSpcReduction="0"/>
           </a:bodyPr>
           <a:lstStyle/>
           <a:p>
             <a:pPr/>
             <a:r>
-              <a:t>Agenda Title</a:t>
-            </a:r>
-          </a:p>
-        </p:txBody>
-      </p:sp>
-      <p:sp>
-        <p:nvSpPr>
-          <p:cNvPr id="3" name="Line"/>
-          <p:cNvSpPr/>
-          <p:nvPr/>
-        </p:nvSpPr>
-        <p:spPr>
-          <a:xfrm>
-            <a:off x="639142" y="692907"/>
-            <a:ext cx="23114001" cy="1"/>
-          </a:xfrm>
-          <a:prstGeom prst="line">
-            <a:avLst/>
-          </a:prstGeom>
-          <a:ln w="114300">
-            <a:solidFill>
-              <a:schemeClr val="accent4"/>
-            </a:solidFill>
-            <a:miter lim="400000"/>
-          </a:ln>
-        </p:spPr>
-        <p:txBody>
-          <a:bodyPr lIns="0" tIns="0" rIns="0" bIns="0" anchor="ctr"/>
-          <a:lstStyle/>
-          <a:p>
-            <a:pPr>
-              <a:spcBef>
-                <a:spcPts val="0"/>
-              </a:spcBef>
-              <a:tabLst/>
-              <a:defRPr b="1" cap="all" spc="156">
-                <a:solidFill>
-                  <a:srgbClr val="FFFFFF"/>
-                </a:solidFill>
-                <a:latin typeface="Founders Grotesk Condensed"/>
-                <a:ea typeface="Founders Grotesk Condensed"/>
-                <a:cs typeface="Founders Grotesk Condensed"/>
-                <a:sym typeface="Founders Grotesk Condensed"/>
-              </a:defRPr>
-            </a:pPr>
-          </a:p>
-        </p:txBody>
-      </p:sp>
-      <p:sp>
-        <p:nvSpPr>
-          <p:cNvPr id="4" name="Body Level One…"/>
+              <a:t>Attribution</a:t>
+            </a:r>
+          </a:p>
+          <a:p>
+            <a:pPr lvl="1"/>
+            <a:r>
+              <a:t/>
+            </a:r>
+          </a:p>
+          <a:p>
+            <a:pPr lvl="2"/>
+            <a:r>
+              <a:t/>
+            </a:r>
+          </a:p>
+          <a:p>
+            <a:pPr lvl="3"/>
+            <a:r>
+              <a:t/>
+            </a:r>
+          </a:p>
+          <a:p>
+            <a:pPr lvl="4"/>
+            <a:r>
+              <a:t/>
+            </a:r>
+          </a:p>
+        </p:txBody>
+      </p:sp>
+      <p:sp>
+        <p:nvSpPr>
+          <p:cNvPr id="5" name="Title Text"/>
           <p:cNvSpPr txBox="1"/>
           <p:nvPr>
-            <p:ph type="body" idx="1" hasCustomPrompt="1"/>
+            <p:ph type="title"/>
           </p:nvPr>
         </p:nvSpPr>
         <p:spPr>
           <a:xfrm>
-            <a:off x="575641" y="3276600"/>
-            <a:ext cx="23241001" cy="9870679"/>
+            <a:off x="3653366" y="2743200"/>
+            <a:ext cx="19507201" cy="4359275"/>
           </a:xfrm>
           <a:prstGeom prst="rect">
             <a:avLst/>
@@ -4513,38 +4123,14 @@
           <a:p>
             <a:pPr/>
             <a:r>
-              <a:t>Agenda Topics</a:t>
-            </a:r>
-          </a:p>
-          <a:p>
-            <a:pPr lvl="1"/>
-            <a:r>
-              <a:t/>
-            </a:r>
-          </a:p>
-          <a:p>
-            <a:pPr lvl="2"/>
-            <a:r>
-              <a:t/>
-            </a:r>
-          </a:p>
-          <a:p>
-            <a:pPr lvl="3"/>
-            <a:r>
-              <a:t/>
-            </a:r>
-          </a:p>
-          <a:p>
-            <a:pPr lvl="4"/>
-            <a:r>
-              <a:t/>
-            </a:r>
-          </a:p>
-        </p:txBody>
-      </p:sp>
-      <p:sp>
-        <p:nvSpPr>
-          <p:cNvPr id="5" name="Slide Number"/>
+              <a:t>Title Text</a:t>
+            </a:r>
+          </a:p>
+        </p:txBody>
+      </p:sp>
+      <p:sp>
+        <p:nvSpPr>
+          <p:cNvPr id="6" name="Slide Number"/>
           <p:cNvSpPr txBox="1"/>
           <p:nvPr>
             <p:ph type="sldNum" sz="quarter" idx="2"/>
@@ -4552,7 +4138,7 @@
         </p:nvSpPr>
         <p:spPr>
           <a:xfrm>
-            <a:off x="23431499" y="12268199"/>
+            <a:off x="23431499" y="12268200"/>
             <a:ext cx="371756" cy="555245"/>
           </a:xfrm>
           <a:prstGeom prst="rect">
@@ -4574,7 +4160,7 @@
               <a:tabLst/>
               <a:defRPr spc="28" sz="2800">
                 <a:solidFill>
-                  <a:srgbClr val="FFFFFF"/>
+                  <a:srgbClr val="000000"/>
                 </a:solidFill>
                 <a:latin typeface="Founders Grotesk Condensed"/>
                 <a:ea typeface="Founders Grotesk Condensed"/>
@@ -4591,7 +4177,7 @@
       </p:sp>
     </p:spTree>
   </p:cSld>
-  <p:clrMap bg1="dk1" tx1="lt1" bg2="dk2" tx2="lt2" accent1="accent1" accent2="accent2" accent3="accent3" accent4="accent4" accent5="accent5" accent6="accent6" hlink="hlink" folHlink="folHlink"/>
+  <p:clrMap bg1="lt1" tx1="dk1" bg2="lt2" tx2="dk2" accent1="accent1" accent2="accent2" accent3="accent3" accent4="accent4" accent5="accent5" accent6="accent6" hlink="hlink" folHlink="folHlink"/>
   <p:sldLayoutIdLst>
     <p:sldLayoutId id="2147483649" r:id="rId2"/>
     <p:sldLayoutId id="2147483650" r:id="rId3"/>
@@ -4638,7 +4224,7 @@
           <a:sym typeface="Founders Grotesk"/>
         </a:defRPr>
       </a:lvl1pPr>
-      <a:lvl2pPr marL="0" marR="0" indent="457200" algn="l" defTabSz="825500" rtl="0" latinLnBrk="0">
+      <a:lvl2pPr marL="0" marR="0" indent="0" algn="l" defTabSz="825500" rtl="0" latinLnBrk="0">
         <a:lnSpc>
           <a:spcPct val="80000"/>
         </a:lnSpc>
@@ -4664,7 +4250,7 @@
           <a:sym typeface="Founders Grotesk"/>
         </a:defRPr>
       </a:lvl2pPr>
-      <a:lvl3pPr marL="0" marR="0" indent="914400" algn="l" defTabSz="825500" rtl="0" latinLnBrk="0">
+      <a:lvl3pPr marL="0" marR="0" indent="0" algn="l" defTabSz="825500" rtl="0" latinLnBrk="0">
         <a:lnSpc>
           <a:spcPct val="80000"/>
         </a:lnSpc>
@@ -4690,7 +4276,7 @@
           <a:sym typeface="Founders Grotesk"/>
         </a:defRPr>
       </a:lvl3pPr>
-      <a:lvl4pPr marL="0" marR="0" indent="1371600" algn="l" defTabSz="825500" rtl="0" latinLnBrk="0">
+      <a:lvl4pPr marL="0" marR="0" indent="0" algn="l" defTabSz="825500" rtl="0" latinLnBrk="0">
         <a:lnSpc>
           <a:spcPct val="80000"/>
         </a:lnSpc>
@@ -4716,7 +4302,7 @@
           <a:sym typeface="Founders Grotesk"/>
         </a:defRPr>
       </a:lvl4pPr>
-      <a:lvl5pPr marL="0" marR="0" indent="1828800" algn="l" defTabSz="825500" rtl="0" latinLnBrk="0">
+      <a:lvl5pPr marL="0" marR="0" indent="0" algn="l" defTabSz="825500" rtl="0" latinLnBrk="0">
         <a:lnSpc>
           <a:spcPct val="80000"/>
         </a:lnSpc>
@@ -4742,7 +4328,7 @@
           <a:sym typeface="Founders Grotesk"/>
         </a:defRPr>
       </a:lvl5pPr>
-      <a:lvl6pPr marL="0" marR="0" indent="2286000" algn="l" defTabSz="825500" rtl="0" latinLnBrk="0">
+      <a:lvl6pPr marL="0" marR="0" indent="0" algn="l" defTabSz="825500" rtl="0" latinLnBrk="0">
         <a:lnSpc>
           <a:spcPct val="80000"/>
         </a:lnSpc>
@@ -4768,7 +4354,7 @@
           <a:sym typeface="Founders Grotesk"/>
         </a:defRPr>
       </a:lvl6pPr>
-      <a:lvl7pPr marL="0" marR="0" indent="2743200" algn="l" defTabSz="825500" rtl="0" latinLnBrk="0">
+      <a:lvl7pPr marL="0" marR="0" indent="0" algn="l" defTabSz="825500" rtl="0" latinLnBrk="0">
         <a:lnSpc>
           <a:spcPct val="80000"/>
         </a:lnSpc>
@@ -4794,7 +4380,7 @@
           <a:sym typeface="Founders Grotesk"/>
         </a:defRPr>
       </a:lvl7pPr>
-      <a:lvl8pPr marL="0" marR="0" indent="3200400" algn="l" defTabSz="825500" rtl="0" latinLnBrk="0">
+      <a:lvl8pPr marL="0" marR="0" indent="0" algn="l" defTabSz="825500" rtl="0" latinLnBrk="0">
         <a:lnSpc>
           <a:spcPct val="80000"/>
         </a:lnSpc>
@@ -4820,7 +4406,7 @@
           <a:sym typeface="Founders Grotesk"/>
         </a:defRPr>
       </a:lvl8pPr>
-      <a:lvl9pPr marL="0" marR="0" indent="3657600" algn="l" defTabSz="825500" rtl="0" latinLnBrk="0">
+      <a:lvl9pPr marL="0" marR="0" indent="0" algn="l" defTabSz="825500" rtl="0" latinLnBrk="0">
         <a:lnSpc>
           <a:spcPct val="80000"/>
         </a:lnSpc>
@@ -4848,9 +4434,9 @@
       </a:lvl9pPr>
     </p:titleStyle>
     <p:bodyStyle>
-      <a:lvl1pPr marL="0" marR="0" indent="0" algn="l" defTabSz="469900" rtl="0" latinLnBrk="0">
+      <a:lvl1pPr marL="0" marR="0" indent="0" algn="l" defTabSz="817244" rtl="0" latinLnBrk="0">
         <a:lnSpc>
-          <a:spcPct val="120000"/>
+          <a:spcPct val="80000"/>
         </a:lnSpc>
         <a:spcBef>
           <a:spcPts val="0"/>
@@ -4862,23 +4448,21 @@
         <a:buSzTx/>
         <a:buFontTx/>
         <a:buNone/>
-        <a:tabLst>
-          <a:tab pos="469900" algn="l"/>
-        </a:tabLst>
-        <a:defRPr b="0" baseline="0" cap="none" i="0" spc="0" strike="noStrike" sz="8000" u="none">
+        <a:tabLst/>
+        <a:defRPr b="0" baseline="0" cap="none" i="0" spc="-54" strike="noStrike" sz="5400" u="none">
           <a:solidFill>
-            <a:srgbClr val="C3CCB0"/>
+            <a:schemeClr val="accent1"/>
           </a:solidFill>
           <a:uFillTx/>
-          <a:latin typeface="+mn-lt"/>
-          <a:ea typeface="+mn-ea"/>
-          <a:cs typeface="+mn-cs"/>
+          <a:latin typeface="Founders Grotesk Semibold"/>
+          <a:ea typeface="Founders Grotesk Semibold"/>
+          <a:cs typeface="Founders Grotesk Semibold"/>
           <a:sym typeface="Founders Grotesk Semibold"/>
         </a:defRPr>
       </a:lvl1pPr>
-      <a:lvl2pPr marL="0" marR="0" indent="457200" algn="l" defTabSz="469900" rtl="0" latinLnBrk="0">
+      <a:lvl2pPr marL="0" marR="0" indent="0" algn="l" defTabSz="817244" rtl="0" latinLnBrk="0">
         <a:lnSpc>
-          <a:spcPct val="120000"/>
+          <a:spcPct val="80000"/>
         </a:lnSpc>
         <a:spcBef>
           <a:spcPts val="0"/>
@@ -4890,23 +4474,21 @@
         <a:buSzTx/>
         <a:buFontTx/>
         <a:buNone/>
-        <a:tabLst>
-          <a:tab pos="469900" algn="l"/>
-        </a:tabLst>
-        <a:defRPr b="0" baseline="0" cap="none" i="0" spc="0" strike="noStrike" sz="8000" u="none">
+        <a:tabLst/>
+        <a:defRPr b="0" baseline="0" cap="none" i="0" spc="-54" strike="noStrike" sz="5400" u="none">
           <a:solidFill>
-            <a:srgbClr val="C3CCB0"/>
+            <a:schemeClr val="accent1"/>
           </a:solidFill>
           <a:uFillTx/>
-          <a:latin typeface="+mn-lt"/>
-          <a:ea typeface="+mn-ea"/>
-          <a:cs typeface="+mn-cs"/>
+          <a:latin typeface="Founders Grotesk Semibold"/>
+          <a:ea typeface="Founders Grotesk Semibold"/>
+          <a:cs typeface="Founders Grotesk Semibold"/>
           <a:sym typeface="Founders Grotesk Semibold"/>
         </a:defRPr>
       </a:lvl2pPr>
-      <a:lvl3pPr marL="0" marR="0" indent="914400" algn="l" defTabSz="469900" rtl="0" latinLnBrk="0">
+      <a:lvl3pPr marL="0" marR="0" indent="0" algn="l" defTabSz="817244" rtl="0" latinLnBrk="0">
         <a:lnSpc>
-          <a:spcPct val="120000"/>
+          <a:spcPct val="80000"/>
         </a:lnSpc>
         <a:spcBef>
           <a:spcPts val="0"/>
@@ -4918,23 +4500,21 @@
         <a:buSzTx/>
         <a:buFontTx/>
         <a:buNone/>
-        <a:tabLst>
-          <a:tab pos="469900" algn="l"/>
-        </a:tabLst>
-        <a:defRPr b="0" baseline="0" cap="none" i="0" spc="0" strike="noStrike" sz="8000" u="none">
+        <a:tabLst/>
+        <a:defRPr b="0" baseline="0" cap="none" i="0" spc="-54" strike="noStrike" sz="5400" u="none">
           <a:solidFill>
-            <a:srgbClr val="C3CCB0"/>
+            <a:schemeClr val="accent1"/>
           </a:solidFill>
           <a:uFillTx/>
-          <a:latin typeface="+mn-lt"/>
-          <a:ea typeface="+mn-ea"/>
-          <a:cs typeface="+mn-cs"/>
+          <a:latin typeface="Founders Grotesk Semibold"/>
+          <a:ea typeface="Founders Grotesk Semibold"/>
+          <a:cs typeface="Founders Grotesk Semibold"/>
           <a:sym typeface="Founders Grotesk Semibold"/>
         </a:defRPr>
       </a:lvl3pPr>
-      <a:lvl4pPr marL="0" marR="0" indent="1371600" algn="l" defTabSz="469900" rtl="0" latinLnBrk="0">
+      <a:lvl4pPr marL="0" marR="0" indent="0" algn="l" defTabSz="817244" rtl="0" latinLnBrk="0">
         <a:lnSpc>
-          <a:spcPct val="120000"/>
+          <a:spcPct val="80000"/>
         </a:lnSpc>
         <a:spcBef>
           <a:spcPts val="0"/>
@@ -4946,23 +4526,21 @@
         <a:buSzTx/>
         <a:buFontTx/>
         <a:buNone/>
-        <a:tabLst>
-          <a:tab pos="469900" algn="l"/>
-        </a:tabLst>
-        <a:defRPr b="0" baseline="0" cap="none" i="0" spc="0" strike="noStrike" sz="8000" u="none">
+        <a:tabLst/>
+        <a:defRPr b="0" baseline="0" cap="none" i="0" spc="-54" strike="noStrike" sz="5400" u="none">
           <a:solidFill>
-            <a:srgbClr val="C3CCB0"/>
+            <a:schemeClr val="accent1"/>
           </a:solidFill>
           <a:uFillTx/>
-          <a:latin typeface="+mn-lt"/>
-          <a:ea typeface="+mn-ea"/>
-          <a:cs typeface="+mn-cs"/>
+          <a:latin typeface="Founders Grotesk Semibold"/>
+          <a:ea typeface="Founders Grotesk Semibold"/>
+          <a:cs typeface="Founders Grotesk Semibold"/>
           <a:sym typeface="Founders Grotesk Semibold"/>
         </a:defRPr>
       </a:lvl4pPr>
-      <a:lvl5pPr marL="0" marR="0" indent="1828800" algn="l" defTabSz="469900" rtl="0" latinLnBrk="0">
+      <a:lvl5pPr marL="0" marR="0" indent="0" algn="l" defTabSz="817244" rtl="0" latinLnBrk="0">
         <a:lnSpc>
-          <a:spcPct val="120000"/>
+          <a:spcPct val="80000"/>
         </a:lnSpc>
         <a:spcBef>
           <a:spcPts val="0"/>
@@ -4974,23 +4552,21 @@
         <a:buSzTx/>
         <a:buFontTx/>
         <a:buNone/>
-        <a:tabLst>
-          <a:tab pos="469900" algn="l"/>
-        </a:tabLst>
-        <a:defRPr b="0" baseline="0" cap="none" i="0" spc="0" strike="noStrike" sz="8000" u="none">
+        <a:tabLst/>
+        <a:defRPr b="0" baseline="0" cap="none" i="0" spc="-54" strike="noStrike" sz="5400" u="none">
           <a:solidFill>
-            <a:srgbClr val="C3CCB0"/>
+            <a:schemeClr val="accent1"/>
           </a:solidFill>
           <a:uFillTx/>
-          <a:latin typeface="+mn-lt"/>
-          <a:ea typeface="+mn-ea"/>
-          <a:cs typeface="+mn-cs"/>
+          <a:latin typeface="Founders Grotesk Semibold"/>
+          <a:ea typeface="Founders Grotesk Semibold"/>
+          <a:cs typeface="Founders Grotesk Semibold"/>
           <a:sym typeface="Founders Grotesk Semibold"/>
         </a:defRPr>
       </a:lvl5pPr>
-      <a:lvl6pPr marL="0" marR="0" indent="2286000" algn="l" defTabSz="469900" rtl="0" latinLnBrk="0">
+      <a:lvl6pPr marL="0" marR="0" indent="0" algn="l" defTabSz="817244" rtl="0" latinLnBrk="0">
         <a:lnSpc>
-          <a:spcPct val="120000"/>
+          <a:spcPct val="80000"/>
         </a:lnSpc>
         <a:spcBef>
           <a:spcPts val="0"/>
@@ -5002,23 +4578,21 @@
         <a:buSzTx/>
         <a:buFontTx/>
         <a:buNone/>
-        <a:tabLst>
-          <a:tab pos="469900" algn="l"/>
-        </a:tabLst>
-        <a:defRPr b="0" baseline="0" cap="none" i="0" spc="0" strike="noStrike" sz="8000" u="none">
+        <a:tabLst/>
+        <a:defRPr b="0" baseline="0" cap="none" i="0" spc="-54" strike="noStrike" sz="5400" u="none">
           <a:solidFill>
-            <a:srgbClr val="C3CCB0"/>
+            <a:schemeClr val="accent1"/>
           </a:solidFill>
           <a:uFillTx/>
-          <a:latin typeface="+mn-lt"/>
-          <a:ea typeface="+mn-ea"/>
-          <a:cs typeface="+mn-cs"/>
+          <a:latin typeface="Founders Grotesk Semibold"/>
+          <a:ea typeface="Founders Grotesk Semibold"/>
+          <a:cs typeface="Founders Grotesk Semibold"/>
           <a:sym typeface="Founders Grotesk Semibold"/>
         </a:defRPr>
       </a:lvl6pPr>
-      <a:lvl7pPr marL="0" marR="0" indent="2743200" algn="l" defTabSz="469900" rtl="0" latinLnBrk="0">
+      <a:lvl7pPr marL="0" marR="0" indent="0" algn="l" defTabSz="817244" rtl="0" latinLnBrk="0">
         <a:lnSpc>
-          <a:spcPct val="120000"/>
+          <a:spcPct val="80000"/>
         </a:lnSpc>
         <a:spcBef>
           <a:spcPts val="0"/>
@@ -5030,23 +4604,21 @@
         <a:buSzTx/>
         <a:buFontTx/>
         <a:buNone/>
-        <a:tabLst>
-          <a:tab pos="469900" algn="l"/>
-        </a:tabLst>
-        <a:defRPr b="0" baseline="0" cap="none" i="0" spc="0" strike="noStrike" sz="8000" u="none">
+        <a:tabLst/>
+        <a:defRPr b="0" baseline="0" cap="none" i="0" spc="-54" strike="noStrike" sz="5400" u="none">
           <a:solidFill>
-            <a:srgbClr val="C3CCB0"/>
+            <a:schemeClr val="accent1"/>
           </a:solidFill>
           <a:uFillTx/>
-          <a:latin typeface="+mn-lt"/>
-          <a:ea typeface="+mn-ea"/>
-          <a:cs typeface="+mn-cs"/>
+          <a:latin typeface="Founders Grotesk Semibold"/>
+          <a:ea typeface="Founders Grotesk Semibold"/>
+          <a:cs typeface="Founders Grotesk Semibold"/>
           <a:sym typeface="Founders Grotesk Semibold"/>
         </a:defRPr>
       </a:lvl7pPr>
-      <a:lvl8pPr marL="0" marR="0" indent="3200400" algn="l" defTabSz="469900" rtl="0" latinLnBrk="0">
+      <a:lvl8pPr marL="0" marR="0" indent="0" algn="l" defTabSz="817244" rtl="0" latinLnBrk="0">
         <a:lnSpc>
-          <a:spcPct val="120000"/>
+          <a:spcPct val="80000"/>
         </a:lnSpc>
         <a:spcBef>
           <a:spcPts val="0"/>
@@ -5058,23 +4630,21 @@
         <a:buSzTx/>
         <a:buFontTx/>
         <a:buNone/>
-        <a:tabLst>
-          <a:tab pos="469900" algn="l"/>
-        </a:tabLst>
-        <a:defRPr b="0" baseline="0" cap="none" i="0" spc="0" strike="noStrike" sz="8000" u="none">
+        <a:tabLst/>
+        <a:defRPr b="0" baseline="0" cap="none" i="0" spc="-54" strike="noStrike" sz="5400" u="none">
           <a:solidFill>
-            <a:srgbClr val="C3CCB0"/>
+            <a:schemeClr val="accent1"/>
           </a:solidFill>
           <a:uFillTx/>
-          <a:latin typeface="+mn-lt"/>
-          <a:ea typeface="+mn-ea"/>
-          <a:cs typeface="+mn-cs"/>
+          <a:latin typeface="Founders Grotesk Semibold"/>
+          <a:ea typeface="Founders Grotesk Semibold"/>
+          <a:cs typeface="Founders Grotesk Semibold"/>
           <a:sym typeface="Founders Grotesk Semibold"/>
         </a:defRPr>
       </a:lvl8pPr>
-      <a:lvl9pPr marL="0" marR="0" indent="3657600" algn="l" defTabSz="469900" rtl="0" latinLnBrk="0">
+      <a:lvl9pPr marL="0" marR="0" indent="0" algn="l" defTabSz="817244" rtl="0" latinLnBrk="0">
         <a:lnSpc>
-          <a:spcPct val="120000"/>
+          <a:spcPct val="80000"/>
         </a:lnSpc>
         <a:spcBef>
           <a:spcPts val="0"/>
@@ -5086,17 +4656,15 @@
         <a:buSzTx/>
         <a:buFontTx/>
         <a:buNone/>
-        <a:tabLst>
-          <a:tab pos="469900" algn="l"/>
-        </a:tabLst>
-        <a:defRPr b="0" baseline="0" cap="none" i="0" spc="0" strike="noStrike" sz="8000" u="none">
+        <a:tabLst/>
+        <a:defRPr b="0" baseline="0" cap="none" i="0" spc="-54" strike="noStrike" sz="5400" u="none">
           <a:solidFill>
-            <a:srgbClr val="C3CCB0"/>
+            <a:schemeClr val="accent1"/>
           </a:solidFill>
           <a:uFillTx/>
-          <a:latin typeface="+mn-lt"/>
-          <a:ea typeface="+mn-ea"/>
-          <a:cs typeface="+mn-cs"/>
+          <a:latin typeface="Founders Grotesk Semibold"/>
+          <a:ea typeface="Founders Grotesk Semibold"/>
+          <a:cs typeface="Founders Grotesk Semibold"/>
           <a:sym typeface="Founders Grotesk Semibold"/>
         </a:defRPr>
       </a:lvl9pPr>
@@ -5128,7 +4696,7 @@
           <a:sym typeface="Founders Grotesk Condensed"/>
         </a:defRPr>
       </a:lvl1pPr>
-      <a:lvl2pPr marL="0" marR="0" indent="457200" algn="r" defTabSz="825500" rtl="0" latinLnBrk="0">
+      <a:lvl2pPr marL="0" marR="0" indent="0" algn="r" defTabSz="825500" rtl="0" latinLnBrk="0">
         <a:lnSpc>
           <a:spcPct val="100000"/>
         </a:lnSpc>
@@ -5154,7 +4722,7 @@
           <a:sym typeface="Founders Grotesk Condensed"/>
         </a:defRPr>
       </a:lvl2pPr>
-      <a:lvl3pPr marL="0" marR="0" indent="914400" algn="r" defTabSz="825500" rtl="0" latinLnBrk="0">
+      <a:lvl3pPr marL="0" marR="0" indent="0" algn="r" defTabSz="825500" rtl="0" latinLnBrk="0">
         <a:lnSpc>
           <a:spcPct val="100000"/>
         </a:lnSpc>
@@ -5180,7 +4748,7 @@
           <a:sym typeface="Founders Grotesk Condensed"/>
         </a:defRPr>
       </a:lvl3pPr>
-      <a:lvl4pPr marL="0" marR="0" indent="1371600" algn="r" defTabSz="825500" rtl="0" latinLnBrk="0">
+      <a:lvl4pPr marL="0" marR="0" indent="0" algn="r" defTabSz="825500" rtl="0" latinLnBrk="0">
         <a:lnSpc>
           <a:spcPct val="100000"/>
         </a:lnSpc>
@@ -5206,7 +4774,7 @@
           <a:sym typeface="Founders Grotesk Condensed"/>
         </a:defRPr>
       </a:lvl4pPr>
-      <a:lvl5pPr marL="0" marR="0" indent="1828800" algn="r" defTabSz="825500" rtl="0" latinLnBrk="0">
+      <a:lvl5pPr marL="0" marR="0" indent="0" algn="r" defTabSz="825500" rtl="0" latinLnBrk="0">
         <a:lnSpc>
           <a:spcPct val="100000"/>
         </a:lnSpc>
@@ -5232,7 +4800,7 @@
           <a:sym typeface="Founders Grotesk Condensed"/>
         </a:defRPr>
       </a:lvl5pPr>
-      <a:lvl6pPr marL="0" marR="0" indent="2286000" algn="r" defTabSz="825500" rtl="0" latinLnBrk="0">
+      <a:lvl6pPr marL="0" marR="0" indent="0" algn="r" defTabSz="825500" rtl="0" latinLnBrk="0">
         <a:lnSpc>
           <a:spcPct val="100000"/>
         </a:lnSpc>
@@ -5258,7 +4826,7 @@
           <a:sym typeface="Founders Grotesk Condensed"/>
         </a:defRPr>
       </a:lvl6pPr>
-      <a:lvl7pPr marL="0" marR="0" indent="2743200" algn="r" defTabSz="825500" rtl="0" latinLnBrk="0">
+      <a:lvl7pPr marL="0" marR="0" indent="0" algn="r" defTabSz="825500" rtl="0" latinLnBrk="0">
         <a:lnSpc>
           <a:spcPct val="100000"/>
         </a:lnSpc>
@@ -5284,7 +4852,7 @@
           <a:sym typeface="Founders Grotesk Condensed"/>
         </a:defRPr>
       </a:lvl7pPr>
-      <a:lvl8pPr marL="0" marR="0" indent="3200400" algn="r" defTabSz="825500" rtl="0" latinLnBrk="0">
+      <a:lvl8pPr marL="0" marR="0" indent="0" algn="r" defTabSz="825500" rtl="0" latinLnBrk="0">
         <a:lnSpc>
           <a:spcPct val="100000"/>
         </a:lnSpc>
@@ -5310,7 +4878,7 @@
           <a:sym typeface="Founders Grotesk Condensed"/>
         </a:defRPr>
       </a:lvl8pPr>
-      <a:lvl9pPr marL="0" marR="0" indent="3657600" algn="r" defTabSz="825500" rtl="0" latinLnBrk="0">
+      <a:lvl9pPr marL="0" marR="0" indent="0" algn="r" defTabSz="825500" rtl="0" latinLnBrk="0">
         <a:lnSpc>
           <a:spcPct val="100000"/>
         </a:lnSpc>
@@ -5363,13 +4931,78 @@
           <p:cNvPr id="172" name="By hunt Applegate 1.31.21"/>
           <p:cNvSpPr txBox="1"/>
           <p:nvPr>
-            <p:ph type="body" idx="21"/>
+            <p:ph type="subTitle" sz="quarter" idx="1"/>
           </p:nvPr>
         </p:nvSpPr>
         <p:spPr>
+          <a:xfrm>
+            <a:off x="571500" y="12269258"/>
+            <a:ext cx="23235148" cy="555246"/>
+          </a:xfrm>
           <a:prstGeom prst="rect">
             <a:avLst/>
           </a:prstGeom>
+        </p:spPr>
+        <p:txBody>
+          <a:bodyPr/>
+          <a:lstStyle>
+            <a:lvl1pPr>
+              <a:defRPr spc="100"/>
+            </a:lvl1pPr>
+          </a:lstStyle>
+          <a:p>
+            <a:pPr/>
+            <a:r>
+              <a:t>By hunt Applegate 1.31.21</a:t>
+            </a:r>
+          </a:p>
+        </p:txBody>
+      </p:sp>
+      <p:sp>
+        <p:nvSpPr>
+          <p:cNvPr id="173" name="Array.prototype.map()"/>
+          <p:cNvSpPr txBox="1"/>
+          <p:nvPr>
+            <p:ph type="ctrTitle"/>
+          </p:nvPr>
+        </p:nvSpPr>
+        <p:spPr>
+          <a:xfrm>
+            <a:off x="571500" y="9525885"/>
+            <a:ext cx="23235148" cy="2647066"/>
+          </a:xfrm>
+          <a:prstGeom prst="rect">
+            <a:avLst/>
+          </a:prstGeom>
+        </p:spPr>
+        <p:txBody>
+          <a:bodyPr/>
+          <a:lstStyle/>
+          <a:p>
+            <a:pPr/>
+            <a:r>
+              <a:t>Array.prototype.map()</a:t>
+            </a:r>
+          </a:p>
+        </p:txBody>
+      </p:sp>
+      <p:sp>
+        <p:nvSpPr>
+          <p:cNvPr id="174" name="Learn the Javascript .map method !"/>
+          <p:cNvSpPr txBox="1"/>
+          <p:nvPr/>
+        </p:nvSpPr>
+        <p:spPr>
+          <a:xfrm>
+            <a:off x="571500" y="847715"/>
+            <a:ext cx="23235148" cy="2324102"/>
+          </a:xfrm>
+          <a:prstGeom prst="rect">
+            <a:avLst/>
+          </a:prstGeom>
+          <a:ln w="12700">
+            <a:miter lim="400000"/>
+          </a:ln>
           <a:extLst>
             <a:ext uri="{C572A759-6A51-4108-AA02-DFA0A04FC94B}">
               <ma14:wrappingTextBoxFlag xmlns:ma14="http://schemas.microsoft.com/office/mac/drawingml/2011/main" val="1"/>
@@ -5377,56 +5010,29 @@
           </a:extLst>
         </p:spPr>
         <p:txBody>
-          <a:bodyPr/>
-          <a:lstStyle/>
-          <a:p>
-            <a:pPr/>
-            <a:r>
-              <a:t>By hunt Applegate 1.31.21</a:t>
-            </a:r>
-          </a:p>
-        </p:txBody>
-      </p:sp>
-      <p:sp>
-        <p:nvSpPr>
-          <p:cNvPr id="173" name="Array.prototype.map()"/>
-          <p:cNvSpPr txBox="1"/>
-          <p:nvPr>
-            <p:ph type="ctrTitle"/>
-          </p:nvPr>
-        </p:nvSpPr>
-        <p:spPr>
-          <a:prstGeom prst="rect">
-            <a:avLst/>
-          </a:prstGeom>
-        </p:spPr>
-        <p:txBody>
-          <a:bodyPr/>
-          <a:lstStyle/>
-          <a:p>
-            <a:pPr/>
-            <a:r>
-              <a:t>Array.prototype.map()</a:t>
-            </a:r>
-          </a:p>
-        </p:txBody>
-      </p:sp>
-      <p:sp>
-        <p:nvSpPr>
-          <p:cNvPr id="174" name="Learn the Javascript .map method !"/>
-          <p:cNvSpPr txBox="1"/>
-          <p:nvPr>
-            <p:ph type="subTitle" sz="quarter" idx="1"/>
-          </p:nvPr>
-        </p:nvSpPr>
-        <p:spPr>
-          <a:prstGeom prst="rect">
-            <a:avLst/>
-          </a:prstGeom>
-        </p:spPr>
-        <p:txBody>
-          <a:bodyPr/>
-          <a:lstStyle/>
+          <a:bodyPr lIns="50800" tIns="50800" rIns="50800" bIns="50800">
+            <a:normAutofit fontScale="100000" lnSpcReduction="0"/>
+          </a:bodyPr>
+          <a:lstStyle>
+            <a:lvl1pPr algn="l" defTabSz="825500">
+              <a:lnSpc>
+                <a:spcPct val="80000"/>
+              </a:lnSpc>
+              <a:spcBef>
+                <a:spcPts val="0"/>
+              </a:spcBef>
+              <a:tabLst/>
+              <a:defRPr spc="-100" sz="8000">
+                <a:solidFill>
+                  <a:schemeClr val="accent4"/>
+                </a:solidFill>
+                <a:latin typeface="Founders Grotesk"/>
+                <a:ea typeface="Founders Grotesk"/>
+                <a:cs typeface="Founders Grotesk"/>
+                <a:sym typeface="Founders Grotesk"/>
+              </a:defRPr>
+            </a:lvl1pPr>
+          </a:lstStyle>
           <a:p>
             <a:pPr/>
             <a:r>
@@ -5466,6 +5072,34 @@
           <p:cNvPr id="176" name="ARRAY.PROTOTYPE.MAP() By hunt"/>
           <p:cNvSpPr txBox="1"/>
           <p:nvPr>
+            <p:ph type="body" sz="quarter" idx="1"/>
+          </p:nvPr>
+        </p:nvSpPr>
+        <p:spPr>
+          <a:prstGeom prst="rect">
+            <a:avLst/>
+          </a:prstGeom>
+        </p:spPr>
+        <p:txBody>
+          <a:bodyPr/>
+          <a:lstStyle>
+            <a:lvl1pPr>
+              <a:defRPr spc="100"/>
+            </a:lvl1pPr>
+          </a:lstStyle>
+          <a:p>
+            <a:pPr/>
+            <a:r>
+              <a:t>ARRAY.PROTOTYPE.MAP() By hunt</a:t>
+            </a:r>
+          </a:p>
+        </p:txBody>
+      </p:sp>
+      <p:sp>
+        <p:nvSpPr>
+          <p:cNvPr id="177" name="Define and invoke arrow functions…"/>
+          <p:cNvSpPr txBox="1"/>
+          <p:nvPr>
             <p:ph type="body" idx="21"/>
           </p:nvPr>
         </p:nvSpPr>
@@ -5483,48 +5117,26 @@
           <a:bodyPr/>
           <a:lstStyle/>
           <a:p>
-            <a:pPr/>
-            <a:r>
-              <a:t>ARRAY.PROTOTYPE.MAP() By hunt</a:t>
-            </a:r>
-          </a:p>
-        </p:txBody>
-      </p:sp>
-      <p:sp>
-        <p:nvSpPr>
-          <p:cNvPr id="177" name="Define and invoke arrow functions…"/>
-          <p:cNvSpPr txBox="1"/>
-          <p:nvPr>
-            <p:ph type="body" idx="1"/>
-          </p:nvPr>
-        </p:nvSpPr>
-        <p:spPr>
-          <a:prstGeom prst="rect">
-            <a:avLst/>
-          </a:prstGeom>
-        </p:spPr>
-        <p:txBody>
-          <a:bodyPr/>
-          <a:lstStyle/>
-          <a:p>
-            <a:pPr marL="457199" indent="-457199">
-              <a:defRPr spc="-90" sz="9000"/>
+            <a:pPr marL="457198" indent="-457198">
+              <a:defRPr sz="9000"/>
             </a:pPr>
             <a:r>
               <a:t>Define and invoke arrow functions</a:t>
             </a:r>
-          </a:p>
-          <a:p>
-            <a:pPr marL="457199" indent="-457199">
-              <a:defRPr spc="-90" sz="9000"/>
+            <a:endParaRPr spc="-90"/>
+          </a:p>
+          <a:p>
+            <a:pPr marL="457198" indent="-457198">
+              <a:defRPr sz="9000"/>
             </a:pPr>
             <a:r>
               <a:t>Access values of object using dot notation and bracket notation</a:t>
             </a:r>
-          </a:p>
-          <a:p>
-            <a:pPr marL="457199" indent="-457199">
-              <a:defRPr spc="-90" sz="9000"/>
+            <a:endParaRPr spc="-90"/>
+          </a:p>
+          <a:p>
+            <a:pPr marL="457198" indent="-457198">
+              <a:defRPr sz="9000"/>
             </a:pPr>
             <a:r>
               <a:t>Loop over arrays using for loops</a:t>
@@ -5541,13 +5153,21 @@
           </p:nvPr>
         </p:nvSpPr>
         <p:spPr>
+          <a:xfrm>
+            <a:off x="571500" y="652482"/>
+            <a:ext cx="23241000" cy="1951017"/>
+          </a:xfrm>
           <a:prstGeom prst="rect">
             <a:avLst/>
           </a:prstGeom>
         </p:spPr>
         <p:txBody>
           <a:bodyPr/>
-          <a:lstStyle/>
+          <a:lstStyle>
+            <a:lvl1pPr>
+              <a:defRPr spc="-300"/>
+            </a:lvl1pPr>
+          </a:lstStyle>
           <a:p>
             <a:pPr/>
             <a:r>
@@ -5587,6 +5207,34 @@
           <p:cNvPr id="180" name="ARRAY.PROTOTYPE.MAP() By hunt"/>
           <p:cNvSpPr txBox="1"/>
           <p:nvPr>
+            <p:ph type="body" sz="quarter" idx="1"/>
+          </p:nvPr>
+        </p:nvSpPr>
+        <p:spPr>
+          <a:prstGeom prst="rect">
+            <a:avLst/>
+          </a:prstGeom>
+        </p:spPr>
+        <p:txBody>
+          <a:bodyPr/>
+          <a:lstStyle>
+            <a:lvl1pPr>
+              <a:defRPr spc="100"/>
+            </a:lvl1pPr>
+          </a:lstStyle>
+          <a:p>
+            <a:pPr/>
+            <a:r>
+              <a:t>ARRAY.PROTOTYPE.MAP() By hunt</a:t>
+            </a:r>
+          </a:p>
+        </p:txBody>
+      </p:sp>
+      <p:sp>
+        <p:nvSpPr>
+          <p:cNvPr id="181" name="Execute map method on an array to return a new array with modified primitives"/>
+          <p:cNvSpPr txBox="1"/>
+          <p:nvPr>
             <p:ph type="body" idx="21"/>
           </p:nvPr>
         </p:nvSpPr>
@@ -5602,36 +5250,11 @@
         </p:spPr>
         <p:txBody>
           <a:bodyPr/>
-          <a:lstStyle/>
-          <a:p>
-            <a:pPr/>
-            <a:r>
-              <a:t>ARRAY.PROTOTYPE.MAP() By hunt</a:t>
-            </a:r>
-          </a:p>
-        </p:txBody>
-      </p:sp>
-      <p:sp>
-        <p:nvSpPr>
-          <p:cNvPr id="181" name="Execute map method on an array to return a new array with modified primitives"/>
-          <p:cNvSpPr txBox="1"/>
-          <p:nvPr>
-            <p:ph type="body" idx="1"/>
-          </p:nvPr>
-        </p:nvSpPr>
-        <p:spPr>
-          <a:prstGeom prst="rect">
-            <a:avLst/>
-          </a:prstGeom>
-        </p:spPr>
-        <p:txBody>
-          <a:bodyPr/>
           <a:lstStyle>
             <a:lvl1pPr marL="0" indent="0">
-              <a:buClrTx/>
               <a:buSzTx/>
               <a:buNone/>
-              <a:defRPr spc="-110" sz="11000"/>
+              <a:defRPr spc="-199" sz="11000"/>
             </a:lvl1pPr>
           </a:lstStyle>
           <a:p>
@@ -5651,13 +5274,21 @@
           </p:nvPr>
         </p:nvSpPr>
         <p:spPr>
+          <a:xfrm>
+            <a:off x="571500" y="652482"/>
+            <a:ext cx="23241000" cy="1951017"/>
+          </a:xfrm>
           <a:prstGeom prst="rect">
             <a:avLst/>
           </a:prstGeom>
         </p:spPr>
         <p:txBody>
           <a:bodyPr/>
-          <a:lstStyle/>
+          <a:lstStyle>
+            <a:lvl1pPr>
+              <a:defRPr spc="-300"/>
+            </a:lvl1pPr>
+          </a:lstStyle>
           <a:p>
             <a:pPr/>
             <a:r>
@@ -5697,6 +5328,34 @@
           <p:cNvPr id="184" name="ARRAY.PROTOTYPE.MAP() By hunt"/>
           <p:cNvSpPr txBox="1"/>
           <p:nvPr>
+            <p:ph type="body" sz="quarter" idx="1"/>
+          </p:nvPr>
+        </p:nvSpPr>
+        <p:spPr>
+          <a:prstGeom prst="rect">
+            <a:avLst/>
+          </a:prstGeom>
+        </p:spPr>
+        <p:txBody>
+          <a:bodyPr/>
+          <a:lstStyle>
+            <a:lvl1pPr>
+              <a:defRPr spc="100"/>
+            </a:lvl1pPr>
+          </a:lstStyle>
+          <a:p>
+            <a:pPr/>
+            <a:r>
+              <a:t>ARRAY.PROTOTYPE.MAP() By hunt</a:t>
+            </a:r>
+          </a:p>
+        </p:txBody>
+      </p:sp>
+      <p:sp>
+        <p:nvSpPr>
+          <p:cNvPr id="185" name="Execute map on an array of objects to return an array of modified objects…"/>
+          <p:cNvSpPr txBox="1"/>
+          <p:nvPr>
             <p:ph type="body" idx="21"/>
           </p:nvPr>
         </p:nvSpPr>
@@ -5714,40 +5373,17 @@
           <a:bodyPr/>
           <a:lstStyle/>
           <a:p>
-            <a:pPr/>
-            <a:r>
-              <a:t>ARRAY.PROTOTYPE.MAP() By hunt</a:t>
-            </a:r>
-          </a:p>
-        </p:txBody>
-      </p:sp>
-      <p:sp>
-        <p:nvSpPr>
-          <p:cNvPr id="185" name="Execute map on an array of objects to return an array of modified objects…"/>
-          <p:cNvSpPr txBox="1"/>
-          <p:nvPr>
-            <p:ph type="body" idx="1"/>
-          </p:nvPr>
-        </p:nvSpPr>
-        <p:spPr>
-          <a:prstGeom prst="rect">
-            <a:avLst/>
-          </a:prstGeom>
-        </p:spPr>
-        <p:txBody>
-          <a:bodyPr/>
-          <a:lstStyle/>
-          <a:p>
-            <a:pPr marL="457199" indent="-457199">
-              <a:defRPr spc="-90" sz="9000"/>
+            <a:pPr marL="457198" indent="-457198">
+              <a:defRPr sz="9000"/>
             </a:pPr>
             <a:r>
               <a:t>Execute map on an array of objects to return an array of modified objects</a:t>
             </a:r>
-          </a:p>
-          <a:p>
-            <a:pPr marL="457199" indent="-457199">
-              <a:defRPr spc="-90" sz="9000"/>
+            <a:endParaRPr spc="-90"/>
+          </a:p>
+          <a:p>
+            <a:pPr marL="457198" indent="-457198">
+              <a:defRPr sz="9000"/>
             </a:pPr>
             <a:r>
               <a:t>Execute map on an object’s key value pairs to return an array of keys, values, or key value pairs</a:t>
@@ -5764,13 +5400,21 @@
           </p:nvPr>
         </p:nvSpPr>
         <p:spPr>
+          <a:xfrm>
+            <a:off x="571500" y="652482"/>
+            <a:ext cx="23241000" cy="1951017"/>
+          </a:xfrm>
           <a:prstGeom prst="rect">
             <a:avLst/>
           </a:prstGeom>
         </p:spPr>
         <p:txBody>
           <a:bodyPr/>
-          <a:lstStyle/>
+          <a:lstStyle>
+            <a:lvl1pPr>
+              <a:defRPr spc="-300"/>
+            </a:lvl1pPr>
+          </a:lstStyle>
           <a:p>
             <a:pPr/>
             <a:r>
@@ -5810,6 +5454,34 @@
           <p:cNvPr id="188" name="ARRAY.PROTOTYPE.MAP() By hunt"/>
           <p:cNvSpPr txBox="1"/>
           <p:nvPr>
+            <p:ph type="body" sz="quarter" idx="1"/>
+          </p:nvPr>
+        </p:nvSpPr>
+        <p:spPr>
+          <a:prstGeom prst="rect">
+            <a:avLst/>
+          </a:prstGeom>
+        </p:spPr>
+        <p:txBody>
+          <a:bodyPr/>
+          <a:lstStyle>
+            <a:lvl1pPr>
+              <a:defRPr spc="100"/>
+            </a:lvl1pPr>
+          </a:lstStyle>
+          <a:p>
+            <a:pPr/>
+            <a:r>
+              <a:t>ARRAY.PROTOTYPE.MAP() By hunt</a:t>
+            </a:r>
+          </a:p>
+        </p:txBody>
+      </p:sp>
+      <p:sp>
+        <p:nvSpPr>
+          <p:cNvPr id="189" name="The Map method creates a new array populated with the results of calling a provided function on every element in the calling array. - MDN Docs"/>
+          <p:cNvSpPr txBox="1"/>
+          <p:nvPr>
             <p:ph type="body" idx="21"/>
           </p:nvPr>
         </p:nvSpPr>
@@ -5817,6 +5489,9 @@
           <a:prstGeom prst="rect">
             <a:avLst/>
           </a:prstGeom>
+          <a:solidFill>
+            <a:schemeClr val="accent4"/>
+          </a:solidFill>
           <a:extLst>
             <a:ext uri="{C572A759-6A51-4108-AA02-DFA0A04FC94B}">
               <ma14:wrappingTextBoxFlag xmlns:ma14="http://schemas.microsoft.com/office/mac/drawingml/2011/main" val="1"/>
@@ -5827,44 +5502,17 @@
           <a:bodyPr/>
           <a:lstStyle/>
           <a:p>
-            <a:pPr/>
-            <a:r>
-              <a:t>ARRAY.PROTOTYPE.MAP() By hunt</a:t>
-            </a:r>
-          </a:p>
-        </p:txBody>
-      </p:sp>
-      <p:sp>
-        <p:nvSpPr>
-          <p:cNvPr id="189" name="The Map method creates a new array populated with the results of calling a provided function on every element in the calling array. - MDN Docs"/>
-          <p:cNvSpPr txBox="1"/>
-          <p:nvPr>
-            <p:ph type="body" idx="1"/>
-          </p:nvPr>
-        </p:nvSpPr>
-        <p:spPr>
-          <a:prstGeom prst="rect">
-            <a:avLst/>
-          </a:prstGeom>
-          <a:solidFill>
-            <a:schemeClr val="accent4"/>
-          </a:solidFill>
-        </p:spPr>
-        <p:txBody>
-          <a:bodyPr/>
-          <a:lstStyle/>
-          <a:p>
-            <a:pPr lvl="1" marL="0" indent="457200" algn="ctr" defTabSz="584200">
+            <a:pPr lvl="1" indent="457200" algn="ctr" defTabSz="584200">
               <a:lnSpc>
                 <a:spcPct val="100000"/>
               </a:lnSpc>
-              <a:spcBef>
-                <a:spcPts val="0"/>
-              </a:spcBef>
-              <a:buClrTx/>
-              <a:buSzTx/>
-              <a:buNone/>
-              <a:defRPr b="1" cap="all" spc="492" sz="8200">
+              <a:buClr>
+                <a:schemeClr val="accent1"/>
+              </a:buClr>
+              <a:defRPr b="1" cap="all" spc="399" sz="8200">
+                <a:solidFill>
+                  <a:srgbClr val="000000"/>
+                </a:solidFill>
                 <a:latin typeface="Founders Grotesk Condensed"/>
                 <a:ea typeface="Founders Grotesk Condensed"/>
                 <a:cs typeface="Founders Grotesk Condensed"/>
@@ -5876,6 +5524,14 @@
             </a:r>
             <a:r>
               <a:rPr u="sng">
+                <a:solidFill>
+                  <a:srgbClr val="0000FF"/>
+                </a:solidFill>
+                <a:uFill>
+                  <a:solidFill>
+                    <a:srgbClr val="0000FF"/>
+                  </a:solidFill>
+                </a:uFill>
                 <a:hlinkClick r:id="rId2" invalidUrl="" action="" tgtFrame="" tooltip="" history="1" highlightClick="0" endSnd="0"/>
               </a:rPr>
               <a:t>MDN Docs</a:t>
@@ -5892,13 +5548,21 @@
           </p:nvPr>
         </p:nvSpPr>
         <p:spPr>
+          <a:xfrm>
+            <a:off x="571500" y="652482"/>
+            <a:ext cx="23241000" cy="1951017"/>
+          </a:xfrm>
           <a:prstGeom prst="rect">
             <a:avLst/>
           </a:prstGeom>
         </p:spPr>
         <p:txBody>
           <a:bodyPr/>
-          <a:lstStyle/>
+          <a:lstStyle>
+            <a:lvl1pPr>
+              <a:defRPr spc="-300"/>
+            </a:lvl1pPr>
+          </a:lstStyle>
           <a:p>
             <a:pPr/>
             <a:r>
@@ -5938,6 +5602,34 @@
           <p:cNvPr id="192" name="ARRAY.PROTOTYPE.MAP() By hunt"/>
           <p:cNvSpPr txBox="1"/>
           <p:nvPr>
+            <p:ph type="body" sz="quarter" idx="1"/>
+          </p:nvPr>
+        </p:nvSpPr>
+        <p:spPr>
+          <a:prstGeom prst="rect">
+            <a:avLst/>
+          </a:prstGeom>
+        </p:spPr>
+        <p:txBody>
+          <a:bodyPr/>
+          <a:lstStyle>
+            <a:lvl1pPr>
+              <a:defRPr spc="100"/>
+            </a:lvl1pPr>
+          </a:lstStyle>
+          <a:p>
+            <a:pPr/>
+            <a:r>
+              <a:t>ARRAY.PROTOTYPE.MAP() By hunt</a:t>
+            </a:r>
+          </a:p>
+        </p:txBody>
+      </p:sp>
+      <p:sp>
+        <p:nvSpPr>
+          <p:cNvPr id="193" name="let newArray = arr.map(callback(currentValue[, index[, array]]) {…"/>
+          <p:cNvSpPr txBox="1"/>
+          <p:nvPr>
             <p:ph type="body" idx="21"/>
           </p:nvPr>
         </p:nvSpPr>
@@ -5955,41 +5647,157 @@
           <a:bodyPr/>
           <a:lstStyle/>
           <a:p>
-            <a:pPr/>
-            <a:r>
-              <a:t>ARRAY.PROTOTYPE.MAP() By hunt</a:t>
-            </a:r>
-          </a:p>
-        </p:txBody>
-      </p:sp>
-      <p:sp>
-        <p:nvSpPr>
-          <p:cNvPr id="193" name="let newArray = arr.map(callback(currentValue[, index[, array]]) {…"/>
-          <p:cNvSpPr txBox="1"/>
-          <p:nvPr>
-            <p:ph type="body" idx="1"/>
-          </p:nvPr>
-        </p:nvSpPr>
-        <p:spPr>
-          <a:prstGeom prst="rect">
-            <a:avLst/>
-          </a:prstGeom>
-        </p:spPr>
-        <p:txBody>
-          <a:bodyPr/>
-          <a:lstStyle/>
-          <a:p>
-            <a:pPr marL="0" indent="0" defTabSz="443484">
+            <a:pPr marL="0" indent="0" defTabSz="403570">
               <a:lnSpc>
-                <a:spcPts val="7700"/>
+                <a:spcPts val="7000"/>
               </a:lnSpc>
               <a:spcBef>
                 <a:spcPts val="0"/>
               </a:spcBef>
-              <a:buClrTx/>
               <a:buSzTx/>
               <a:buNone/>
-              <a:defRPr b="1" spc="0" sz="5141">
+              <a:defRPr b="1" spc="0" sz="4641">
+                <a:solidFill>
+                  <a:srgbClr val="00458B"/>
+                </a:solidFill>
+                <a:latin typeface="Courier"/>
+                <a:ea typeface="Courier"/>
+                <a:cs typeface="Courier"/>
+                <a:sym typeface="Courier"/>
+              </a:defRPr>
+            </a:pPr>
+            <a:r>
+              <a:t>let</a:t>
+            </a:r>
+            <a:r>
+              <a:rPr>
+                <a:solidFill>
+                  <a:srgbClr val="212121"/>
+                </a:solidFill>
+              </a:rPr>
+              <a:t> newArray = arr</a:t>
+            </a:r>
+            <a:r>
+              <a:rPr>
+                <a:solidFill>
+                  <a:srgbClr val="999999"/>
+                </a:solidFill>
+              </a:rPr>
+              <a:t>.</a:t>
+            </a:r>
+            <a:r>
+              <a:rPr>
+                <a:solidFill>
+                  <a:srgbClr val="B54248"/>
+                </a:solidFill>
+              </a:rPr>
+              <a:t>map</a:t>
+            </a:r>
+            <a:r>
+              <a:rPr>
+                <a:solidFill>
+                  <a:srgbClr val="999999"/>
+                </a:solidFill>
+              </a:rPr>
+              <a:t>(</a:t>
+            </a:r>
+            <a:r>
+              <a:rPr>
+                <a:solidFill>
+                  <a:srgbClr val="B54248"/>
+                </a:solidFill>
+              </a:rPr>
+              <a:t>callback</a:t>
+            </a:r>
+            <a:r>
+              <a:rPr>
+                <a:solidFill>
+                  <a:srgbClr val="999999"/>
+                </a:solidFill>
+              </a:rPr>
+              <a:t>(</a:t>
+            </a:r>
+            <a:r>
+              <a:rPr>
+                <a:solidFill>
+                  <a:srgbClr val="212121"/>
+                </a:solidFill>
+              </a:rPr>
+              <a:t>currentValue</a:t>
+            </a:r>
+            <a:r>
+              <a:rPr>
+                <a:solidFill>
+                  <a:srgbClr val="999999"/>
+                </a:solidFill>
+              </a:rPr>
+              <a:t>[,</a:t>
+            </a:r>
+            <a:r>
+              <a:rPr>
+                <a:solidFill>
+                  <a:srgbClr val="212121"/>
+                </a:solidFill>
+              </a:rPr>
+              <a:t> index</a:t>
+            </a:r>
+            <a:r>
+              <a:rPr>
+                <a:solidFill>
+                  <a:srgbClr val="999999"/>
+                </a:solidFill>
+              </a:rPr>
+              <a:t>[,</a:t>
+            </a:r>
+            <a:r>
+              <a:rPr>
+                <a:solidFill>
+                  <a:srgbClr val="212121"/>
+                </a:solidFill>
+              </a:rPr>
+              <a:t> array</a:t>
+            </a:r>
+            <a:r>
+              <a:rPr>
+                <a:solidFill>
+                  <a:srgbClr val="999999"/>
+                </a:solidFill>
+              </a:rPr>
+              <a:t>]])</a:t>
+            </a:r>
+            <a:r>
+              <a:rPr>
+                <a:solidFill>
+                  <a:srgbClr val="212121"/>
+                </a:solidFill>
+              </a:rPr>
+              <a:t> </a:t>
+            </a:r>
+            <a:r>
+              <a:rPr>
+                <a:solidFill>
+                  <a:srgbClr val="999999"/>
+                </a:solidFill>
+              </a:rPr>
+              <a:t>{</a:t>
+            </a:r>
+            <a:endParaRPr>
+              <a:solidFill>
+                <a:srgbClr val="212121"/>
+              </a:solidFill>
+            </a:endParaRPr>
+          </a:p>
+          <a:p>
+            <a:pPr marL="0" indent="0" defTabSz="403570">
+              <a:lnSpc>
+                <a:spcPts val="7000"/>
+              </a:lnSpc>
+              <a:spcBef>
+                <a:spcPts val="0"/>
+              </a:spcBef>
+              <a:buSzTx/>
+              <a:buNone/>
+              <a:defRPr b="1" spc="0" sz="4641">
                 <a:solidFill>
                   <a:srgbClr val="212121"/>
                 </a:solidFill>
@@ -6000,115 +5808,30 @@
               </a:defRPr>
             </a:pPr>
             <a:r>
+              <a:t>  </a:t>
+            </a:r>
+            <a:r>
               <a:rPr>
                 <a:solidFill>
-                  <a:srgbClr val="00458B"/>
+                  <a:srgbClr val="626262"/>
                 </a:solidFill>
               </a:rPr>
-              <a:t>let</a:t>
-            </a:r>
-            <a:r>
-              <a:t> newArray = arr</a:t>
-            </a:r>
-            <a:r>
-              <a:rPr>
-                <a:solidFill>
-                  <a:srgbClr val="999999"/>
-                </a:solidFill>
-              </a:rPr>
-              <a:t>.</a:t>
-            </a:r>
-            <a:r>
-              <a:rPr>
-                <a:solidFill>
-                  <a:srgbClr val="B54248"/>
-                </a:solidFill>
-              </a:rPr>
-              <a:t>map</a:t>
-            </a:r>
-            <a:r>
-              <a:rPr>
-                <a:solidFill>
-                  <a:srgbClr val="999999"/>
-                </a:solidFill>
-              </a:rPr>
-              <a:t>(</a:t>
-            </a:r>
-            <a:r>
-              <a:rPr>
-                <a:solidFill>
-                  <a:srgbClr val="B54248"/>
-                </a:solidFill>
-              </a:rPr>
-              <a:t>callback</a:t>
-            </a:r>
-            <a:r>
-              <a:rPr>
-                <a:solidFill>
-                  <a:srgbClr val="999999"/>
-                </a:solidFill>
-              </a:rPr>
-              <a:t>(</a:t>
-            </a:r>
-            <a:r>
-              <a:t>currentValue</a:t>
-            </a:r>
-            <a:r>
-              <a:rPr>
-                <a:solidFill>
-                  <a:srgbClr val="999999"/>
-                </a:solidFill>
-              </a:rPr>
-              <a:t>[,</a:t>
-            </a:r>
-            <a:r>
-              <a:t> index</a:t>
-            </a:r>
-            <a:r>
-              <a:rPr>
-                <a:solidFill>
-                  <a:srgbClr val="999999"/>
-                </a:solidFill>
-              </a:rPr>
-              <a:t>[,</a:t>
-            </a:r>
-            <a:r>
-              <a:t> array</a:t>
-            </a:r>
-            <a:r>
-              <a:rPr>
-                <a:solidFill>
-                  <a:srgbClr val="999999"/>
-                </a:solidFill>
-              </a:rPr>
-              <a:t>]])</a:t>
-            </a:r>
-            <a:r>
-              <a:t> </a:t>
-            </a:r>
-            <a:r>
-              <a:rPr>
-                <a:solidFill>
-                  <a:srgbClr val="999999"/>
-                </a:solidFill>
-              </a:rPr>
-              <a:t>{</a:t>
-            </a:r>
-          </a:p>
-          <a:p>
-            <a:pPr marL="0" indent="0" defTabSz="443484">
+              <a:t>// return element for newArray, after executing something</a:t>
+            </a:r>
+          </a:p>
+          <a:p>
+            <a:pPr marL="0" indent="0" defTabSz="403570">
               <a:lnSpc>
-                <a:spcPts val="7700"/>
+                <a:spcPts val="7000"/>
               </a:lnSpc>
               <a:spcBef>
                 <a:spcPts val="0"/>
               </a:spcBef>
-              <a:buClrTx/>
               <a:buSzTx/>
               <a:buNone/>
-              <a:defRPr b="1" spc="0" sz="5141">
+              <a:defRPr b="1" spc="0" sz="4641">
                 <a:solidFill>
-                  <a:srgbClr val="626262"/>
+                  <a:srgbClr val="999999"/>
                 </a:solidFill>
                 <a:latin typeface="Courier"/>
                 <a:ea typeface="Courier"/>
@@ -6117,105 +5840,69 @@
               </a:defRPr>
             </a:pPr>
             <a:r>
+              <a:t>}[,</a:t>
+            </a:r>
+            <a:r>
               <a:rPr>
                 <a:solidFill>
                   <a:srgbClr val="212121"/>
                 </a:solidFill>
               </a:rPr>
-              <a:t>  </a:t>
-            </a:r>
-            <a:r>
-              <a:t>// return element for newArray, after executing something</a:t>
-            </a:r>
-            <a:endParaRPr>
-              <a:solidFill>
-                <a:srgbClr val="212121"/>
-              </a:solidFill>
-            </a:endParaRPr>
-          </a:p>
-          <a:p>
-            <a:pPr marL="0" indent="0" defTabSz="443484">
-              <a:lnSpc>
-                <a:spcPts val="7700"/>
-              </a:lnSpc>
+              <a:t> thisArg</a:t>
+            </a:r>
+            <a:r>
+              <a:t>]);-MDN</a:t>
+            </a:r>
+          </a:p>
+          <a:p>
+            <a:pPr marL="0" indent="0" defTabSz="728668">
               <a:spcBef>
-                <a:spcPts val="0"/>
+                <a:spcPts val="3000"/>
               </a:spcBef>
-              <a:buClrTx/>
               <a:buSzTx/>
               <a:buNone/>
-              <a:defRPr b="1" spc="0" sz="5141">
-                <a:solidFill>
-                  <a:srgbClr val="212121"/>
-                </a:solidFill>
-                <a:latin typeface="Courier"/>
-                <a:ea typeface="Courier"/>
-                <a:cs typeface="Courier"/>
-                <a:sym typeface="Courier"/>
-              </a:defRPr>
+              <a:defRPr b="1" spc="-91" sz="4914"/>
             </a:pPr>
             <a:r>
-              <a:rPr>
-                <a:solidFill>
-                  <a:srgbClr val="999999"/>
-                </a:solidFill>
-              </a:rPr>
-              <a:t>}[,</a:t>
-            </a:r>
-            <a:r>
-              <a:t> thisArg</a:t>
-            </a:r>
-            <a:r>
-              <a:rPr>
-                <a:solidFill>
-                  <a:srgbClr val="999999"/>
-                </a:solidFill>
-              </a:rPr>
-              <a:t>]);-MDN</a:t>
-            </a:r>
-            <a:endParaRPr>
-              <a:solidFill>
-                <a:srgbClr val="999999"/>
-              </a:solidFill>
-            </a:endParaRPr>
-          </a:p>
-          <a:p>
-            <a:pPr marL="0" indent="0" defTabSz="800735">
+              <a:t>const numbers = [1,2,3]</a:t>
+            </a:r>
+            <a:endParaRPr spc="-49"/>
+          </a:p>
+          <a:p>
+            <a:pPr marL="0" indent="0" defTabSz="728668">
               <a:spcBef>
-                <a:spcPts val="3400"/>
+                <a:spcPts val="3000"/>
               </a:spcBef>
-              <a:buClrTx/>
               <a:buSzTx/>
               <a:buNone/>
-              <a:defRPr b="1" spc="-54" sz="5432"/>
+              <a:defRPr b="1" spc="-91" sz="4914"/>
             </a:pPr>
             <a:r>
-              <a:t>const numbers = [1,2,3]</a:t>
-            </a:r>
-          </a:p>
-          <a:p>
-            <a:pPr marL="0" indent="0" defTabSz="800735">
+              <a:t>const double = numbers.map(function(number){return number * 2})</a:t>
+            </a:r>
+          </a:p>
+          <a:p>
+            <a:pPr marL="0" indent="0" defTabSz="728668">
               <a:spcBef>
-                <a:spcPts val="3400"/>
+                <a:spcPts val="3000"/>
               </a:spcBef>
-              <a:buClrTx/>
               <a:buSzTx/>
               <a:buNone/>
-              <a:defRPr b="1" spc="-54" sz="5432"/>
+              <a:defRPr b="1" spc="-91" sz="4914"/>
             </a:pPr>
             <a:r>
-              <a:t>const double = numbers.map(function(number){return number * 2})</a:t>
-            </a:r>
-          </a:p>
-          <a:p>
-            <a:pPr marL="0" indent="0" defTabSz="800735">
+              <a:t>console.log(double) // returns [2,4,6]</a:t>
+            </a:r>
+            <a:endParaRPr spc="-49"/>
+          </a:p>
+          <a:p>
+            <a:pPr marL="0" indent="0" defTabSz="728668">
               <a:spcBef>
-                <a:spcPts val="3400"/>
+                <a:spcPts val="3000"/>
               </a:spcBef>
-              <a:buClrTx/>
               <a:buSzTx/>
               <a:buNone/>
-              <a:defRPr b="1" spc="-54" sz="5432"/>
+              <a:defRPr b="1" spc="-91" sz="4914"/>
             </a:pPr>
             <a:r>
               <a:t>const double = numbers.map(num =&gt; num= * 2)</a:t>
@@ -6232,13 +5919,21 @@
           </p:nvPr>
         </p:nvSpPr>
         <p:spPr>
+          <a:xfrm>
+            <a:off x="571500" y="652482"/>
+            <a:ext cx="23241000" cy="1951017"/>
+          </a:xfrm>
           <a:prstGeom prst="rect">
             <a:avLst/>
           </a:prstGeom>
         </p:spPr>
         <p:txBody>
           <a:bodyPr/>
-          <a:lstStyle/>
+          <a:lstStyle>
+            <a:lvl1pPr>
+              <a:defRPr spc="-300"/>
+            </a:lvl1pPr>
+          </a:lstStyle>
           <a:p>
             <a:pPr/>
             <a:r>
@@ -6253,6 +5948,83 @@
     <a:masterClrMapping/>
   </p:clrMapOvr>
   <p:transition xmlns:p14="http://schemas.microsoft.com/office/powerpoint/2010/main" spd="med" advClick="1"/>
+  <p:timing>
+    <p:tnLst>
+      <p:par>
+        <p:cTn id="1" nodeType="tmRoot" restart="never" dur="indefinite" fill="hold">
+          <p:childTnLst>
+            <p:seq concurrent="1" prevAc="none" nextAc="seek">
+              <p:cTn id="2" nodeType="mainSeq" dur="indefinite" fill="hold">
+                <p:childTnLst>
+                  <p:par>
+                    <p:cTn id="3" fill="hold">
+                      <p:stCondLst>
+                        <p:cond delay="indefinite"/>
+                      </p:stCondLst>
+                      <p:childTnLst>
+                        <p:par>
+                          <p:cTn id="4" fill="hold">
+                            <p:stCondLst>
+                              <p:cond delay="0"/>
+                            </p:stCondLst>
+                            <p:childTnLst>
+                              <p:par>
+                                <p:cTn id="5" presetClass="entr" nodeType="clickEffect" presetSubtype="0" presetID="1" grpId="1" fill="hold">
+                                  <p:stCondLst>
+                                    <p:cond delay="0"/>
+                                  </p:stCondLst>
+                                  <p:iterate type="el" backwards="0">
+                                    <p:tmAbs val="0"/>
+                                  </p:iterate>
+                                  <p:childTnLst>
+                                    <p:set>
+                                      <p:cBhvr>
+                                        <p:cTn id="6" fill="hold"/>
+                                        <p:tgtEl>
+                                          <p:spTgt spid="193"/>
+                                        </p:tgtEl>
+                                        <p:attrNameLst>
+                                          <p:attrName>style.visibility</p:attrName>
+                                        </p:attrNameLst>
+                                      </p:cBhvr>
+                                      <p:to>
+                                        <p:strVal val="visible"/>
+                                      </p:to>
+                                    </p:set>
+                                  </p:childTnLst>
+                                </p:cTn>
+                              </p:par>
+                            </p:childTnLst>
+                          </p:cTn>
+                        </p:par>
+                      </p:childTnLst>
+                    </p:cTn>
+                  </p:par>
+                </p:childTnLst>
+              </p:cTn>
+              <p:prevCondLst>
+                <p:cond evt="onPrev">
+                  <p:tgtEl>
+                    <p:sldTgt/>
+                  </p:tgtEl>
+                </p:cond>
+              </p:prevCondLst>
+              <p:nextCondLst>
+                <p:cond evt="onNext">
+                  <p:tgtEl>
+                    <p:sldTgt/>
+                  </p:tgtEl>
+                </p:cond>
+              </p:nextCondLst>
+            </p:seq>
+          </p:childTnLst>
+        </p:cTn>
+      </p:par>
+    </p:tnLst>
+    <p:bldLst>
+      <p:bldP build="whole" bldLvl="1" animBg="1" rev="0" advAuto="0" spid="193" grpId="1"/>
+    </p:bldLst>
+  </p:timing>
 </p:sld>
 </file>
 
@@ -6278,10 +6050,42 @@
           <p:cNvPr id="196" name="ARRAY.PROTOTYPE.MAP() by Hunt"/>
           <p:cNvSpPr txBox="1"/>
           <p:nvPr>
+            <p:ph type="body" sz="quarter" idx="1"/>
+          </p:nvPr>
+        </p:nvSpPr>
+        <p:spPr>
+          <a:prstGeom prst="rect">
+            <a:avLst/>
+          </a:prstGeom>
+        </p:spPr>
+        <p:txBody>
+          <a:bodyPr/>
+          <a:lstStyle>
+            <a:lvl1pPr>
+              <a:defRPr spc="100"/>
+            </a:lvl1pPr>
+          </a:lstStyle>
+          <a:p>
+            <a:pPr/>
+            <a:r>
+              <a:t>ARRAY.PROTOTYPE.MAP() by Hunt</a:t>
+            </a:r>
+          </a:p>
+        </p:txBody>
+      </p:sp>
+      <p:sp>
+        <p:nvSpPr>
+          <p:cNvPr id="197" name="Creating a new array on each execution provides immutability which can lead to less error prone code…"/>
+          <p:cNvSpPr txBox="1"/>
+          <p:nvPr>
             <p:ph type="body" idx="21"/>
           </p:nvPr>
         </p:nvSpPr>
         <p:spPr>
+          <a:xfrm>
+            <a:off x="571500" y="2784443"/>
+            <a:ext cx="23241000" cy="8817007"/>
+          </a:xfrm>
           <a:prstGeom prst="rect">
             <a:avLst/>
           </a:prstGeom>
@@ -6295,72 +6099,47 @@
           <a:bodyPr/>
           <a:lstStyle/>
           <a:p>
-            <a:pPr/>
-            <a:r>
-              <a:t>ARRAY.PROTOTYPE.MAP() by Hunt</a:t>
-            </a:r>
-          </a:p>
-        </p:txBody>
-      </p:sp>
-      <p:sp>
-        <p:nvSpPr>
-          <p:cNvPr id="197" name="Creating a new array on each execution provides immutability which can lead to less error prone code…"/>
-          <p:cNvSpPr txBox="1"/>
-          <p:nvPr>
-            <p:ph type="body" idx="1"/>
-          </p:nvPr>
-        </p:nvSpPr>
-        <p:spPr>
-          <a:xfrm>
-            <a:off x="571500" y="2784443"/>
-            <a:ext cx="23241000" cy="8817007"/>
-          </a:xfrm>
-          <a:prstGeom prst="rect">
-            <a:avLst/>
-          </a:prstGeom>
-        </p:spPr>
-        <p:txBody>
-          <a:bodyPr/>
-          <a:lstStyle/>
-          <a:p>
-            <a:pPr marL="842554" indent="-842554" defTabSz="709930">
+            <a:pPr marL="842553" indent="-842553" defTabSz="709930">
               <a:spcBef>
                 <a:spcPts val="3000"/>
               </a:spcBef>
-              <a:defRPr spc="-77" sz="7740"/>
+              <a:defRPr sz="7700"/>
             </a:pPr>
             <a:r>
               <a:t>Creating a new array on each execution provides immutability which can lead to less error prone code</a:t>
             </a:r>
-          </a:p>
-          <a:p>
-            <a:pPr marL="842554" indent="-842554" defTabSz="709930">
+            <a:endParaRPr spc="-77"/>
+          </a:p>
+          <a:p>
+            <a:pPr marL="842553" indent="-842553" defTabSz="709930">
               <a:spcBef>
                 <a:spcPts val="3000"/>
               </a:spcBef>
-              <a:defRPr spc="-77" sz="7740"/>
+              <a:defRPr sz="7700"/>
             </a:pPr>
             <a:r>
               <a:t>Less code (string with other methods in single line)</a:t>
             </a:r>
-          </a:p>
-          <a:p>
-            <a:pPr marL="842554" indent="-842554" defTabSz="709930">
+            <a:endParaRPr spc="-77"/>
+          </a:p>
+          <a:p>
+            <a:pPr marL="842553" indent="-842553" defTabSz="709930">
               <a:spcBef>
                 <a:spcPts val="3000"/>
               </a:spcBef>
-              <a:defRPr spc="-77" sz="7740"/>
+              <a:defRPr sz="7700"/>
             </a:pPr>
             <a:r>
               <a:t>Best practices within frameworks utilize it</a:t>
             </a:r>
-          </a:p>
-          <a:p>
-            <a:pPr marL="842554" indent="-842554" defTabSz="709930">
+            <a:endParaRPr spc="-77"/>
+          </a:p>
+          <a:p>
+            <a:pPr marL="842553" indent="-842553" defTabSz="709930">
               <a:spcBef>
                 <a:spcPts val="3000"/>
               </a:spcBef>
-              <a:defRPr spc="-77" sz="7740"/>
+              <a:defRPr sz="7700"/>
             </a:pPr>
             <a:r>
               <a:t>There’s a high probability you’ll run across map somewhere</a:t>
@@ -6377,13 +6156,21 @@
           </p:nvPr>
         </p:nvSpPr>
         <p:spPr>
+          <a:xfrm>
+            <a:off x="571500" y="652482"/>
+            <a:ext cx="23241000" cy="1951017"/>
+          </a:xfrm>
           <a:prstGeom prst="rect">
             <a:avLst/>
           </a:prstGeom>
         </p:spPr>
         <p:txBody>
           <a:bodyPr/>
-          <a:lstStyle/>
+          <a:lstStyle>
+            <a:lvl1pPr>
+              <a:defRPr spc="-300"/>
+            </a:lvl1pPr>
+          </a:lstStyle>
           <a:p>
             <a:pPr/>
             <a:r>
@@ -6423,6 +6210,34 @@
           <p:cNvPr id="200" name="ARRAY.PROTOTYPE.MAP() by Hunt"/>
           <p:cNvSpPr txBox="1"/>
           <p:nvPr>
+            <p:ph type="body" sz="quarter" idx="1"/>
+          </p:nvPr>
+        </p:nvSpPr>
+        <p:spPr>
+          <a:prstGeom prst="rect">
+            <a:avLst/>
+          </a:prstGeom>
+        </p:spPr>
+        <p:txBody>
+          <a:bodyPr/>
+          <a:lstStyle>
+            <a:lvl1pPr>
+              <a:defRPr spc="100"/>
+            </a:lvl1pPr>
+          </a:lstStyle>
+          <a:p>
+            <a:pPr/>
+            <a:r>
+              <a:t>ARRAY.PROTOTYPE.MAP() by Hunt</a:t>
+            </a:r>
+          </a:p>
+        </p:txBody>
+      </p:sp>
+      <p:sp>
+        <p:nvSpPr>
+          <p:cNvPr id="201" name="Not utilizing the new array or values from the new array is an anti-pattern…"/>
+          <p:cNvSpPr txBox="1"/>
+          <p:nvPr>
             <p:ph type="body" idx="21"/>
           </p:nvPr>
         </p:nvSpPr>
@@ -6440,40 +6255,17 @@
           <a:bodyPr/>
           <a:lstStyle/>
           <a:p>
-            <a:pPr/>
-            <a:r>
-              <a:t>ARRAY.PROTOTYPE.MAP() by Hunt</a:t>
-            </a:r>
-          </a:p>
-        </p:txBody>
-      </p:sp>
-      <p:sp>
-        <p:nvSpPr>
-          <p:cNvPr id="201" name="Not utilizing the new array or values from the new array is an anti-pattern…"/>
-          <p:cNvSpPr txBox="1"/>
-          <p:nvPr>
-            <p:ph type="body" idx="1"/>
-          </p:nvPr>
-        </p:nvSpPr>
-        <p:spPr>
-          <a:prstGeom prst="rect">
-            <a:avLst/>
-          </a:prstGeom>
-        </p:spPr>
-        <p:txBody>
-          <a:bodyPr/>
-          <a:lstStyle/>
-          <a:p>
-            <a:pPr marL="457199" indent="-457199">
-              <a:defRPr spc="-90" sz="9000"/>
+            <a:pPr marL="457198" indent="-457198">
+              <a:defRPr sz="9000"/>
             </a:pPr>
             <a:r>
               <a:t>Not utilizing the new array or values from the new array is an anti-pattern</a:t>
             </a:r>
-          </a:p>
-          <a:p>
-            <a:pPr marL="457199" indent="-457199">
-              <a:defRPr spc="-90" sz="9000"/>
+            <a:endParaRPr spc="-90"/>
+          </a:p>
+          <a:p>
+            <a:pPr marL="457198" indent="-457198">
+              <a:defRPr sz="9000"/>
             </a:pPr>
             <a:r>
               <a:t>When speed matters…for loops have been proven to be faster in some situations</a:t>
@@ -6490,13 +6282,21 @@
           </p:nvPr>
         </p:nvSpPr>
         <p:spPr>
+          <a:xfrm>
+            <a:off x="571500" y="652482"/>
+            <a:ext cx="23241000" cy="1951017"/>
+          </a:xfrm>
           <a:prstGeom prst="rect">
             <a:avLst/>
           </a:prstGeom>
         </p:spPr>
         <p:txBody>
           <a:bodyPr/>
-          <a:lstStyle/>
+          <a:lstStyle>
+            <a:lvl1pPr>
+              <a:defRPr spc="-300"/>
+            </a:lvl1pPr>
+          </a:lstStyle>
           <a:p>
             <a:pPr/>
             <a:r>
@@ -6536,10 +6336,42 @@
           <p:cNvPr id="204" name="ARRAY.PROTOTYPE.MAP() by Hunt"/>
           <p:cNvSpPr txBox="1"/>
           <p:nvPr>
+            <p:ph type="body" sz="quarter" idx="1"/>
+          </p:nvPr>
+        </p:nvSpPr>
+        <p:spPr>
+          <a:prstGeom prst="rect">
+            <a:avLst/>
+          </a:prstGeom>
+        </p:spPr>
+        <p:txBody>
+          <a:bodyPr/>
+          <a:lstStyle>
+            <a:lvl1pPr>
+              <a:defRPr spc="100"/>
+            </a:lvl1pPr>
+          </a:lstStyle>
+          <a:p>
+            <a:pPr/>
+            <a:r>
+              <a:t>ARRAY.PROTOTYPE.MAP() by Hunt</a:t>
+            </a:r>
+          </a:p>
+        </p:txBody>
+      </p:sp>
+      <p:sp>
+        <p:nvSpPr>
+          <p:cNvPr id="205" name="Repo: https://github.com/arthuranteater/map-prompt…"/>
+          <p:cNvSpPr txBox="1"/>
+          <p:nvPr>
             <p:ph type="body" idx="21"/>
           </p:nvPr>
         </p:nvSpPr>
         <p:spPr>
+          <a:xfrm>
+            <a:off x="2776" y="3587874"/>
+            <a:ext cx="23241001" cy="7697009"/>
+          </a:xfrm>
           <a:prstGeom prst="rect">
             <a:avLst/>
           </a:prstGeom>
@@ -6553,62 +6385,168 @@
           <a:bodyPr/>
           <a:lstStyle/>
           <a:p>
-            <a:pPr/>
-            <a:r>
-              <a:t>ARRAY.PROTOTYPE.MAP() by Hunt</a:t>
-            </a:r>
-          </a:p>
-        </p:txBody>
-      </p:sp>
-      <p:sp>
-        <p:nvSpPr>
-          <p:cNvPr id="205" name="Repo: https://github.com/arthuranteater/map-prompt…"/>
-          <p:cNvSpPr txBox="1"/>
-          <p:nvPr>
-            <p:ph type="body" idx="1"/>
-          </p:nvPr>
-        </p:nvSpPr>
-        <p:spPr>
-          <a:prstGeom prst="rect">
-            <a:avLst/>
-          </a:prstGeom>
-        </p:spPr>
-        <p:txBody>
-          <a:bodyPr/>
-          <a:lstStyle/>
-          <a:p>
-            <a:pPr marL="0" indent="0">
+            <a:pPr marL="0" indent="0" defTabSz="635634">
+              <a:spcBef>
+                <a:spcPts val="2700"/>
+              </a:spcBef>
+              <a:buSzTx/>
+              <a:buNone/>
+              <a:defRPr spc="-77" sz="6929"/>
+            </a:pPr>
+            <a:r>
+              <a:t>Repo: </a:t>
+            </a:r>
+            <a:r>
+              <a:rPr u="sng">
+                <a:solidFill>
+                  <a:srgbClr val="0000FF"/>
+                </a:solidFill>
+                <a:uFill>
+                  <a:solidFill>
+                    <a:srgbClr val="0000FF"/>
+                  </a:solidFill>
+                </a:uFill>
+                <a:hlinkClick r:id="rId2" invalidUrl="" action="" tgtFrame="" tooltip="" history="1" highlightClick="0" endSnd="0"/>
+              </a:rPr>
+              <a:t>https://github.com/arthuranteater/map-prompt</a:t>
+            </a:r>
+          </a:p>
+          <a:p>
+            <a:pPr marL="0" indent="0" defTabSz="352043">
+              <a:lnSpc>
+                <a:spcPts val="2400"/>
+              </a:lnSpc>
+              <a:spcBef>
+                <a:spcPts val="0"/>
+              </a:spcBef>
               <a:buClrTx/>
               <a:buSzTx/>
               <a:buNone/>
-              <a:defRPr spc="-90" sz="9000"/>
+              <a:defRPr spc="0" sz="924">
+                <a:solidFill>
+                  <a:srgbClr val="CBCCC6"/>
+                </a:solidFill>
+                <a:latin typeface="Menlo Regular"/>
+                <a:ea typeface="Menlo Regular"/>
+                <a:cs typeface="Menlo Regular"/>
+                <a:sym typeface="Menlo Regular"/>
+              </a:defRPr>
             </a:pPr>
-            <a:r>
-              <a:t>Repo: </a:t>
-            </a:r>
-            <a:r>
-              <a:rPr u="sng">
-                <a:hlinkClick r:id="rId2" invalidUrl="" action="" tgtFrame="" tooltip="" history="1" highlightClick="0" endSnd="0"/>
-              </a:rPr>
-              <a:t>https://github.com/arthuranteater/map-prompt</a:t>
-            </a:r>
-            <a:br/>
-          </a:p>
-          <a:p>
-            <a:pPr marL="0" indent="0">
+          </a:p>
+          <a:p>
+            <a:pPr marL="0" indent="0" defTabSz="352043">
+              <a:lnSpc>
+                <a:spcPts val="2400"/>
+              </a:lnSpc>
+              <a:spcBef>
+                <a:spcPts val="0"/>
+              </a:spcBef>
               <a:buClrTx/>
               <a:buSzTx/>
               <a:buNone/>
-              <a:defRPr spc="-90" sz="9000"/>
+              <a:defRPr spc="0" sz="924">
+                <a:solidFill>
+                  <a:srgbClr val="CBCCC6"/>
+                </a:solidFill>
+                <a:latin typeface="Menlo Regular"/>
+                <a:ea typeface="Menlo Regular"/>
+                <a:cs typeface="Menlo Regular"/>
+                <a:sym typeface="Menlo Regular"/>
+              </a:defRPr>
             </a:pPr>
-            <a:r>
-              <a:t>Repl: </a:t>
+          </a:p>
+          <a:p>
+            <a:pPr marL="0" indent="0" defTabSz="352043">
+              <a:lnSpc>
+                <a:spcPts val="2400"/>
+              </a:lnSpc>
+              <a:spcBef>
+                <a:spcPts val="0"/>
+              </a:spcBef>
+              <a:buSzTx/>
+              <a:buNone/>
+              <a:defRPr spc="0" sz="924">
+                <a:solidFill>
+                  <a:srgbClr val="CBCCC6"/>
+                </a:solidFill>
+                <a:latin typeface="Menlo Regular"/>
+                <a:ea typeface="Menlo Regular"/>
+                <a:cs typeface="Menlo Regular"/>
+                <a:sym typeface="Menlo Regular"/>
+              </a:defRPr>
+            </a:pPr>
+            <a:endParaRPr spc="-69" sz="6929"/>
+          </a:p>
+          <a:p>
+            <a:pPr marL="0" indent="0" defTabSz="635634">
+              <a:spcBef>
+                <a:spcPts val="2700"/>
+              </a:spcBef>
+              <a:buSzTx/>
+              <a:buNone/>
+              <a:defRPr spc="-77" sz="6929"/>
+            </a:pPr>
+            <a:r>
+              <a:rPr spc="-69"/>
+              <a:t>JSBin</a:t>
+            </a:r>
+            <a:r>
+              <a:t>: </a:t>
             </a:r>
             <a:r>
               <a:rPr u="sng">
+                <a:solidFill>
+                  <a:srgbClr val="0000FF"/>
+                </a:solidFill>
+                <a:uFill>
+                  <a:solidFill>
+                    <a:srgbClr val="0000FF"/>
+                  </a:solidFill>
+                </a:uFill>
                 <a:hlinkClick r:id="rId3" invalidUrl="" action="" tgtFrame="" tooltip="" history="1" highlightClick="0" endSnd="0"/>
               </a:rPr>
-              <a:t>https://repl.it/</a:t>
+              <a:t>https://jsbin.com/joviden/edit?js,console</a:t>
+            </a:r>
+          </a:p>
+          <a:p>
+            <a:pPr marL="0" indent="0" defTabSz="635634">
+              <a:spcBef>
+                <a:spcPts val="2700"/>
+              </a:spcBef>
+              <a:buSzTx/>
+              <a:buNone/>
+              <a:defRPr spc="-77" sz="6929"/>
+            </a:pPr>
+          </a:p>
+          <a:p>
+            <a:pPr marL="0" indent="0" defTabSz="635634">
+              <a:spcBef>
+                <a:spcPts val="2700"/>
+              </a:spcBef>
+              <a:buSzTx/>
+              <a:buNone/>
+              <a:defRPr spc="-77" sz="6929"/>
+            </a:pPr>
+            <a:r>
+              <a:rPr spc="-69"/>
+              <a:t>JSFiddle</a:t>
+            </a:r>
+            <a:r>
+              <a:t>: </a:t>
+            </a:r>
+            <a:r>
+              <a:rPr u="sng">
+                <a:solidFill>
+                  <a:srgbClr val="0000FF"/>
+                </a:solidFill>
+                <a:uFill>
+                  <a:solidFill>
+                    <a:srgbClr val="0000FF"/>
+                  </a:solidFill>
+                </a:uFill>
+                <a:hlinkClick r:id="rId4" invalidUrl="" action="" tgtFrame="" tooltip="" history="1" highlightClick="0" endSnd="0"/>
+              </a:rPr>
+              <a:t>https://jsfiddle.net/arthuranteater/dr90c2zq/1/</a:t>
             </a:r>
           </a:p>
         </p:txBody>
@@ -6622,13 +6560,21 @@
           </p:nvPr>
         </p:nvSpPr>
         <p:spPr>
+          <a:xfrm>
+            <a:off x="571500" y="652482"/>
+            <a:ext cx="23241000" cy="1951017"/>
+          </a:xfrm>
           <a:prstGeom prst="rect">
             <a:avLst/>
           </a:prstGeom>
         </p:spPr>
         <p:txBody>
           <a:bodyPr/>
-          <a:lstStyle/>
+          <a:lstStyle>
+            <a:lvl1pPr>
+              <a:defRPr spc="-300"/>
+            </a:lvl1pPr>
+          </a:lstStyle>
           <a:p>
             <a:pPr/>
             <a:r>
@@ -6654,13 +6600,13 @@
         <a:srgbClr val="000034"/>
       </a:dk1>
       <a:lt1>
-        <a:srgbClr val="3B39E4"/>
+        <a:srgbClr val="000034"/>
       </a:lt1>
       <a:dk2>
-        <a:srgbClr val="555952"/>
+        <a:srgbClr val="A7A7A7"/>
       </a:dk2>
       <a:lt2>
-        <a:srgbClr val="D6DCCF"/>
+        <a:srgbClr val="535353"/>
       </a:lt2>
       <a:accent1>
         <a:srgbClr val="3B39E4"/>
@@ -6689,14 +6635,14 @@
     </a:clrScheme>
     <a:fontScheme name="28_Academy">
       <a:majorFont>
-        <a:latin typeface="Founders Grotesk Semibold"/>
-        <a:ea typeface="Founders Grotesk Semibold"/>
-        <a:cs typeface="Founders Grotesk Semibold"/>
+        <a:latin typeface="Helvetica Neue"/>
+        <a:ea typeface="Helvetica Neue"/>
+        <a:cs typeface="Helvetica Neue"/>
       </a:majorFont>
       <a:minorFont>
-        <a:latin typeface="Founders Grotesk Semibold"/>
-        <a:ea typeface="Founders Grotesk Semibold"/>
-        <a:cs typeface="Founders Grotesk Semibold"/>
+        <a:latin typeface="Helvetica"/>
+        <a:ea typeface="Helvetica"/>
+        <a:cs typeface="Helvetica"/>
       </a:minorFont>
     </a:fontScheme>
     <a:fmtScheme name="28_Academy">
@@ -6837,15 +6783,14 @@
     <a:spDef>
       <a:spPr>
         <a:solidFill>
-          <a:schemeClr val="accent1">
-            <a:hueOff val="-42304"/>
-            <a:satOff val="23749"/>
-            <a:lumOff val="-45745"/>
-          </a:schemeClr>
+          <a:schemeClr val="accent1"/>
         </a:solidFill>
-        <a:ln w="12700" cap="flat">
-          <a:noFill/>
-          <a:miter lim="400000"/>
+        <a:ln w="25400" cap="flat">
+          <a:solidFill>
+            <a:schemeClr val="accent1"/>
+          </a:solidFill>
+          <a:prstDash val="solid"/>
+          <a:round/>
         </a:ln>
         <a:effectLst/>
         <a:sp3d/>
@@ -6859,7 +6804,7 @@
             <a:spcPct val="100000"/>
           </a:lnSpc>
           <a:spcBef>
-            <a:spcPts val="0"/>
+            <a:spcPts val="2400"/>
           </a:spcBef>
           <a:spcAft>
             <a:spcPts val="0"/>
@@ -6868,20 +6813,22 @@
           <a:buSzTx/>
           <a:buFontTx/>
           <a:buNone/>
-          <a:tabLst/>
-          <a:defRPr b="1" baseline="0" cap="all" i="0" spc="156" strike="noStrike" sz="2600" u="none" kumimoji="0" normalizeH="0">
+          <a:tabLst>
+            <a:tab pos="584200" algn="l"/>
+          </a:tabLst>
+          <a:defRPr b="0" baseline="0" cap="none" i="0" spc="78" strike="noStrike" sz="2600" u="none" kumimoji="0" normalizeH="0">
             <a:ln>
               <a:noFill/>
             </a:ln>
             <a:solidFill>
-              <a:srgbClr val="FFFFFF"/>
+              <a:srgbClr val="000034"/>
             </a:solidFill>
             <a:effectLst/>
             <a:uFillTx/>
-            <a:latin typeface="Founders Grotesk Condensed"/>
-            <a:ea typeface="Founders Grotesk Condensed"/>
-            <a:cs typeface="Founders Grotesk Condensed"/>
-            <a:sym typeface="Founders Grotesk Condensed"/>
+            <a:latin typeface="Founders Grotesk Semibold"/>
+            <a:ea typeface="Founders Grotesk Semibold"/>
+            <a:cs typeface="Founders Grotesk Semibold"/>
+            <a:sym typeface="Founders Grotesk Semibold"/>
           </a:defRPr>
         </a:defPPr>
         <a:lvl1pPr marL="0" marR="0" indent="0" algn="l" defTabSz="914400" rtl="0" fontAlgn="auto" latinLnBrk="1" hangingPunct="0">
@@ -7129,12 +7076,12 @@
     <a:lnDef>
       <a:spPr>
         <a:noFill/>
-        <a:ln w="114300" cap="flat">
+        <a:ln w="25400" cap="flat">
           <a:solidFill>
-            <a:srgbClr val="000000"/>
+            <a:schemeClr val="accent1"/>
           </a:solidFill>
           <a:prstDash val="solid"/>
-          <a:miter lim="400000"/>
+          <a:round/>
         </a:ln>
         <a:effectLst/>
         <a:sp3d/>
@@ -7447,14 +7394,14 @@
               <a:noFill/>
             </a:ln>
             <a:solidFill>
-              <a:schemeClr val="accent1"/>
+              <a:srgbClr val="000034"/>
             </a:solidFill>
             <a:effectLst/>
             <a:uFillTx/>
-            <a:latin typeface="Founders Grotesk Text"/>
-            <a:ea typeface="Founders Grotesk Text"/>
-            <a:cs typeface="Founders Grotesk Text"/>
-            <a:sym typeface="Founders Grotesk Text"/>
+            <a:latin typeface="Founders Grotesk Semibold"/>
+            <a:ea typeface="Founders Grotesk Semibold"/>
+            <a:cs typeface="Founders Grotesk Semibold"/>
+            <a:sym typeface="Founders Grotesk Semibold"/>
           </a:defRPr>
         </a:defPPr>
         <a:lvl1pPr marL="0" marR="0" indent="0" algn="l" defTabSz="914400" rtl="0" fontAlgn="auto" latinLnBrk="1" hangingPunct="0">
@@ -7714,10 +7661,10 @@
         <a:srgbClr val="FFFFFF"/>
       </a:lt1>
       <a:dk2>
-        <a:srgbClr val="555952"/>
+        <a:srgbClr val="A7A7A7"/>
       </a:dk2>
       <a:lt2>
-        <a:srgbClr val="D6DCCF"/>
+        <a:srgbClr val="535353"/>
       </a:lt2>
       <a:accent1>
         <a:srgbClr val="3B39E4"/>
@@ -7746,14 +7693,14 @@
     </a:clrScheme>
     <a:fontScheme name="28_Academy">
       <a:majorFont>
-        <a:latin typeface="Founders Grotesk Semibold"/>
-        <a:ea typeface="Founders Grotesk Semibold"/>
-        <a:cs typeface="Founders Grotesk Semibold"/>
+        <a:latin typeface="Helvetica Neue"/>
+        <a:ea typeface="Helvetica Neue"/>
+        <a:cs typeface="Helvetica Neue"/>
       </a:majorFont>
       <a:minorFont>
-        <a:latin typeface="Founders Grotesk Semibold"/>
-        <a:ea typeface="Founders Grotesk Semibold"/>
-        <a:cs typeface="Founders Grotesk Semibold"/>
+        <a:latin typeface="Helvetica"/>
+        <a:ea typeface="Helvetica"/>
+        <a:cs typeface="Helvetica"/>
       </a:minorFont>
     </a:fontScheme>
     <a:fmtScheme name="28_Academy">
@@ -7894,15 +7841,14 @@
     <a:spDef>
       <a:spPr>
         <a:solidFill>
-          <a:schemeClr val="accent1">
-            <a:hueOff val="-42304"/>
-            <a:satOff val="23749"/>
-            <a:lumOff val="-45745"/>
-          </a:schemeClr>
+          <a:schemeClr val="accent1"/>
         </a:solidFill>
-        <a:ln w="12700" cap="flat">
-          <a:noFill/>
-          <a:miter lim="400000"/>
+        <a:ln w="25400" cap="flat">
+          <a:solidFill>
+            <a:schemeClr val="accent1"/>
+          </a:solidFill>
+          <a:prstDash val="solid"/>
+          <a:round/>
         </a:ln>
         <a:effectLst/>
         <a:sp3d/>
@@ -7916,7 +7862,7 @@
             <a:spcPct val="100000"/>
           </a:lnSpc>
           <a:spcBef>
-            <a:spcPts val="0"/>
+            <a:spcPts val="2400"/>
           </a:spcBef>
           <a:spcAft>
             <a:spcPts val="0"/>
@@ -7925,20 +7871,22 @@
           <a:buSzTx/>
           <a:buFontTx/>
           <a:buNone/>
-          <a:tabLst/>
-          <a:defRPr b="1" baseline="0" cap="all" i="0" spc="156" strike="noStrike" sz="2600" u="none" kumimoji="0" normalizeH="0">
+          <a:tabLst>
+            <a:tab pos="584200" algn="l"/>
+          </a:tabLst>
+          <a:defRPr b="0" baseline="0" cap="none" i="0" spc="78" strike="noStrike" sz="2600" u="none" kumimoji="0" normalizeH="0">
             <a:ln>
               <a:noFill/>
             </a:ln>
             <a:solidFill>
-              <a:srgbClr val="FFFFFF"/>
+              <a:srgbClr val="000034"/>
             </a:solidFill>
             <a:effectLst/>
             <a:uFillTx/>
-            <a:latin typeface="Founders Grotesk Condensed"/>
-            <a:ea typeface="Founders Grotesk Condensed"/>
-            <a:cs typeface="Founders Grotesk Condensed"/>
-            <a:sym typeface="Founders Grotesk Condensed"/>
+            <a:latin typeface="Founders Grotesk Semibold"/>
+            <a:ea typeface="Founders Grotesk Semibold"/>
+            <a:cs typeface="Founders Grotesk Semibold"/>
+            <a:sym typeface="Founders Grotesk Semibold"/>
           </a:defRPr>
         </a:defPPr>
         <a:lvl1pPr marL="0" marR="0" indent="0" algn="l" defTabSz="914400" rtl="0" fontAlgn="auto" latinLnBrk="1" hangingPunct="0">
@@ -8186,12 +8134,12 @@
     <a:lnDef>
       <a:spPr>
         <a:noFill/>
-        <a:ln w="114300" cap="flat">
+        <a:ln w="25400" cap="flat">
           <a:solidFill>
-            <a:srgbClr val="000000"/>
+            <a:schemeClr val="accent1"/>
           </a:solidFill>
           <a:prstDash val="solid"/>
-          <a:miter lim="400000"/>
+          <a:round/>
         </a:ln>
         <a:effectLst/>
         <a:sp3d/>
@@ -8504,14 +8452,14 @@
               <a:noFill/>
             </a:ln>
             <a:solidFill>
-              <a:schemeClr val="accent1"/>
+              <a:srgbClr val="000034"/>
             </a:solidFill>
             <a:effectLst/>
             <a:uFillTx/>
-            <a:latin typeface="Founders Grotesk Text"/>
-            <a:ea typeface="Founders Grotesk Text"/>
-            <a:cs typeface="Founders Grotesk Text"/>
-            <a:sym typeface="Founders Grotesk Text"/>
+            <a:latin typeface="Founders Grotesk Semibold"/>
+            <a:ea typeface="Founders Grotesk Semibold"/>
+            <a:cs typeface="Founders Grotesk Semibold"/>
+            <a:sym typeface="Founders Grotesk Semibold"/>
           </a:defRPr>
         </a:defPPr>
         <a:lvl1pPr marL="0" marR="0" indent="0" algn="l" defTabSz="914400" rtl="0" fontAlgn="auto" latinLnBrk="1" hangingPunct="0">
